--- a/presentation/Slide_Nhóm 29.pptx
+++ b/presentation/Slide_Nhóm 29.pptx
@@ -18,9 +18,17 @@
     <p:sldId id="259" r:id="rId12"/>
     <p:sldId id="260" r:id="rId13"/>
     <p:sldId id="261" r:id="rId14"/>
-    <p:sldId id="262" r:id="rId15"/>
-    <p:sldId id="263" r:id="rId16"/>
-    <p:sldId id="264" r:id="rId17"/>
+    <p:sldId id="267" r:id="rId15"/>
+    <p:sldId id="270" r:id="rId16"/>
+    <p:sldId id="268" r:id="rId17"/>
+    <p:sldId id="271" r:id="rId18"/>
+    <p:sldId id="272" r:id="rId19"/>
+    <p:sldId id="273" r:id="rId20"/>
+    <p:sldId id="262" r:id="rId21"/>
+    <p:sldId id="274" r:id="rId22"/>
+    <p:sldId id="275" r:id="rId23"/>
+    <p:sldId id="263" r:id="rId24"/>
+    <p:sldId id="264" r:id="rId25"/>
   </p:sldIdLst>
   <p:sldSz cx="12192000" cy="6858000"/>
   <p:notesSz cx="7559675" cy="10691813"/>
@@ -119,11 +127,585 @@
       </a:defRPr>
     </a:lvl9pPr>
   </p:defaultTextStyle>
+  <p:extLst>
+    <p:ext uri="{EFAFB233-063F-42B5-8137-9DF3F51BA10A}">
+      <p15:sldGuideLst xmlns:p15="http://schemas.microsoft.com/office/powerpoint/2012/main"/>
+    </p:ext>
+  </p:extLst>
 </p:presentation>
+</file>
+
+<file path=ppt/revisionInfo.xml><?xml version="1.0" encoding="utf-8"?>
+<p1510:revInfo xmlns:a="http://schemas.openxmlformats.org/drawingml/2006/main" xmlns:r="http://schemas.openxmlformats.org/officeDocument/2006/relationships" xmlns:p1510="http://schemas.microsoft.com/office/powerpoint/2015/10/main">
+  <p1510:revLst>
+    <p1510:client id="{6B7E645A-185A-5457-D639-482ADF1DF4EC}" v="600" dt="2024-12-15T14:54:27.467"/>
+    <p1510:client id="{EF679071-2B6B-466C-6D91-35433D91D723}" v="52" dt="2024-12-15T15:10:29.622"/>
+  </p1510:revLst>
+</p1510:revInfo>
 </file>
 
 <file path=ppt/changesInfos/changesInfo1.xml><?xml version="1.0" encoding="utf-8"?>
 <pc:chgInfo xmlns:a="http://schemas.openxmlformats.org/drawingml/2006/main" xmlns:r="http://schemas.openxmlformats.org/officeDocument/2006/relationships" xmlns:ac="http://schemas.microsoft.com/office/drawing/2013/main/command" xmlns:pc="http://schemas.microsoft.com/office/powerpoint/2013/main/command">
+  <pc:docChgLst>
+    <pc:chgData name="Pham Thuong Vi 20226097" userId="S::vi.pt226097@sis.hust.edu.vn::9de28509-a32e-464f-9d8d-97d5b8268316" providerId="AD" clId="Web-{6B7E645A-185A-5457-D639-482ADF1DF4EC}"/>
+    <pc:docChg chg="addSld delSld modSld">
+      <pc:chgData name="Pham Thuong Vi 20226097" userId="S::vi.pt226097@sis.hust.edu.vn::9de28509-a32e-464f-9d8d-97d5b8268316" providerId="AD" clId="Web-{6B7E645A-185A-5457-D639-482ADF1DF4EC}" dt="2024-12-15T14:54:27.467" v="561" actId="14100"/>
+      <pc:docMkLst>
+        <pc:docMk/>
+      </pc:docMkLst>
+      <pc:sldChg chg="addSp delSp modSp">
+        <pc:chgData name="Pham Thuong Vi 20226097" userId="S::vi.pt226097@sis.hust.edu.vn::9de28509-a32e-464f-9d8d-97d5b8268316" providerId="AD" clId="Web-{6B7E645A-185A-5457-D639-482ADF1DF4EC}" dt="2024-12-15T08:47:55.770" v="120"/>
+        <pc:sldMkLst>
+          <pc:docMk/>
+          <pc:sldMk cId="0" sldId="258"/>
+        </pc:sldMkLst>
+        <pc:spChg chg="add mod">
+          <ac:chgData name="Pham Thuong Vi 20226097" userId="S::vi.pt226097@sis.hust.edu.vn::9de28509-a32e-464f-9d8d-97d5b8268316" providerId="AD" clId="Web-{6B7E645A-185A-5457-D639-482ADF1DF4EC}" dt="2024-12-15T08:44:20.236" v="54" actId="20577"/>
+          <ac:spMkLst>
+            <pc:docMk/>
+            <pc:sldMk cId="0" sldId="258"/>
+            <ac:spMk id="4" creationId="{F7B2482D-673B-4FB5-7FEA-7AB39151DEFA}"/>
+          </ac:spMkLst>
+        </pc:spChg>
+        <pc:spChg chg="del">
+          <ac:chgData name="Pham Thuong Vi 20226097" userId="S::vi.pt226097@sis.hust.edu.vn::9de28509-a32e-464f-9d8d-97d5b8268316" providerId="AD" clId="Web-{6B7E645A-185A-5457-D639-482ADF1DF4EC}" dt="2024-12-15T08:43:18.767" v="48"/>
+          <ac:spMkLst>
+            <pc:docMk/>
+            <pc:sldMk cId="0" sldId="258"/>
+            <ac:spMk id="311" creationId="{00000000-0000-0000-0000-000000000000}"/>
+          </ac:spMkLst>
+        </pc:spChg>
+        <pc:graphicFrameChg chg="add mod modGraphic">
+          <ac:chgData name="Pham Thuong Vi 20226097" userId="S::vi.pt226097@sis.hust.edu.vn::9de28509-a32e-464f-9d8d-97d5b8268316" providerId="AD" clId="Web-{6B7E645A-185A-5457-D639-482ADF1DF4EC}" dt="2024-12-15T08:47:55.770" v="120"/>
+          <ac:graphicFrameMkLst>
+            <pc:docMk/>
+            <pc:sldMk cId="0" sldId="258"/>
+            <ac:graphicFrameMk id="3" creationId="{064E7798-E224-83D8-DB2F-E0BF498179C7}"/>
+          </ac:graphicFrameMkLst>
+        </pc:graphicFrameChg>
+      </pc:sldChg>
+      <pc:sldChg chg="modSp">
+        <pc:chgData name="Pham Thuong Vi 20226097" userId="S::vi.pt226097@sis.hust.edu.vn::9de28509-a32e-464f-9d8d-97d5b8268316" providerId="AD" clId="Web-{6B7E645A-185A-5457-D639-482ADF1DF4EC}" dt="2024-12-15T05:51:08.978" v="42" actId="20577"/>
+        <pc:sldMkLst>
+          <pc:docMk/>
+          <pc:sldMk cId="0" sldId="259"/>
+        </pc:sldMkLst>
+        <pc:spChg chg="mod">
+          <ac:chgData name="Pham Thuong Vi 20226097" userId="S::vi.pt226097@sis.hust.edu.vn::9de28509-a32e-464f-9d8d-97d5b8268316" providerId="AD" clId="Web-{6B7E645A-185A-5457-D639-482ADF1DF4EC}" dt="2024-12-15T05:50:56.650" v="40" actId="20577"/>
+          <ac:spMkLst>
+            <pc:docMk/>
+            <pc:sldMk cId="0" sldId="259"/>
+            <ac:spMk id="312" creationId="{00000000-0000-0000-0000-000000000000}"/>
+          </ac:spMkLst>
+        </pc:spChg>
+        <pc:spChg chg="mod">
+          <ac:chgData name="Pham Thuong Vi 20226097" userId="S::vi.pt226097@sis.hust.edu.vn::9de28509-a32e-464f-9d8d-97d5b8268316" providerId="AD" clId="Web-{6B7E645A-185A-5457-D639-482ADF1DF4EC}" dt="2024-12-15T05:51:08.978" v="42" actId="20577"/>
+          <ac:spMkLst>
+            <pc:docMk/>
+            <pc:sldMk cId="0" sldId="259"/>
+            <ac:spMk id="313" creationId="{00000000-0000-0000-0000-000000000000}"/>
+          </ac:spMkLst>
+        </pc:spChg>
+      </pc:sldChg>
+      <pc:sldChg chg="addSp modSp">
+        <pc:chgData name="Pham Thuong Vi 20226097" userId="S::vi.pt226097@sis.hust.edu.vn::9de28509-a32e-464f-9d8d-97d5b8268316" providerId="AD" clId="Web-{6B7E645A-185A-5457-D639-482ADF1DF4EC}" dt="2024-12-15T08:50:15.881" v="137" actId="20577"/>
+        <pc:sldMkLst>
+          <pc:docMk/>
+          <pc:sldMk cId="0" sldId="260"/>
+        </pc:sldMkLst>
+        <pc:spChg chg="mod">
+          <ac:chgData name="Pham Thuong Vi 20226097" userId="S::vi.pt226097@sis.hust.edu.vn::9de28509-a32e-464f-9d8d-97d5b8268316" providerId="AD" clId="Web-{6B7E645A-185A-5457-D639-482ADF1DF4EC}" dt="2024-12-15T08:50:15.881" v="137" actId="20577"/>
+          <ac:spMkLst>
+            <pc:docMk/>
+            <pc:sldMk cId="0" sldId="260"/>
+            <ac:spMk id="314" creationId="{00000000-0000-0000-0000-000000000000}"/>
+          </ac:spMkLst>
+        </pc:spChg>
+        <pc:picChg chg="add mod modCrop">
+          <ac:chgData name="Pham Thuong Vi 20226097" userId="S::vi.pt226097@sis.hust.edu.vn::9de28509-a32e-464f-9d8d-97d5b8268316" providerId="AD" clId="Web-{6B7E645A-185A-5457-D639-482ADF1DF4EC}" dt="2024-12-15T08:49:22.318" v="128" actId="14100"/>
+          <ac:picMkLst>
+            <pc:docMk/>
+            <pc:sldMk cId="0" sldId="260"/>
+            <ac:picMk id="2" creationId="{D23A2D03-4E2E-E18E-41AC-F517D696E7ED}"/>
+          </ac:picMkLst>
+        </pc:picChg>
+      </pc:sldChg>
+      <pc:sldChg chg="addSp delSp modSp">
+        <pc:chgData name="Pham Thuong Vi 20226097" userId="S::vi.pt226097@sis.hust.edu.vn::9de28509-a32e-464f-9d8d-97d5b8268316" providerId="AD" clId="Web-{6B7E645A-185A-5457-D639-482ADF1DF4EC}" dt="2024-12-15T09:00:06.718" v="152" actId="20577"/>
+        <pc:sldMkLst>
+          <pc:docMk/>
+          <pc:sldMk cId="0" sldId="261"/>
+        </pc:sldMkLst>
+        <pc:spChg chg="mod">
+          <ac:chgData name="Pham Thuong Vi 20226097" userId="S::vi.pt226097@sis.hust.edu.vn::9de28509-a32e-464f-9d8d-97d5b8268316" providerId="AD" clId="Web-{6B7E645A-185A-5457-D639-482ADF1DF4EC}" dt="2024-12-15T09:00:06.718" v="152" actId="20577"/>
+          <ac:spMkLst>
+            <pc:docMk/>
+            <pc:sldMk cId="0" sldId="261"/>
+            <ac:spMk id="315" creationId="{00000000-0000-0000-0000-000000000000}"/>
+          </ac:spMkLst>
+        </pc:spChg>
+        <pc:spChg chg="del">
+          <ac:chgData name="Pham Thuong Vi 20226097" userId="S::vi.pt226097@sis.hust.edu.vn::9de28509-a32e-464f-9d8d-97d5b8268316" providerId="AD" clId="Web-{6B7E645A-185A-5457-D639-482ADF1DF4EC}" dt="2024-12-15T08:58:51.764" v="143"/>
+          <ac:spMkLst>
+            <pc:docMk/>
+            <pc:sldMk cId="0" sldId="261"/>
+            <ac:spMk id="316" creationId="{00000000-0000-0000-0000-000000000000}"/>
+          </ac:spMkLst>
+        </pc:spChg>
+        <pc:picChg chg="add mod modCrop">
+          <ac:chgData name="Pham Thuong Vi 20226097" userId="S::vi.pt226097@sis.hust.edu.vn::9de28509-a32e-464f-9d8d-97d5b8268316" providerId="AD" clId="Web-{6B7E645A-185A-5457-D639-482ADF1DF4EC}" dt="2024-12-15T08:59:22.389" v="146" actId="14100"/>
+          <ac:picMkLst>
+            <pc:docMk/>
+            <pc:sldMk cId="0" sldId="261"/>
+            <ac:picMk id="2" creationId="{0EBDEE71-FEC9-EF45-3224-E0C5650F1815}"/>
+          </ac:picMkLst>
+        </pc:picChg>
+      </pc:sldChg>
+      <pc:sldChg chg="addSp delSp modSp">
+        <pc:chgData name="Pham Thuong Vi 20226097" userId="S::vi.pt226097@sis.hust.edu.vn::9de28509-a32e-464f-9d8d-97d5b8268316" providerId="AD" clId="Web-{6B7E645A-185A-5457-D639-482ADF1DF4EC}" dt="2024-12-15T14:51:48.211" v="537" actId="20577"/>
+        <pc:sldMkLst>
+          <pc:docMk/>
+          <pc:sldMk cId="0" sldId="262"/>
+        </pc:sldMkLst>
+        <pc:spChg chg="del mod">
+          <ac:chgData name="Pham Thuong Vi 20226097" userId="S::vi.pt226097@sis.hust.edu.vn::9de28509-a32e-464f-9d8d-97d5b8268316" providerId="AD" clId="Web-{6B7E645A-185A-5457-D639-482ADF1DF4EC}" dt="2024-12-15T14:50:48.834" v="532"/>
+          <ac:spMkLst>
+            <pc:docMk/>
+            <pc:sldMk cId="0" sldId="262"/>
+            <ac:spMk id="317" creationId="{00000000-0000-0000-0000-000000000000}"/>
+          </ac:spMkLst>
+        </pc:spChg>
+        <pc:spChg chg="mod">
+          <ac:chgData name="Pham Thuong Vi 20226097" userId="S::vi.pt226097@sis.hust.edu.vn::9de28509-a32e-464f-9d8d-97d5b8268316" providerId="AD" clId="Web-{6B7E645A-185A-5457-D639-482ADF1DF4EC}" dt="2024-12-15T14:51:48.211" v="537" actId="20577"/>
+          <ac:spMkLst>
+            <pc:docMk/>
+            <pc:sldMk cId="0" sldId="262"/>
+            <ac:spMk id="318" creationId="{00000000-0000-0000-0000-000000000000}"/>
+          </ac:spMkLst>
+        </pc:spChg>
+        <pc:picChg chg="add mod">
+          <ac:chgData name="Pham Thuong Vi 20226097" userId="S::vi.pt226097@sis.hust.edu.vn::9de28509-a32e-464f-9d8d-97d5b8268316" providerId="AD" clId="Web-{6B7E645A-185A-5457-D639-482ADF1DF4EC}" dt="2024-12-15T14:50:55.631" v="533" actId="1076"/>
+          <ac:picMkLst>
+            <pc:docMk/>
+            <pc:sldMk cId="0" sldId="262"/>
+            <ac:picMk id="2" creationId="{AC5CCEAA-93A4-A465-BE6C-732164D44B91}"/>
+          </ac:picMkLst>
+        </pc:picChg>
+      </pc:sldChg>
+      <pc:sldChg chg="addSp delSp modSp new del mod setBg">
+        <pc:chgData name="Pham Thuong Vi 20226097" userId="S::vi.pt226097@sis.hust.edu.vn::9de28509-a32e-464f-9d8d-97d5b8268316" providerId="AD" clId="Web-{6B7E645A-185A-5457-D639-482ADF1DF4EC}" dt="2024-12-15T09:33:34.181" v="260"/>
+        <pc:sldMkLst>
+          <pc:docMk/>
+          <pc:sldMk cId="2758789146" sldId="265"/>
+        </pc:sldMkLst>
+        <pc:spChg chg="mod">
+          <ac:chgData name="Pham Thuong Vi 20226097" userId="S::vi.pt226097@sis.hust.edu.vn::9de28509-a32e-464f-9d8d-97d5b8268316" providerId="AD" clId="Web-{6B7E645A-185A-5457-D639-482ADF1DF4EC}" dt="2024-12-15T09:30:23.021" v="238" actId="1076"/>
+          <ac:spMkLst>
+            <pc:docMk/>
+            <pc:sldMk cId="2758789146" sldId="265"/>
+            <ac:spMk id="2" creationId="{565DB935-0E7D-70D0-9B7E-987FC871A9B3}"/>
+          </ac:spMkLst>
+        </pc:spChg>
+        <pc:spChg chg="mod ord">
+          <ac:chgData name="Pham Thuong Vi 20226097" userId="S::vi.pt226097@sis.hust.edu.vn::9de28509-a32e-464f-9d8d-97d5b8268316" providerId="AD" clId="Web-{6B7E645A-185A-5457-D639-482ADF1DF4EC}" dt="2024-12-15T09:30:28.131" v="239" actId="14100"/>
+          <ac:spMkLst>
+            <pc:docMk/>
+            <pc:sldMk cId="2758789146" sldId="265"/>
+            <ac:spMk id="3" creationId="{AA86ED22-6A65-01B8-5852-AD6653FB1FDD}"/>
+          </ac:spMkLst>
+        </pc:spChg>
+        <pc:spChg chg="add">
+          <ac:chgData name="Pham Thuong Vi 20226097" userId="S::vi.pt226097@sis.hust.edu.vn::9de28509-a32e-464f-9d8d-97d5b8268316" providerId="AD" clId="Web-{6B7E645A-185A-5457-D639-482ADF1DF4EC}" dt="2024-12-15T09:16:34.182" v="202"/>
+          <ac:spMkLst>
+            <pc:docMk/>
+            <pc:sldMk cId="2758789146" sldId="265"/>
+            <ac:spMk id="6" creationId="{649C91A9-84E7-4BF0-9026-62F01380D853}"/>
+          </ac:spMkLst>
+        </pc:spChg>
+        <pc:spChg chg="add">
+          <ac:chgData name="Pham Thuong Vi 20226097" userId="S::vi.pt226097@sis.hust.edu.vn::9de28509-a32e-464f-9d8d-97d5b8268316" providerId="AD" clId="Web-{6B7E645A-185A-5457-D639-482ADF1DF4EC}" dt="2024-12-15T09:16:34.182" v="202"/>
+          <ac:spMkLst>
+            <pc:docMk/>
+            <pc:sldMk cId="2758789146" sldId="265"/>
+            <ac:spMk id="7" creationId="{9B47378D-AD27-45D0-8C1C-5B1098DCC068}"/>
+          </ac:spMkLst>
+        </pc:spChg>
+        <pc:spChg chg="add del">
+          <ac:chgData name="Pham Thuong Vi 20226097" userId="S::vi.pt226097@sis.hust.edu.vn::9de28509-a32e-464f-9d8d-97d5b8268316" providerId="AD" clId="Web-{6B7E645A-185A-5457-D639-482ADF1DF4EC}" dt="2024-12-15T09:15:20.447" v="190"/>
+          <ac:spMkLst>
+            <pc:docMk/>
+            <pc:sldMk cId="2758789146" sldId="265"/>
+            <ac:spMk id="9" creationId="{0B9EE3F3-89B7-43C3-8651-C4C96830993D}"/>
+          </ac:spMkLst>
+        </pc:spChg>
+        <pc:spChg chg="add del">
+          <ac:chgData name="Pham Thuong Vi 20226097" userId="S::vi.pt226097@sis.hust.edu.vn::9de28509-a32e-464f-9d8d-97d5b8268316" providerId="AD" clId="Web-{6B7E645A-185A-5457-D639-482ADF1DF4EC}" dt="2024-12-15T09:15:20.447" v="190"/>
+          <ac:spMkLst>
+            <pc:docMk/>
+            <pc:sldMk cId="2758789146" sldId="265"/>
+            <ac:spMk id="11" creationId="{33AE4636-AEEC-45D6-84D4-7AC2DA48ECF8}"/>
+          </ac:spMkLst>
+        </pc:spChg>
+        <pc:spChg chg="add del">
+          <ac:chgData name="Pham Thuong Vi 20226097" userId="S::vi.pt226097@sis.hust.edu.vn::9de28509-a32e-464f-9d8d-97d5b8268316" providerId="AD" clId="Web-{6B7E645A-185A-5457-D639-482ADF1DF4EC}" dt="2024-12-15T09:15:20.447" v="190"/>
+          <ac:spMkLst>
+            <pc:docMk/>
+            <pc:sldMk cId="2758789146" sldId="265"/>
+            <ac:spMk id="13" creationId="{8D9CE0F4-2EB2-4F1F-8AAC-DB3571D9FE10}"/>
+          </ac:spMkLst>
+        </pc:spChg>
+        <pc:picChg chg="add mod">
+          <ac:chgData name="Pham Thuong Vi 20226097" userId="S::vi.pt226097@sis.hust.edu.vn::9de28509-a32e-464f-9d8d-97d5b8268316" providerId="AD" clId="Web-{6B7E645A-185A-5457-D639-482ADF1DF4EC}" dt="2024-12-15T09:16:34.182" v="202"/>
+          <ac:picMkLst>
+            <pc:docMk/>
+            <pc:sldMk cId="2758789146" sldId="265"/>
+            <ac:picMk id="4" creationId="{79F113B5-694A-D8DE-825D-2782F168DF1E}"/>
+          </ac:picMkLst>
+        </pc:picChg>
+      </pc:sldChg>
+      <pc:sldChg chg="addSp modSp new del mod setBg">
+        <pc:chgData name="Pham Thuong Vi 20226097" userId="S::vi.pt226097@sis.hust.edu.vn::9de28509-a32e-464f-9d8d-97d5b8268316" providerId="AD" clId="Web-{6B7E645A-185A-5457-D639-482ADF1DF4EC}" dt="2024-12-15T09:34:58.182" v="276"/>
+        <pc:sldMkLst>
+          <pc:docMk/>
+          <pc:sldMk cId="2240900030" sldId="266"/>
+        </pc:sldMkLst>
+        <pc:spChg chg="mod">
+          <ac:chgData name="Pham Thuong Vi 20226097" userId="S::vi.pt226097@sis.hust.edu.vn::9de28509-a32e-464f-9d8d-97d5b8268316" providerId="AD" clId="Web-{6B7E645A-185A-5457-D639-482ADF1DF4EC}" dt="2024-12-15T09:30:43.100" v="240" actId="1076"/>
+          <ac:spMkLst>
+            <pc:docMk/>
+            <pc:sldMk cId="2240900030" sldId="266"/>
+            <ac:spMk id="2" creationId="{1A592F13-54F1-1CF2-9318-48D55107E7F8}"/>
+          </ac:spMkLst>
+        </pc:spChg>
+        <pc:spChg chg="mod ord">
+          <ac:chgData name="Pham Thuong Vi 20226097" userId="S::vi.pt226097@sis.hust.edu.vn::9de28509-a32e-464f-9d8d-97d5b8268316" providerId="AD" clId="Web-{6B7E645A-185A-5457-D639-482ADF1DF4EC}" dt="2024-12-15T09:30:53.475" v="242" actId="14100"/>
+          <ac:spMkLst>
+            <pc:docMk/>
+            <pc:sldMk cId="2240900030" sldId="266"/>
+            <ac:spMk id="3" creationId="{C7E650FC-7325-3791-7470-EFBF72E20C39}"/>
+          </ac:spMkLst>
+        </pc:spChg>
+        <pc:spChg chg="add">
+          <ac:chgData name="Pham Thuong Vi 20226097" userId="S::vi.pt226097@sis.hust.edu.vn::9de28509-a32e-464f-9d8d-97d5b8268316" providerId="AD" clId="Web-{6B7E645A-185A-5457-D639-482ADF1DF4EC}" dt="2024-12-15T09:29:52.646" v="233"/>
+          <ac:spMkLst>
+            <pc:docMk/>
+            <pc:sldMk cId="2240900030" sldId="266"/>
+            <ac:spMk id="9" creationId="{649C91A9-84E7-4BF0-9026-62F01380D853}"/>
+          </ac:spMkLst>
+        </pc:spChg>
+        <pc:spChg chg="add">
+          <ac:chgData name="Pham Thuong Vi 20226097" userId="S::vi.pt226097@sis.hust.edu.vn::9de28509-a32e-464f-9d8d-97d5b8268316" providerId="AD" clId="Web-{6B7E645A-185A-5457-D639-482ADF1DF4EC}" dt="2024-12-15T09:29:52.646" v="233"/>
+          <ac:spMkLst>
+            <pc:docMk/>
+            <pc:sldMk cId="2240900030" sldId="266"/>
+            <ac:spMk id="11" creationId="{9B47378D-AD27-45D0-8C1C-5B1098DCC068}"/>
+          </ac:spMkLst>
+        </pc:spChg>
+        <pc:picChg chg="add mod">
+          <ac:chgData name="Pham Thuong Vi 20226097" userId="S::vi.pt226097@sis.hust.edu.vn::9de28509-a32e-464f-9d8d-97d5b8268316" providerId="AD" clId="Web-{6B7E645A-185A-5457-D639-482ADF1DF4EC}" dt="2024-12-15T09:32:24.867" v="250" actId="14100"/>
+          <ac:picMkLst>
+            <pc:docMk/>
+            <pc:sldMk cId="2240900030" sldId="266"/>
+            <ac:picMk id="4" creationId="{C4EAB99F-8133-691F-EB4F-E3833B18608D}"/>
+          </ac:picMkLst>
+        </pc:picChg>
+      </pc:sldChg>
+      <pc:sldChg chg="new del">
+        <pc:chgData name="Pham Thuong Vi 20226097" userId="S::vi.pt226097@sis.hust.edu.vn::9de28509-a32e-464f-9d8d-97d5b8268316" providerId="AD" clId="Web-{6B7E645A-185A-5457-D639-482ADF1DF4EC}" dt="2024-12-15T09:32:13.835" v="247"/>
+        <pc:sldMkLst>
+          <pc:docMk/>
+          <pc:sldMk cId="1134475211" sldId="267"/>
+        </pc:sldMkLst>
+      </pc:sldChg>
+      <pc:sldChg chg="addSp modSp new">
+        <pc:chgData name="Pham Thuong Vi 20226097" userId="S::vi.pt226097@sis.hust.edu.vn::9de28509-a32e-464f-9d8d-97d5b8268316" providerId="AD" clId="Web-{6B7E645A-185A-5457-D639-482ADF1DF4EC}" dt="2024-12-15T12:35:29.982" v="451" actId="20577"/>
+        <pc:sldMkLst>
+          <pc:docMk/>
+          <pc:sldMk cId="2185674200" sldId="267"/>
+        </pc:sldMkLst>
+        <pc:spChg chg="mod">
+          <ac:chgData name="Pham Thuong Vi 20226097" userId="S::vi.pt226097@sis.hust.edu.vn::9de28509-a32e-464f-9d8d-97d5b8268316" providerId="AD" clId="Web-{6B7E645A-185A-5457-D639-482ADF1DF4EC}" dt="2024-12-15T10:08:08.656" v="352" actId="20577"/>
+          <ac:spMkLst>
+            <pc:docMk/>
+            <pc:sldMk cId="2185674200" sldId="267"/>
+            <ac:spMk id="2" creationId="{CE747659-B03D-0A76-6120-363E7751C055}"/>
+          </ac:spMkLst>
+        </pc:spChg>
+        <pc:spChg chg="mod">
+          <ac:chgData name="Pham Thuong Vi 20226097" userId="S::vi.pt226097@sis.hust.edu.vn::9de28509-a32e-464f-9d8d-97d5b8268316" providerId="AD" clId="Web-{6B7E645A-185A-5457-D639-482ADF1DF4EC}" dt="2024-12-15T12:35:29.982" v="451" actId="20577"/>
+          <ac:spMkLst>
+            <pc:docMk/>
+            <pc:sldMk cId="2185674200" sldId="267"/>
+            <ac:spMk id="3" creationId="{25BDBB82-98A0-77B3-9019-F9A793F2059B}"/>
+          </ac:spMkLst>
+        </pc:spChg>
+        <pc:picChg chg="add">
+          <ac:chgData name="Pham Thuong Vi 20226097" userId="S::vi.pt226097@sis.hust.edu.vn::9de28509-a32e-464f-9d8d-97d5b8268316" providerId="AD" clId="Web-{6B7E645A-185A-5457-D639-482ADF1DF4EC}" dt="2024-12-15T09:33:16.524" v="257"/>
+          <ac:picMkLst>
+            <pc:docMk/>
+            <pc:sldMk cId="2185674200" sldId="267"/>
+            <ac:picMk id="5" creationId="{27F858FC-1922-F7FE-4DA1-337EF87A8216}"/>
+          </ac:picMkLst>
+        </pc:picChg>
+      </pc:sldChg>
+      <pc:sldChg chg="addSp modSp new">
+        <pc:chgData name="Pham Thuong Vi 20226097" userId="S::vi.pt226097@sis.hust.edu.vn::9de28509-a32e-464f-9d8d-97d5b8268316" providerId="AD" clId="Web-{6B7E645A-185A-5457-D639-482ADF1DF4EC}" dt="2024-12-15T12:35:21.919" v="449" actId="1076"/>
+        <pc:sldMkLst>
+          <pc:docMk/>
+          <pc:sldMk cId="954216185" sldId="268"/>
+        </pc:sldMkLst>
+        <pc:spChg chg="mod">
+          <ac:chgData name="Pham Thuong Vi 20226097" userId="S::vi.pt226097@sis.hust.edu.vn::9de28509-a32e-464f-9d8d-97d5b8268316" providerId="AD" clId="Web-{6B7E645A-185A-5457-D639-482ADF1DF4EC}" dt="2024-12-15T09:33:58.900" v="265" actId="20577"/>
+          <ac:spMkLst>
+            <pc:docMk/>
+            <pc:sldMk cId="954216185" sldId="268"/>
+            <ac:spMk id="2" creationId="{CD4E9FBA-D249-0898-9122-50BE5840E81C}"/>
+          </ac:spMkLst>
+        </pc:spChg>
+        <pc:spChg chg="mod">
+          <ac:chgData name="Pham Thuong Vi 20226097" userId="S::vi.pt226097@sis.hust.edu.vn::9de28509-a32e-464f-9d8d-97d5b8268316" providerId="AD" clId="Web-{6B7E645A-185A-5457-D639-482ADF1DF4EC}" dt="2024-12-15T12:35:21.919" v="449" actId="1076"/>
+          <ac:spMkLst>
+            <pc:docMk/>
+            <pc:sldMk cId="954216185" sldId="268"/>
+            <ac:spMk id="3" creationId="{F454A014-9C8D-E010-6B3F-27632D06FFCF}"/>
+          </ac:spMkLst>
+        </pc:spChg>
+        <pc:picChg chg="add mod">
+          <ac:chgData name="Pham Thuong Vi 20226097" userId="S::vi.pt226097@sis.hust.edu.vn::9de28509-a32e-464f-9d8d-97d5b8268316" providerId="AD" clId="Web-{6B7E645A-185A-5457-D639-482ADF1DF4EC}" dt="2024-12-15T09:34:51.072" v="275" actId="1076"/>
+          <ac:picMkLst>
+            <pc:docMk/>
+            <pc:sldMk cId="954216185" sldId="268"/>
+            <ac:picMk id="5" creationId="{69D542F7-F241-C97E-4A25-551311EE576E}"/>
+          </ac:picMkLst>
+        </pc:picChg>
+      </pc:sldChg>
+      <pc:sldChg chg="addSp modSp new del">
+        <pc:chgData name="Pham Thuong Vi 20226097" userId="S::vi.pt226097@sis.hust.edu.vn::9de28509-a32e-464f-9d8d-97d5b8268316" providerId="AD" clId="Web-{6B7E645A-185A-5457-D639-482ADF1DF4EC}" dt="2024-12-15T09:41:12.987" v="302"/>
+        <pc:sldMkLst>
+          <pc:docMk/>
+          <pc:sldMk cId="722755735" sldId="269"/>
+        </pc:sldMkLst>
+        <pc:spChg chg="mod">
+          <ac:chgData name="Pham Thuong Vi 20226097" userId="S::vi.pt226097@sis.hust.edu.vn::9de28509-a32e-464f-9d8d-97d5b8268316" providerId="AD" clId="Web-{6B7E645A-185A-5457-D639-482ADF1DF4EC}" dt="2024-12-15T09:40:43.877" v="299" actId="14100"/>
+          <ac:spMkLst>
+            <pc:docMk/>
+            <pc:sldMk cId="722755735" sldId="269"/>
+            <ac:spMk id="2" creationId="{F2FCC5CD-686A-AC7A-30AF-EE85E3AEFC5C}"/>
+          </ac:spMkLst>
+        </pc:spChg>
+        <pc:spChg chg="mod">
+          <ac:chgData name="Pham Thuong Vi 20226097" userId="S::vi.pt226097@sis.hust.edu.vn::9de28509-a32e-464f-9d8d-97d5b8268316" providerId="AD" clId="Web-{6B7E645A-185A-5457-D639-482ADF1DF4EC}" dt="2024-12-15T09:39:10.126" v="284" actId="14100"/>
+          <ac:spMkLst>
+            <pc:docMk/>
+            <pc:sldMk cId="722755735" sldId="269"/>
+            <ac:spMk id="3" creationId="{B7989A5B-6BBE-7203-827B-FFC5BDA4A498}"/>
+          </ac:spMkLst>
+        </pc:spChg>
+        <pc:picChg chg="add mod">
+          <ac:chgData name="Pham Thuong Vi 20226097" userId="S::vi.pt226097@sis.hust.edu.vn::9de28509-a32e-464f-9d8d-97d5b8268316" providerId="AD" clId="Web-{6B7E645A-185A-5457-D639-482ADF1DF4EC}" dt="2024-12-15T09:38:51.532" v="280" actId="1076"/>
+          <ac:picMkLst>
+            <pc:docMk/>
+            <pc:sldMk cId="722755735" sldId="269"/>
+            <ac:picMk id="4" creationId="{FA6985E0-3551-B9A3-0E18-C477544FC786}"/>
+          </ac:picMkLst>
+        </pc:picChg>
+      </pc:sldChg>
+      <pc:sldChg chg="addSp modSp new">
+        <pc:chgData name="Pham Thuong Vi 20226097" userId="S::vi.pt226097@sis.hust.edu.vn::9de28509-a32e-464f-9d8d-97d5b8268316" providerId="AD" clId="Web-{6B7E645A-185A-5457-D639-482ADF1DF4EC}" dt="2024-12-15T12:35:25.935" v="450" actId="20577"/>
+        <pc:sldMkLst>
+          <pc:docMk/>
+          <pc:sldMk cId="465795323" sldId="270"/>
+        </pc:sldMkLst>
+        <pc:spChg chg="mod">
+          <ac:chgData name="Pham Thuong Vi 20226097" userId="S::vi.pt226097@sis.hust.edu.vn::9de28509-a32e-464f-9d8d-97d5b8268316" providerId="AD" clId="Web-{6B7E645A-185A-5457-D639-482ADF1DF4EC}" dt="2024-12-15T09:43:23.082" v="317" actId="20577"/>
+          <ac:spMkLst>
+            <pc:docMk/>
+            <pc:sldMk cId="465795323" sldId="270"/>
+            <ac:spMk id="2" creationId="{B0A2FB92-194C-ACF2-4CC6-7B8FA344A7A5}"/>
+          </ac:spMkLst>
+        </pc:spChg>
+        <pc:spChg chg="mod">
+          <ac:chgData name="Pham Thuong Vi 20226097" userId="S::vi.pt226097@sis.hust.edu.vn::9de28509-a32e-464f-9d8d-97d5b8268316" providerId="AD" clId="Web-{6B7E645A-185A-5457-D639-482ADF1DF4EC}" dt="2024-12-15T12:35:25.935" v="450" actId="20577"/>
+          <ac:spMkLst>
+            <pc:docMk/>
+            <pc:sldMk cId="465795323" sldId="270"/>
+            <ac:spMk id="3" creationId="{A0FD35FE-E35E-064A-7BFE-74823201777A}"/>
+          </ac:spMkLst>
+        </pc:spChg>
+        <pc:picChg chg="add">
+          <ac:chgData name="Pham Thuong Vi 20226097" userId="S::vi.pt226097@sis.hust.edu.vn::9de28509-a32e-464f-9d8d-97d5b8268316" providerId="AD" clId="Web-{6B7E645A-185A-5457-D639-482ADF1DF4EC}" dt="2024-12-15T09:41:03.565" v="301"/>
+          <ac:picMkLst>
+            <pc:docMk/>
+            <pc:sldMk cId="465795323" sldId="270"/>
+            <ac:picMk id="5" creationId="{5DD9873A-B615-F705-9376-2FF1F7675764}"/>
+          </ac:picMkLst>
+        </pc:picChg>
+      </pc:sldChg>
+      <pc:sldChg chg="addSp delSp modSp new">
+        <pc:chgData name="Pham Thuong Vi 20226097" userId="S::vi.pt226097@sis.hust.edu.vn::9de28509-a32e-464f-9d8d-97d5b8268316" providerId="AD" clId="Web-{6B7E645A-185A-5457-D639-482ADF1DF4EC}" dt="2024-12-15T12:35:06.684" v="446" actId="20577"/>
+        <pc:sldMkLst>
+          <pc:docMk/>
+          <pc:sldMk cId="3287816010" sldId="271"/>
+        </pc:sldMkLst>
+        <pc:spChg chg="mod">
+          <ac:chgData name="Pham Thuong Vi 20226097" userId="S::vi.pt226097@sis.hust.edu.vn::9de28509-a32e-464f-9d8d-97d5b8268316" providerId="AD" clId="Web-{6B7E645A-185A-5457-D639-482ADF1DF4EC}" dt="2024-12-15T10:07:48.312" v="350" actId="20577"/>
+          <ac:spMkLst>
+            <pc:docMk/>
+            <pc:sldMk cId="3287816010" sldId="271"/>
+            <ac:spMk id="2" creationId="{B32366E8-E05D-BF24-71DF-9E90FDD1CE3A}"/>
+          </ac:spMkLst>
+        </pc:spChg>
+        <pc:spChg chg="mod">
+          <ac:chgData name="Pham Thuong Vi 20226097" userId="S::vi.pt226097@sis.hust.edu.vn::9de28509-a32e-464f-9d8d-97d5b8268316" providerId="AD" clId="Web-{6B7E645A-185A-5457-D639-482ADF1DF4EC}" dt="2024-12-15T12:35:06.684" v="446" actId="20577"/>
+          <ac:spMkLst>
+            <pc:docMk/>
+            <pc:sldMk cId="3287816010" sldId="271"/>
+            <ac:spMk id="3" creationId="{43C5F363-0100-F9F7-BC02-6DBF6727C576}"/>
+          </ac:spMkLst>
+        </pc:spChg>
+        <pc:picChg chg="add mod modCrop">
+          <ac:chgData name="Pham Thuong Vi 20226097" userId="S::vi.pt226097@sis.hust.edu.vn::9de28509-a32e-464f-9d8d-97d5b8268316" providerId="AD" clId="Web-{6B7E645A-185A-5457-D639-482ADF1DF4EC}" dt="2024-12-15T10:59:03.488" v="372" actId="14100"/>
+          <ac:picMkLst>
+            <pc:docMk/>
+            <pc:sldMk cId="3287816010" sldId="271"/>
+            <ac:picMk id="4" creationId="{5F0206D2-AC51-A047-5958-A913ED0A3E41}"/>
+          </ac:picMkLst>
+        </pc:picChg>
+        <pc:picChg chg="add del mod">
+          <ac:chgData name="Pham Thuong Vi 20226097" userId="S::vi.pt226097@sis.hust.edu.vn::9de28509-a32e-464f-9d8d-97d5b8268316" providerId="AD" clId="Web-{6B7E645A-185A-5457-D639-482ADF1DF4EC}" dt="2024-12-15T10:39:55.730" v="353"/>
+          <ac:picMkLst>
+            <pc:docMk/>
+            <pc:sldMk cId="3287816010" sldId="271"/>
+            <ac:picMk id="4" creationId="{94D10FFA-A89E-4891-98A3-8FAB1E438168}"/>
+          </ac:picMkLst>
+        </pc:picChg>
+        <pc:picChg chg="add del mod">
+          <ac:chgData name="Pham Thuong Vi 20226097" userId="S::vi.pt226097@sis.hust.edu.vn::9de28509-a32e-464f-9d8d-97d5b8268316" providerId="AD" clId="Web-{6B7E645A-185A-5457-D639-482ADF1DF4EC}" dt="2024-12-15T10:57:45.516" v="359"/>
+          <ac:picMkLst>
+            <pc:docMk/>
+            <pc:sldMk cId="3287816010" sldId="271"/>
+            <ac:picMk id="5" creationId="{DB9333F1-88C1-4A03-0C85-C7FE95542227}"/>
+          </ac:picMkLst>
+        </pc:picChg>
+      </pc:sldChg>
+      <pc:sldChg chg="addSp modSp new">
+        <pc:chgData name="Pham Thuong Vi 20226097" userId="S::vi.pt226097@sis.hust.edu.vn::9de28509-a32e-464f-9d8d-97d5b8268316" providerId="AD" clId="Web-{6B7E645A-185A-5457-D639-482ADF1DF4EC}" dt="2024-12-15T12:44:02.144" v="475" actId="14100"/>
+        <pc:sldMkLst>
+          <pc:docMk/>
+          <pc:sldMk cId="3992535790" sldId="272"/>
+        </pc:sldMkLst>
+        <pc:spChg chg="mod">
+          <ac:chgData name="Pham Thuong Vi 20226097" userId="S::vi.pt226097@sis.hust.edu.vn::9de28509-a32e-464f-9d8d-97d5b8268316" providerId="AD" clId="Web-{6B7E645A-185A-5457-D639-482ADF1DF4EC}" dt="2024-12-15T12:40:31.073" v="457" actId="20577"/>
+          <ac:spMkLst>
+            <pc:docMk/>
+            <pc:sldMk cId="3992535790" sldId="272"/>
+            <ac:spMk id="2" creationId="{BD78C7B1-C887-64CF-70AF-70D6C389D6E0}"/>
+          </ac:spMkLst>
+        </pc:spChg>
+        <pc:spChg chg="mod">
+          <ac:chgData name="Pham Thuong Vi 20226097" userId="S::vi.pt226097@sis.hust.edu.vn::9de28509-a32e-464f-9d8d-97d5b8268316" providerId="AD" clId="Web-{6B7E645A-185A-5457-D639-482ADF1DF4EC}" dt="2024-12-15T12:44:02.144" v="475" actId="14100"/>
+          <ac:spMkLst>
+            <pc:docMk/>
+            <pc:sldMk cId="3992535790" sldId="272"/>
+            <ac:spMk id="3" creationId="{BF038124-E022-1563-DCE2-075D6330C2D5}"/>
+          </ac:spMkLst>
+        </pc:spChg>
+        <pc:picChg chg="add mod">
+          <ac:chgData name="Pham Thuong Vi 20226097" userId="S::vi.pt226097@sis.hust.edu.vn::9de28509-a32e-464f-9d8d-97d5b8268316" providerId="AD" clId="Web-{6B7E645A-185A-5457-D639-482ADF1DF4EC}" dt="2024-12-15T12:43:37.471" v="470" actId="1076"/>
+          <ac:picMkLst>
+            <pc:docMk/>
+            <pc:sldMk cId="3992535790" sldId="272"/>
+            <ac:picMk id="4" creationId="{5FCA6612-08AF-6EA6-05EB-1D90C917C580}"/>
+          </ac:picMkLst>
+        </pc:picChg>
+        <pc:picChg chg="add mod modCrop">
+          <ac:chgData name="Pham Thuong Vi 20226097" userId="S::vi.pt226097@sis.hust.edu.vn::9de28509-a32e-464f-9d8d-97d5b8268316" providerId="AD" clId="Web-{6B7E645A-185A-5457-D639-482ADF1DF4EC}" dt="2024-12-15T12:43:48.300" v="473"/>
+          <ac:picMkLst>
+            <pc:docMk/>
+            <pc:sldMk cId="3992535790" sldId="272"/>
+            <ac:picMk id="5" creationId="{82663923-DCC8-9B60-9ECF-04FEAD186900}"/>
+          </ac:picMkLst>
+        </pc:picChg>
+      </pc:sldChg>
+      <pc:sldChg chg="modSp new">
+        <pc:chgData name="Pham Thuong Vi 20226097" userId="S::vi.pt226097@sis.hust.edu.vn::9de28509-a32e-464f-9d8d-97d5b8268316" providerId="AD" clId="Web-{6B7E645A-185A-5457-D639-482ADF1DF4EC}" dt="2024-12-15T14:40:51.561" v="514" actId="20577"/>
+        <pc:sldMkLst>
+          <pc:docMk/>
+          <pc:sldMk cId="1585312512" sldId="273"/>
+        </pc:sldMkLst>
+        <pc:spChg chg="mod">
+          <ac:chgData name="Pham Thuong Vi 20226097" userId="S::vi.pt226097@sis.hust.edu.vn::9de28509-a32e-464f-9d8d-97d5b8268316" providerId="AD" clId="Web-{6B7E645A-185A-5457-D639-482ADF1DF4EC}" dt="2024-12-15T12:45:25.914" v="482" actId="20577"/>
+          <ac:spMkLst>
+            <pc:docMk/>
+            <pc:sldMk cId="1585312512" sldId="273"/>
+            <ac:spMk id="2" creationId="{27769E1D-FE80-F8D1-755F-27D820109BFB}"/>
+          </ac:spMkLst>
+        </pc:spChg>
+        <pc:spChg chg="mod">
+          <ac:chgData name="Pham Thuong Vi 20226097" userId="S::vi.pt226097@sis.hust.edu.vn::9de28509-a32e-464f-9d8d-97d5b8268316" providerId="AD" clId="Web-{6B7E645A-185A-5457-D639-482ADF1DF4EC}" dt="2024-12-15T14:40:51.561" v="514" actId="20577"/>
+          <ac:spMkLst>
+            <pc:docMk/>
+            <pc:sldMk cId="1585312512" sldId="273"/>
+            <ac:spMk id="3" creationId="{56368647-88F0-0078-016D-2D29BDF6A796}"/>
+          </ac:spMkLst>
+        </pc:spChg>
+      </pc:sldChg>
+      <pc:sldChg chg="addSp modSp new">
+        <pc:chgData name="Pham Thuong Vi 20226097" userId="S::vi.pt226097@sis.hust.edu.vn::9de28509-a32e-464f-9d8d-97d5b8268316" providerId="AD" clId="Web-{6B7E645A-185A-5457-D639-482ADF1DF4EC}" dt="2024-12-15T14:53:10.058" v="548" actId="1076"/>
+        <pc:sldMkLst>
+          <pc:docMk/>
+          <pc:sldMk cId="1643428999" sldId="274"/>
+        </pc:sldMkLst>
+        <pc:spChg chg="mod">
+          <ac:chgData name="Pham Thuong Vi 20226097" userId="S::vi.pt226097@sis.hust.edu.vn::9de28509-a32e-464f-9d8d-97d5b8268316" providerId="AD" clId="Web-{6B7E645A-185A-5457-D639-482ADF1DF4EC}" dt="2024-12-15T14:52:28.181" v="542" actId="20577"/>
+          <ac:spMkLst>
+            <pc:docMk/>
+            <pc:sldMk cId="1643428999" sldId="274"/>
+            <ac:spMk id="2" creationId="{6CD32C65-0E70-98BF-B912-D5449A3422CB}"/>
+          </ac:spMkLst>
+        </pc:spChg>
+        <pc:spChg chg="mod">
+          <ac:chgData name="Pham Thuong Vi 20226097" userId="S::vi.pt226097@sis.hust.edu.vn::9de28509-a32e-464f-9d8d-97d5b8268316" providerId="AD" clId="Web-{6B7E645A-185A-5457-D639-482ADF1DF4EC}" dt="2024-12-15T14:52:43.838" v="544" actId="20577"/>
+          <ac:spMkLst>
+            <pc:docMk/>
+            <pc:sldMk cId="1643428999" sldId="274"/>
+            <ac:spMk id="3" creationId="{456B5FE1-F237-A34E-BF91-3CEF311C0FD8}"/>
+          </ac:spMkLst>
+        </pc:spChg>
+        <pc:picChg chg="add mod">
+          <ac:chgData name="Pham Thuong Vi 20226097" userId="S::vi.pt226097@sis.hust.edu.vn::9de28509-a32e-464f-9d8d-97d5b8268316" providerId="AD" clId="Web-{6B7E645A-185A-5457-D639-482ADF1DF4EC}" dt="2024-12-15T14:53:10.058" v="548" actId="1076"/>
+          <ac:picMkLst>
+            <pc:docMk/>
+            <pc:sldMk cId="1643428999" sldId="274"/>
+            <ac:picMk id="4" creationId="{5284E4EA-1309-0B93-2F8F-FA56EFD20BA7}"/>
+          </ac:picMkLst>
+        </pc:picChg>
+      </pc:sldChg>
+      <pc:sldChg chg="addSp modSp new">
+        <pc:chgData name="Pham Thuong Vi 20226097" userId="S::vi.pt226097@sis.hust.edu.vn::9de28509-a32e-464f-9d8d-97d5b8268316" providerId="AD" clId="Web-{6B7E645A-185A-5457-D639-482ADF1DF4EC}" dt="2024-12-15T14:54:27.467" v="561" actId="14100"/>
+        <pc:sldMkLst>
+          <pc:docMk/>
+          <pc:sldMk cId="897872060" sldId="275"/>
+        </pc:sldMkLst>
+        <pc:spChg chg="mod">
+          <ac:chgData name="Pham Thuong Vi 20226097" userId="S::vi.pt226097@sis.hust.edu.vn::9de28509-a32e-464f-9d8d-97d5b8268316" providerId="AD" clId="Web-{6B7E645A-185A-5457-D639-482ADF1DF4EC}" dt="2024-12-15T14:53:47.388" v="556" actId="20577"/>
+          <ac:spMkLst>
+            <pc:docMk/>
+            <pc:sldMk cId="897872060" sldId="275"/>
+            <ac:spMk id="2" creationId="{C60DEB14-406D-BD5B-1128-4B01FBC05326}"/>
+          </ac:spMkLst>
+        </pc:spChg>
+        <pc:picChg chg="add mod">
+          <ac:chgData name="Pham Thuong Vi 20226097" userId="S::vi.pt226097@sis.hust.edu.vn::9de28509-a32e-464f-9d8d-97d5b8268316" providerId="AD" clId="Web-{6B7E645A-185A-5457-D639-482ADF1DF4EC}" dt="2024-12-15T14:54:27.467" v="561" actId="14100"/>
+          <ac:picMkLst>
+            <pc:docMk/>
+            <pc:sldMk cId="897872060" sldId="275"/>
+            <ac:picMk id="4" creationId="{BE01684F-0397-FE9A-5441-E4341A1CEC00}"/>
+          </ac:picMkLst>
+        </pc:picChg>
+      </pc:sldChg>
+    </pc:docChg>
+  </pc:docChgLst>
   <pc:docChgLst>
     <pc:chgData name="Dinh Dinh Hai Viet 20225683" userId="bbd50e6c-5682-4b35-ba14-72d8c766bd89" providerId="ADAL" clId="{E9A9847E-01E7-4765-A15F-69206D38C9F6}"/>
     <pc:docChg chg="modSld">
@@ -143,6 +725,30 @@
             <pc:docMk/>
             <pc:sldMk cId="0" sldId="257"/>
             <ac:spMk id="2" creationId="{F0BEEF57-11F8-37EE-EFB4-9DA31713CCF3}"/>
+          </ac:spMkLst>
+        </pc:spChg>
+      </pc:sldChg>
+    </pc:docChg>
+  </pc:docChgLst>
+  <pc:docChgLst>
+    <pc:chgData name="Pham Thuong Vi 20226097" userId="S::vi.pt226097@sis.hust.edu.vn::9de28509-a32e-464f-9d8d-97d5b8268316" providerId="AD" clId="Web-{EF679071-2B6B-466C-6D91-35433D91D723}"/>
+    <pc:docChg chg="modSld">
+      <pc:chgData name="Pham Thuong Vi 20226097" userId="S::vi.pt226097@sis.hust.edu.vn::9de28509-a32e-464f-9d8d-97d5b8268316" providerId="AD" clId="Web-{EF679071-2B6B-466C-6D91-35433D91D723}" dt="2024-12-15T15:10:29.622" v="51" actId="20577"/>
+      <pc:docMkLst>
+        <pc:docMk/>
+      </pc:docMkLst>
+      <pc:sldChg chg="modSp">
+        <pc:chgData name="Pham Thuong Vi 20226097" userId="S::vi.pt226097@sis.hust.edu.vn::9de28509-a32e-464f-9d8d-97d5b8268316" providerId="AD" clId="Web-{EF679071-2B6B-466C-6D91-35433D91D723}" dt="2024-12-15T15:10:29.622" v="51" actId="20577"/>
+        <pc:sldMkLst>
+          <pc:docMk/>
+          <pc:sldMk cId="954216185" sldId="268"/>
+        </pc:sldMkLst>
+        <pc:spChg chg="mod">
+          <ac:chgData name="Pham Thuong Vi 20226097" userId="S::vi.pt226097@sis.hust.edu.vn::9de28509-a32e-464f-9d8d-97d5b8268316" providerId="AD" clId="Web-{EF679071-2B6B-466C-6D91-35433D91D723}" dt="2024-12-15T15:10:29.622" v="51" actId="20577"/>
+          <ac:spMkLst>
+            <pc:docMk/>
+            <pc:sldMk cId="954216185" sldId="268"/>
+            <ac:spMk id="3" creationId="{F454A014-9C8D-E010-6B3F-27632D06FFCF}"/>
           </ac:spMkLst>
         </pc:spChg>
       </pc:sldChg>
@@ -16595,7 +17201,7 @@
 </p:sld>
 </file>
 
-<file path=ppt/slides/slide2.xml><?xml version="1.0" encoding="utf-8"?>
+<file path=ppt/slides/slide10.xml><?xml version="1.0" encoding="utf-8"?>
 <p:sld xmlns:a="http://schemas.openxmlformats.org/drawingml/2006/main" xmlns:r="http://schemas.openxmlformats.org/officeDocument/2006/relationships" xmlns:p="http://schemas.openxmlformats.org/presentationml/2006/main">
   <p:cSld>
     <p:spTree>
@@ -16612,540 +17218,275 @@
           <a:chExt cx="0" cy="0"/>
         </a:xfrm>
       </p:grpSpPr>
+      <p:sp>
+        <p:nvSpPr>
+          <p:cNvPr id="2" name="Tiêu đề 1">
+            <a:extLst>
+              <a:ext uri="{FF2B5EF4-FFF2-40B4-BE49-F238E27FC236}">
+                <a16:creationId xmlns:a16="http://schemas.microsoft.com/office/drawing/2014/main" id="{B32366E8-E05D-BF24-71DF-9E90FDD1CE3A}"/>
+              </a:ext>
+            </a:extLst>
+          </p:cNvPr>
+          <p:cNvSpPr>
+            <a:spLocks noGrp="1"/>
+          </p:cNvSpPr>
+          <p:nvPr>
+            <p:ph type="title"/>
+          </p:nvPr>
+        </p:nvSpPr>
+        <p:spPr>
+          <a:xfrm>
+            <a:off x="609480" y="-12150"/>
+            <a:ext cx="10972440" cy="827300"/>
+          </a:xfrm>
+        </p:spPr>
+        <p:txBody>
+          <a:bodyPr/>
+          <a:lstStyle/>
+          <a:p>
+            <a:r>
+              <a:rPr lang="vi-VN" sz="2800" err="1">
+                <a:solidFill>
+                  <a:schemeClr val="bg1"/>
+                </a:solidFill>
+              </a:rPr>
+              <a:t>Package</a:t>
+            </a:r>
+            <a:r>
+              <a:rPr lang="vi-VN" sz="2800" dirty="0">
+                <a:solidFill>
+                  <a:schemeClr val="bg1"/>
+                </a:solidFill>
+              </a:rPr>
+              <a:t> </a:t>
+            </a:r>
+            <a:r>
+              <a:rPr lang="vi-VN" sz="2800" err="1">
+                <a:solidFill>
+                  <a:schemeClr val="bg1"/>
+                </a:solidFill>
+              </a:rPr>
+              <a:t>VisualizationUI</a:t>
+            </a:r>
+            <a:endParaRPr lang="vi-VN" sz="2800">
+              <a:solidFill>
+                <a:schemeClr val="bg1"/>
+              </a:solidFill>
+            </a:endParaRPr>
+          </a:p>
+        </p:txBody>
+      </p:sp>
+      <p:sp>
+        <p:nvSpPr>
+          <p:cNvPr id="3" name="Tiêu đề phụ 2">
+            <a:extLst>
+              <a:ext uri="{FF2B5EF4-FFF2-40B4-BE49-F238E27FC236}">
+                <a16:creationId xmlns:a16="http://schemas.microsoft.com/office/drawing/2014/main" id="{43C5F363-0100-F9F7-BC02-6DBF6727C576}"/>
+              </a:ext>
+            </a:extLst>
+          </p:cNvPr>
+          <p:cNvSpPr>
+            <a:spLocks noGrp="1"/>
+          </p:cNvSpPr>
+          <p:nvPr>
+            <p:ph type="subTitle"/>
+          </p:nvPr>
+        </p:nvSpPr>
+        <p:spPr>
+          <a:xfrm>
+            <a:off x="609480" y="1355056"/>
+            <a:ext cx="5473859" cy="4425181"/>
+          </a:xfrm>
+        </p:spPr>
+        <p:txBody>
+          <a:bodyPr/>
+          <a:lstStyle/>
+          <a:p>
+            <a:pPr marL="285750" indent="-285750">
+              <a:buFont typeface="Arial"/>
+              <a:buChar char="•"/>
+            </a:pPr>
+            <a:r>
+              <a:rPr lang="vi-VN" sz="2400" dirty="0">
+                <a:ea typeface="+mj-lt"/>
+                <a:cs typeface="+mj-lt"/>
+              </a:rPr>
+              <a:t>Thực hiện chức năng trình diễn thuật toán (</a:t>
+            </a:r>
+            <a:r>
+              <a:rPr lang="vi-VN" sz="2400" dirty="0" err="1">
+                <a:ea typeface="+mj-lt"/>
+                <a:cs typeface="+mj-lt"/>
+              </a:rPr>
+              <a:t>demonstration</a:t>
+            </a:r>
+            <a:r>
+              <a:rPr lang="vi-VN" sz="2400" dirty="0">
+                <a:ea typeface="+mj-lt"/>
+                <a:cs typeface="+mj-lt"/>
+              </a:rPr>
+              <a:t>).</a:t>
+            </a:r>
+            <a:endParaRPr lang="vi-VN" sz="2400" dirty="0"/>
+          </a:p>
+          <a:p>
+            <a:pPr marL="285750" indent="-285750">
+              <a:buFont typeface="Arial"/>
+              <a:buChar char="•"/>
+            </a:pPr>
+            <a:endParaRPr lang="vi-VN" sz="2400" dirty="0">
+              <a:ea typeface="+mj-lt"/>
+              <a:cs typeface="+mj-lt"/>
+            </a:endParaRPr>
+          </a:p>
+          <a:p>
+            <a:pPr marL="285750" indent="-285750">
+              <a:buFont typeface="Arial"/>
+              <a:buChar char="•"/>
+            </a:pPr>
+            <a:r>
+              <a:rPr lang="vi-VN" sz="2400" dirty="0">
+                <a:ea typeface="+mj-lt"/>
+                <a:cs typeface="+mj-lt"/>
+              </a:rPr>
+              <a:t>Cung cấp các chế độ xem như </a:t>
+            </a:r>
+            <a:r>
+              <a:rPr lang="vi-VN" sz="2400" b="1" err="1">
+                <a:ea typeface="+mj-lt"/>
+                <a:cs typeface="+mj-lt"/>
+              </a:rPr>
+              <a:t>step</a:t>
+            </a:r>
+            <a:r>
+              <a:rPr lang="vi-VN" sz="2400" b="1" dirty="0">
+                <a:ea typeface="+mj-lt"/>
+                <a:cs typeface="+mj-lt"/>
+              </a:rPr>
+              <a:t> </a:t>
+            </a:r>
+            <a:r>
+              <a:rPr lang="vi-VN" sz="2400" b="1" err="1">
+                <a:ea typeface="+mj-lt"/>
+                <a:cs typeface="+mj-lt"/>
+              </a:rPr>
+              <a:t>by</a:t>
+            </a:r>
+            <a:r>
+              <a:rPr lang="vi-VN" sz="2400" b="1" dirty="0">
+                <a:ea typeface="+mj-lt"/>
+                <a:cs typeface="+mj-lt"/>
+              </a:rPr>
+              <a:t> </a:t>
+            </a:r>
+            <a:r>
+              <a:rPr lang="vi-VN" sz="2400" b="1" err="1">
+                <a:ea typeface="+mj-lt"/>
+                <a:cs typeface="+mj-lt"/>
+              </a:rPr>
+              <a:t>step</a:t>
+            </a:r>
+            <a:r>
+              <a:rPr lang="vi-VN" sz="2400" dirty="0">
+                <a:ea typeface="+mj-lt"/>
+                <a:cs typeface="+mj-lt"/>
+              </a:rPr>
+              <a:t> (từng bước) hoặc </a:t>
+            </a:r>
+            <a:r>
+              <a:rPr lang="vi-VN" sz="2400" b="1" err="1">
+                <a:ea typeface="+mj-lt"/>
+                <a:cs typeface="+mj-lt"/>
+              </a:rPr>
+              <a:t>final</a:t>
+            </a:r>
+            <a:r>
+              <a:rPr lang="vi-VN" sz="2400" b="1" dirty="0">
+                <a:ea typeface="+mj-lt"/>
+                <a:cs typeface="+mj-lt"/>
+              </a:rPr>
+              <a:t> </a:t>
+            </a:r>
+            <a:r>
+              <a:rPr lang="vi-VN" sz="2400" b="1" err="1">
+                <a:ea typeface="+mj-lt"/>
+                <a:cs typeface="+mj-lt"/>
+              </a:rPr>
+              <a:t>step</a:t>
+            </a:r>
+            <a:r>
+              <a:rPr lang="vi-VN" sz="2400" dirty="0">
+                <a:ea typeface="+mj-lt"/>
+                <a:cs typeface="+mj-lt"/>
+              </a:rPr>
+              <a:t> (sau khi hoàn thành).</a:t>
+            </a:r>
+            <a:endParaRPr lang="vi-VN" sz="2400" dirty="0"/>
+          </a:p>
+          <a:p>
+            <a:pPr marL="285750" indent="-285750">
+              <a:buFont typeface="Arial"/>
+              <a:buChar char="•"/>
+            </a:pPr>
+            <a:endParaRPr lang="vi-VN" sz="2400" dirty="0">
+              <a:ea typeface="+mj-lt"/>
+              <a:cs typeface="+mj-lt"/>
+            </a:endParaRPr>
+          </a:p>
+          <a:p>
+            <a:pPr marL="285750" indent="-285750">
+              <a:buFont typeface="Arial"/>
+              <a:buChar char="•"/>
+            </a:pPr>
+            <a:r>
+              <a:rPr lang="vi-VN" sz="2400" dirty="0">
+                <a:ea typeface="+mj-lt"/>
+                <a:cs typeface="+mj-lt"/>
+              </a:rPr>
+              <a:t>Hiển thị trực quan cách các phần tử trong mảng được thay đổi qua từng bước của thuật toán.</a:t>
+            </a:r>
+            <a:endParaRPr lang="vi-VN" sz="2400" dirty="0"/>
+          </a:p>
+          <a:p>
+            <a:endParaRPr lang="vi-VN" sz="2400" dirty="0"/>
+          </a:p>
+        </p:txBody>
+      </p:sp>
       <p:pic>
         <p:nvPicPr>
-          <p:cNvPr id="306" name="Picture 3" descr="Text&#10;&#10;Description automatically generated"/>
-          <p:cNvPicPr/>
+          <p:cNvPr id="4" name="Hình ảnh 3" descr="Ảnh có chứa văn bản, ảnh chụp màn hình, biểu đồ, Song song&#10;&#10;Mô tả được tự động tạo">
+            <a:extLst>
+              <a:ext uri="{FF2B5EF4-FFF2-40B4-BE49-F238E27FC236}">
+                <a16:creationId xmlns:a16="http://schemas.microsoft.com/office/drawing/2014/main" id="{5F0206D2-AC51-A047-5958-A913ED0A3E41}"/>
+              </a:ext>
+            </a:extLst>
+          </p:cNvPr>
+          <p:cNvPicPr>
+            <a:picLocks noChangeAspect="1"/>
+          </p:cNvPicPr>
           <p:nvPr/>
         </p:nvPicPr>
         <p:blipFill>
           <a:blip r:embed="rId2"/>
+          <a:srcRect l="12755" t="-123" r="7781" b="9827"/>
           <a:stretch/>
         </p:blipFill>
         <p:spPr>
           <a:xfrm>
-            <a:off x="392040" y="271440"/>
-            <a:ext cx="3174120" cy="1153080"/>
-          </a:xfrm>
-          <a:prstGeom prst="rect">
-            <a:avLst/>
-          </a:prstGeom>
-          <a:ln>
-            <a:noFill/>
-          </a:ln>
+            <a:off x="6394838" y="818608"/>
+            <a:ext cx="5037807" cy="5506084"/>
+          </a:xfrm>
+          <a:prstGeom prst="rect">
+            <a:avLst/>
+          </a:prstGeom>
         </p:spPr>
       </p:pic>
-      <p:sp>
-        <p:nvSpPr>
-          <p:cNvPr id="307" name="CustomShape 1"/>
-          <p:cNvSpPr/>
-          <p:nvPr/>
-        </p:nvSpPr>
-        <p:spPr>
-          <a:xfrm>
-            <a:off x="695520" y="2269440"/>
-            <a:ext cx="8251560" cy="848520"/>
-          </a:xfrm>
-          <a:prstGeom prst="rect">
-            <a:avLst/>
-          </a:prstGeom>
-          <a:noFill/>
-          <a:ln>
-            <a:noFill/>
-          </a:ln>
-        </p:spPr>
-        <p:style>
-          <a:lnRef idx="0">
-            <a:scrgbClr r="0" g="0" b="0"/>
-          </a:lnRef>
-          <a:fillRef idx="0">
-            <a:scrgbClr r="0" g="0" b="0"/>
-          </a:fillRef>
-          <a:effectRef idx="0">
-            <a:scrgbClr r="0" g="0" b="0"/>
-          </a:effectRef>
-          <a:fontRef idx="minor"/>
-        </p:style>
-        <p:txBody>
-          <a:bodyPr/>
-          <a:lstStyle/>
-          <a:p>
-            <a:endParaRPr lang="en-US"/>
-          </a:p>
-        </p:txBody>
-      </p:sp>
-      <p:sp>
-        <p:nvSpPr>
-          <p:cNvPr id="308" name="CustomShape 2"/>
-          <p:cNvSpPr/>
-          <p:nvPr/>
-        </p:nvSpPr>
-        <p:spPr>
-          <a:xfrm>
-            <a:off x="695520" y="3403080"/>
-            <a:ext cx="6095520" cy="2223360"/>
-          </a:xfrm>
-          <a:prstGeom prst="rect">
-            <a:avLst/>
-          </a:prstGeom>
-          <a:noFill/>
-          <a:ln>
-            <a:noFill/>
-          </a:ln>
-        </p:spPr>
-        <p:style>
-          <a:lnRef idx="0">
-            <a:scrgbClr r="0" g="0" b="0"/>
-          </a:lnRef>
-          <a:fillRef idx="0">
-            <a:scrgbClr r="0" g="0" b="0"/>
-          </a:fillRef>
-          <a:effectRef idx="0">
-            <a:scrgbClr r="0" g="0" b="0"/>
-          </a:effectRef>
-          <a:fontRef idx="minor"/>
-        </p:style>
-        <p:txBody>
-          <a:bodyPr/>
-          <a:lstStyle/>
-          <a:p>
-            <a:endParaRPr lang="en-US"/>
-          </a:p>
-        </p:txBody>
-      </p:sp>
-      <p:sp>
-        <p:nvSpPr>
-          <p:cNvPr id="309" name="CustomShape 3"/>
-          <p:cNvSpPr/>
-          <p:nvPr/>
-        </p:nvSpPr>
-        <p:spPr>
-          <a:xfrm>
-            <a:off x="6962400" y="3269880"/>
-            <a:ext cx="4329000" cy="1369440"/>
-          </a:xfrm>
-          <a:prstGeom prst="rect">
-            <a:avLst/>
-          </a:prstGeom>
-          <a:noFill/>
-          <a:ln>
-            <a:noFill/>
-          </a:ln>
-        </p:spPr>
-        <p:style>
-          <a:lnRef idx="0">
-            <a:scrgbClr r="0" g="0" b="0"/>
-          </a:lnRef>
-          <a:fillRef idx="0">
-            <a:scrgbClr r="0" g="0" b="0"/>
-          </a:fillRef>
-          <a:effectRef idx="0">
-            <a:scrgbClr r="0" g="0" b="0"/>
-          </a:effectRef>
-          <a:fontRef idx="minor"/>
-        </p:style>
-        <p:txBody>
-          <a:bodyPr/>
-          <a:lstStyle/>
-          <a:p>
-            <a:endParaRPr lang="en-US"/>
-          </a:p>
-        </p:txBody>
-      </p:sp>
-      <p:sp>
-        <p:nvSpPr>
-          <p:cNvPr id="2" name="Hộp Văn bản 1">
-            <a:extLst>
-              <a:ext uri="{FF2B5EF4-FFF2-40B4-BE49-F238E27FC236}">
-                <a16:creationId xmlns:a16="http://schemas.microsoft.com/office/drawing/2014/main" id="{F0BEEF57-11F8-37EE-EFB4-9DA31713CCF3}"/>
-              </a:ext>
-            </a:extLst>
-          </p:cNvPr>
-          <p:cNvSpPr txBox="1"/>
-          <p:nvPr/>
-        </p:nvSpPr>
-        <p:spPr>
-          <a:xfrm>
-            <a:off x="462116" y="1564614"/>
-            <a:ext cx="10422194" cy="4293483"/>
-          </a:xfrm>
-          <a:prstGeom prst="rect">
-            <a:avLst/>
-          </a:prstGeom>
-          <a:noFill/>
-        </p:spPr>
-        <p:txBody>
-          <a:bodyPr wrap="square" rtlCol="0">
-            <a:spAutoFit/>
-          </a:bodyPr>
-          <a:lstStyle/>
-          <a:p>
-            <a:r>
-              <a:rPr lang="vi-VN" sz="3700" b="1" dirty="0">
-                <a:solidFill>
-                  <a:srgbClr val="C00000"/>
-                </a:solidFill>
-                <a:latin typeface="Lato" panose="020F0502020204030203" pitchFamily="34" charset="0"/>
-                <a:ea typeface="Lato" panose="020F0502020204030203" pitchFamily="34" charset="0"/>
-                <a:cs typeface="Lato" panose="020F0502020204030203" pitchFamily="34" charset="0"/>
-              </a:rPr>
-              <a:t>LẬP TRÌNH HƯỚNG ĐỐI TƯỢNG – IT3103</a:t>
-            </a:r>
-          </a:p>
-          <a:p>
-            <a:endParaRPr lang="vi-VN" dirty="0">
-              <a:latin typeface="Lato" panose="020F0502020204030203" pitchFamily="34" charset="0"/>
-              <a:ea typeface="Lato" panose="020F0502020204030203" pitchFamily="34" charset="0"/>
-              <a:cs typeface="Lato" panose="020F0502020204030203" pitchFamily="34" charset="0"/>
-            </a:endParaRPr>
-          </a:p>
-          <a:p>
-            <a:r>
-              <a:rPr lang="vi-VN" sz="2000" b="1" dirty="0">
-                <a:solidFill>
-                  <a:srgbClr val="C00000"/>
-                </a:solidFill>
-                <a:latin typeface="Lato" panose="020F0502020204030203" pitchFamily="34" charset="0"/>
-                <a:ea typeface="Lato" panose="020F0502020204030203" pitchFamily="34" charset="0"/>
-                <a:cs typeface="Lato" panose="020F0502020204030203" pitchFamily="34" charset="0"/>
-              </a:rPr>
-              <a:t>Nhóm 29:</a:t>
-            </a:r>
-          </a:p>
-          <a:p>
-            <a:pPr lvl="1">
-              <a:buFont typeface="Arial" panose="020B0604020202020204" pitchFamily="34" charset="0"/>
-              <a:buChar char="•"/>
-            </a:pPr>
-            <a:r>
-              <a:rPr lang="vi-VN" sz="2000" b="1" i="0" dirty="0">
-                <a:solidFill>
-                  <a:schemeClr val="accent1">
-                    <a:lumMod val="50000"/>
-                  </a:schemeClr>
-                </a:solidFill>
-                <a:effectLst/>
-                <a:latin typeface="-apple-system"/>
-              </a:rPr>
-              <a:t> </a:t>
-            </a:r>
-            <a:r>
-              <a:rPr lang="vi-VN" sz="2000" b="1" i="0" dirty="0">
-                <a:solidFill>
-                  <a:schemeClr val="accent1">
-                    <a:lumMod val="50000"/>
-                  </a:schemeClr>
-                </a:solidFill>
-                <a:effectLst/>
-                <a:latin typeface="Lato" panose="020F0502020204030203" pitchFamily="34" charset="0"/>
-                <a:ea typeface="Lato" panose="020F0502020204030203" pitchFamily="34" charset="0"/>
-                <a:cs typeface="Lato" panose="020F0502020204030203" pitchFamily="34" charset="0"/>
-              </a:rPr>
-              <a:t>20226097 Phạm Thường Vi</a:t>
-            </a:r>
-          </a:p>
-          <a:p>
-            <a:pPr lvl="1">
-              <a:buFont typeface="Arial" panose="020B0604020202020204" pitchFamily="34" charset="0"/>
-              <a:buChar char="•"/>
-            </a:pPr>
-            <a:r>
-              <a:rPr lang="vi-VN" sz="2000" b="1" i="0" dirty="0">
-                <a:solidFill>
-                  <a:schemeClr val="accent1">
-                    <a:lumMod val="50000"/>
-                  </a:schemeClr>
-                </a:solidFill>
-                <a:effectLst/>
-                <a:latin typeface="Lato" panose="020F0502020204030203" pitchFamily="34" charset="0"/>
-                <a:ea typeface="Lato" panose="020F0502020204030203" pitchFamily="34" charset="0"/>
-                <a:cs typeface="Lato" panose="020F0502020204030203" pitchFamily="34" charset="0"/>
-              </a:rPr>
-              <a:t> 20225683 Đinh Đình Hải Việt</a:t>
-            </a:r>
-          </a:p>
-          <a:p>
-            <a:pPr lvl="1">
-              <a:buFont typeface="Arial" panose="020B0604020202020204" pitchFamily="34" charset="0"/>
-              <a:buChar char="•"/>
-            </a:pPr>
-            <a:r>
-              <a:rPr lang="vi-VN" sz="2000" b="1" i="0" dirty="0">
-                <a:solidFill>
-                  <a:schemeClr val="accent1">
-                    <a:lumMod val="50000"/>
-                  </a:schemeClr>
-                </a:solidFill>
-                <a:effectLst/>
-                <a:latin typeface="Lato" panose="020F0502020204030203" pitchFamily="34" charset="0"/>
-                <a:ea typeface="Lato" panose="020F0502020204030203" pitchFamily="34" charset="0"/>
-                <a:cs typeface="Lato" panose="020F0502020204030203" pitchFamily="34" charset="0"/>
-              </a:rPr>
-              <a:t> 20225684 Hoàng Quốc Việt</a:t>
-            </a:r>
-          </a:p>
-          <a:p>
-            <a:pPr lvl="1">
-              <a:buFont typeface="Arial" panose="020B0604020202020204" pitchFamily="34" charset="0"/>
-              <a:buChar char="•"/>
-            </a:pPr>
-            <a:r>
-              <a:rPr lang="vi-VN" sz="2000" b="1" i="0" dirty="0">
-                <a:solidFill>
-                  <a:schemeClr val="accent1">
-                    <a:lumMod val="50000"/>
-                  </a:schemeClr>
-                </a:solidFill>
-                <a:effectLst/>
-                <a:latin typeface="Lato" panose="020F0502020204030203" pitchFamily="34" charset="0"/>
-                <a:ea typeface="Lato" panose="020F0502020204030203" pitchFamily="34" charset="0"/>
-                <a:cs typeface="Lato" panose="020F0502020204030203" pitchFamily="34" charset="0"/>
-              </a:rPr>
-              <a:t> 20226098 Nguyễn Hoàng Việt</a:t>
-            </a:r>
-          </a:p>
-          <a:p>
-            <a:pPr lvl="1">
-              <a:buFont typeface="Arial" panose="020B0604020202020204" pitchFamily="34" charset="0"/>
-              <a:buChar char="•"/>
-            </a:pPr>
-            <a:r>
-              <a:rPr lang="vi-VN" sz="2000" b="1" i="0" dirty="0">
-                <a:solidFill>
-                  <a:schemeClr val="accent1">
-                    <a:lumMod val="50000"/>
-                  </a:schemeClr>
-                </a:solidFill>
-                <a:effectLst/>
-                <a:latin typeface="Lato" panose="020F0502020204030203" pitchFamily="34" charset="0"/>
-                <a:ea typeface="Lato" panose="020F0502020204030203" pitchFamily="34" charset="0"/>
-                <a:cs typeface="Lato" panose="020F0502020204030203" pitchFamily="34" charset="0"/>
-              </a:rPr>
-              <a:t> 20225777 Vũ Hoàng Việt</a:t>
-            </a:r>
-          </a:p>
-          <a:p>
-            <a:endParaRPr lang="vi-VN" dirty="0">
-              <a:solidFill>
-                <a:schemeClr val="accent1">
-                  <a:lumMod val="50000"/>
-                </a:schemeClr>
-              </a:solidFill>
-              <a:latin typeface="Lato" panose="020F0502020204030203" pitchFamily="34" charset="0"/>
-              <a:ea typeface="Lato" panose="020F0502020204030203" pitchFamily="34" charset="0"/>
-              <a:cs typeface="Lato" panose="020F0502020204030203" pitchFamily="34" charset="0"/>
-            </a:endParaRPr>
-          </a:p>
-          <a:p>
-            <a:r>
-              <a:rPr lang="vi-VN" sz="2000" b="1" dirty="0">
-                <a:solidFill>
-                  <a:srgbClr val="C00000"/>
-                </a:solidFill>
-                <a:latin typeface="Lato" panose="020F0502020204030203" pitchFamily="34" charset="0"/>
-                <a:ea typeface="Lato" panose="020F0502020204030203" pitchFamily="34" charset="0"/>
-                <a:cs typeface="Lato" panose="020F0502020204030203" pitchFamily="34" charset="0"/>
-              </a:rPr>
-              <a:t>Chủ đề 4:</a:t>
-            </a:r>
-          </a:p>
-          <a:p>
-            <a:pPr lvl="1"/>
-            <a:r>
-              <a:rPr lang="vi-VN" sz="2000" b="1" dirty="0">
-                <a:solidFill>
-                  <a:schemeClr val="accent1">
-                    <a:lumMod val="50000"/>
-                  </a:schemeClr>
-                </a:solidFill>
-                <a:latin typeface="Lato" panose="020F0502020204030203" pitchFamily="34" charset="0"/>
-                <a:ea typeface="Lato" panose="020F0502020204030203" pitchFamily="34" charset="0"/>
-                <a:cs typeface="Lato" panose="020F0502020204030203" pitchFamily="34" charset="0"/>
-              </a:rPr>
-              <a:t>Ứng dụng mô phỏng các thuật toán sắp xếp: </a:t>
-            </a:r>
-            <a:r>
-              <a:rPr lang="vi-VN" sz="2000" b="1" dirty="0" err="1">
-                <a:solidFill>
-                  <a:schemeClr val="accent1">
-                    <a:lumMod val="50000"/>
-                  </a:schemeClr>
-                </a:solidFill>
-                <a:latin typeface="Lato" panose="020F0502020204030203" pitchFamily="34" charset="0"/>
-                <a:ea typeface="Lato" panose="020F0502020204030203" pitchFamily="34" charset="0"/>
-                <a:cs typeface="Lato" panose="020F0502020204030203" pitchFamily="34" charset="0"/>
-              </a:rPr>
-              <a:t>Insertion</a:t>
-            </a:r>
-            <a:r>
-              <a:rPr lang="vi-VN" sz="2000" b="1" dirty="0">
-                <a:solidFill>
-                  <a:schemeClr val="accent1">
-                    <a:lumMod val="50000"/>
-                  </a:schemeClr>
-                </a:solidFill>
-                <a:latin typeface="Lato" panose="020F0502020204030203" pitchFamily="34" charset="0"/>
-                <a:ea typeface="Lato" panose="020F0502020204030203" pitchFamily="34" charset="0"/>
-                <a:cs typeface="Lato" panose="020F0502020204030203" pitchFamily="34" charset="0"/>
-              </a:rPr>
-              <a:t> </a:t>
-            </a:r>
-            <a:r>
-              <a:rPr lang="vi-VN" sz="2000" b="1" dirty="0" err="1">
-                <a:solidFill>
-                  <a:schemeClr val="accent1">
-                    <a:lumMod val="50000"/>
-                  </a:schemeClr>
-                </a:solidFill>
-                <a:latin typeface="Lato" panose="020F0502020204030203" pitchFamily="34" charset="0"/>
-                <a:ea typeface="Lato" panose="020F0502020204030203" pitchFamily="34" charset="0"/>
-                <a:cs typeface="Lato" panose="020F0502020204030203" pitchFamily="34" charset="0"/>
-              </a:rPr>
-              <a:t>sort</a:t>
-            </a:r>
-            <a:r>
-              <a:rPr lang="vi-VN" sz="2000" b="1" dirty="0">
-                <a:solidFill>
-                  <a:schemeClr val="accent1">
-                    <a:lumMod val="50000"/>
-                  </a:schemeClr>
-                </a:solidFill>
-                <a:latin typeface="Lato" panose="020F0502020204030203" pitchFamily="34" charset="0"/>
-                <a:ea typeface="Lato" panose="020F0502020204030203" pitchFamily="34" charset="0"/>
-                <a:cs typeface="Lato" panose="020F0502020204030203" pitchFamily="34" charset="0"/>
-              </a:rPr>
-              <a:t>, </a:t>
-            </a:r>
-            <a:r>
-              <a:rPr lang="vi-VN" sz="2000" b="1" dirty="0" err="1">
-                <a:solidFill>
-                  <a:schemeClr val="accent1">
-                    <a:lumMod val="50000"/>
-                  </a:schemeClr>
-                </a:solidFill>
-                <a:latin typeface="Lato" panose="020F0502020204030203" pitchFamily="34" charset="0"/>
-                <a:ea typeface="Lato" panose="020F0502020204030203" pitchFamily="34" charset="0"/>
-                <a:cs typeface="Lato" panose="020F0502020204030203" pitchFamily="34" charset="0"/>
-              </a:rPr>
-              <a:t>Bubble</a:t>
-            </a:r>
-            <a:r>
-              <a:rPr lang="vi-VN" sz="2000" b="1" dirty="0">
-                <a:solidFill>
-                  <a:schemeClr val="accent1">
-                    <a:lumMod val="50000"/>
-                  </a:schemeClr>
-                </a:solidFill>
-                <a:latin typeface="Lato" panose="020F0502020204030203" pitchFamily="34" charset="0"/>
-                <a:ea typeface="Lato" panose="020F0502020204030203" pitchFamily="34" charset="0"/>
-                <a:cs typeface="Lato" panose="020F0502020204030203" pitchFamily="34" charset="0"/>
-              </a:rPr>
-              <a:t> </a:t>
-            </a:r>
-            <a:r>
-              <a:rPr lang="vi-VN" sz="2000" b="1" dirty="0" err="1">
-                <a:solidFill>
-                  <a:schemeClr val="accent1">
-                    <a:lumMod val="50000"/>
-                  </a:schemeClr>
-                </a:solidFill>
-                <a:latin typeface="Lato" panose="020F0502020204030203" pitchFamily="34" charset="0"/>
-                <a:ea typeface="Lato" panose="020F0502020204030203" pitchFamily="34" charset="0"/>
-                <a:cs typeface="Lato" panose="020F0502020204030203" pitchFamily="34" charset="0"/>
-              </a:rPr>
-              <a:t>sort</a:t>
-            </a:r>
-            <a:r>
-              <a:rPr lang="vi-VN" sz="2000" b="1" dirty="0">
-                <a:solidFill>
-                  <a:schemeClr val="accent1">
-                    <a:lumMod val="50000"/>
-                  </a:schemeClr>
-                </a:solidFill>
-                <a:latin typeface="Lato" panose="020F0502020204030203" pitchFamily="34" charset="0"/>
-                <a:ea typeface="Lato" panose="020F0502020204030203" pitchFamily="34" charset="0"/>
-                <a:cs typeface="Lato" panose="020F0502020204030203" pitchFamily="34" charset="0"/>
-              </a:rPr>
-              <a:t>, </a:t>
-            </a:r>
-            <a:r>
-              <a:rPr lang="vi-VN" sz="2000" b="1" dirty="0" err="1">
-                <a:solidFill>
-                  <a:schemeClr val="accent1">
-                    <a:lumMod val="50000"/>
-                  </a:schemeClr>
-                </a:solidFill>
-                <a:latin typeface="Lato" panose="020F0502020204030203" pitchFamily="34" charset="0"/>
-                <a:ea typeface="Lato" panose="020F0502020204030203" pitchFamily="34" charset="0"/>
-                <a:cs typeface="Lato" panose="020F0502020204030203" pitchFamily="34" charset="0"/>
-              </a:rPr>
-              <a:t>Quick</a:t>
-            </a:r>
-            <a:r>
-              <a:rPr lang="vi-VN" sz="2000" b="1" dirty="0">
-                <a:solidFill>
-                  <a:schemeClr val="accent1">
-                    <a:lumMod val="50000"/>
-                  </a:schemeClr>
-                </a:solidFill>
-                <a:latin typeface="Lato" panose="020F0502020204030203" pitchFamily="34" charset="0"/>
-                <a:ea typeface="Lato" panose="020F0502020204030203" pitchFamily="34" charset="0"/>
-                <a:cs typeface="Lato" panose="020F0502020204030203" pitchFamily="34" charset="0"/>
-              </a:rPr>
-              <a:t> </a:t>
-            </a:r>
-            <a:r>
-              <a:rPr lang="vi-VN" sz="2000" b="1" dirty="0" err="1">
-                <a:solidFill>
-                  <a:schemeClr val="accent1">
-                    <a:lumMod val="50000"/>
-                  </a:schemeClr>
-                </a:solidFill>
-                <a:latin typeface="Lato" panose="020F0502020204030203" pitchFamily="34" charset="0"/>
-                <a:ea typeface="Lato" panose="020F0502020204030203" pitchFamily="34" charset="0"/>
-                <a:cs typeface="Lato" panose="020F0502020204030203" pitchFamily="34" charset="0"/>
-              </a:rPr>
-              <a:t>sort</a:t>
-            </a:r>
-            <a:endParaRPr lang="vi-VN" sz="2000" b="1" dirty="0">
-              <a:solidFill>
-                <a:schemeClr val="accent1">
-                  <a:lumMod val="50000"/>
-                </a:schemeClr>
-              </a:solidFill>
-              <a:latin typeface="Lato" panose="020F0502020204030203" pitchFamily="34" charset="0"/>
-              <a:ea typeface="Lato" panose="020F0502020204030203" pitchFamily="34" charset="0"/>
-              <a:cs typeface="Lato" panose="020F0502020204030203" pitchFamily="34" charset="0"/>
-            </a:endParaRPr>
-          </a:p>
-          <a:p>
-            <a:endParaRPr lang="vi-VN" sz="2000" b="1" dirty="0">
-              <a:solidFill>
-                <a:schemeClr val="accent1">
-                  <a:lumMod val="50000"/>
-                </a:schemeClr>
-              </a:solidFill>
-              <a:latin typeface="Lato" panose="020F0502020204030203" pitchFamily="34" charset="0"/>
-              <a:ea typeface="Lato" panose="020F0502020204030203" pitchFamily="34" charset="0"/>
-              <a:cs typeface="Lato" panose="020F0502020204030203" pitchFamily="34" charset="0"/>
-            </a:endParaRPr>
-          </a:p>
-          <a:p>
-            <a:r>
-              <a:rPr lang="vi-VN" sz="2000" b="1" dirty="0">
-                <a:solidFill>
-                  <a:srgbClr val="C00000"/>
-                </a:solidFill>
-                <a:latin typeface="Lato" panose="020F0502020204030203" pitchFamily="34" charset="0"/>
-                <a:ea typeface="Lato" panose="020F0502020204030203" pitchFamily="34" charset="0"/>
-                <a:cs typeface="Lato" panose="020F0502020204030203" pitchFamily="34" charset="0"/>
-              </a:rPr>
-              <a:t>GVHD: TS. Nguyễn Thị Thu Trang</a:t>
-            </a:r>
-          </a:p>
-        </p:txBody>
-      </p:sp>
     </p:spTree>
+    <p:extLst>
+      <p:ext uri="{BB962C8B-B14F-4D97-AF65-F5344CB8AC3E}">
+        <p14:creationId xmlns:p14="http://schemas.microsoft.com/office/powerpoint/2010/main" val="3287816010"/>
+      </p:ext>
+    </p:extLst>
   </p:cSld>
   <p:clrMapOvr>
     <a:masterClrMapping/>
@@ -17153,7 +17494,7 @@
 </p:sld>
 </file>
 
-<file path=ppt/slides/slide3.xml><?xml version="1.0" encoding="utf-8"?>
+<file path=ppt/slides/slide11.xml><?xml version="1.0" encoding="utf-8"?>
 <p:sld xmlns:a="http://schemas.openxmlformats.org/drawingml/2006/main" xmlns:r="http://schemas.openxmlformats.org/officeDocument/2006/relationships" xmlns:p="http://schemas.openxmlformats.org/presentationml/2006/main">
   <p:cSld>
     <p:spTree>
@@ -17172,77 +17513,143 @@
       </p:grpSpPr>
       <p:sp>
         <p:nvSpPr>
-          <p:cNvPr id="310" name="Freeform 1"/>
-          <p:cNvSpPr/>
+          <p:cNvPr id="2" name="Tiêu đề 1">
+            <a:extLst>
+              <a:ext uri="{FF2B5EF4-FFF2-40B4-BE49-F238E27FC236}">
+                <a16:creationId xmlns:a16="http://schemas.microsoft.com/office/drawing/2014/main" id="{BD78C7B1-C887-64CF-70AF-70D6C389D6E0}"/>
+              </a:ext>
+            </a:extLst>
+          </p:cNvPr>
+          <p:cNvSpPr>
+            <a:spLocks noGrp="1"/>
+          </p:cNvSpPr>
+          <p:nvPr>
+            <p:ph type="title"/>
+          </p:nvPr>
+        </p:nvSpPr>
+        <p:spPr>
+          <a:xfrm>
+            <a:off x="609480" y="-10728"/>
+            <a:ext cx="10972440" cy="792233"/>
+          </a:xfrm>
+        </p:spPr>
+        <p:txBody>
+          <a:bodyPr/>
+          <a:lstStyle/>
+          <a:p>
+            <a:r>
+              <a:rPr lang="vi-VN" err="1">
+                <a:solidFill>
+                  <a:schemeClr val="bg1"/>
+                </a:solidFill>
+                <a:ea typeface="+mj-lt"/>
+                <a:cs typeface="+mj-lt"/>
+              </a:rPr>
+              <a:t>Inheritance</a:t>
+            </a:r>
+            <a:endParaRPr lang="vi-VN" err="1">
+              <a:solidFill>
+                <a:schemeClr val="bg1"/>
+              </a:solidFill>
+            </a:endParaRPr>
+          </a:p>
+        </p:txBody>
+      </p:sp>
+      <p:sp>
+        <p:nvSpPr>
+          <p:cNvPr id="3" name="Tiêu đề phụ 2">
+            <a:extLst>
+              <a:ext uri="{FF2B5EF4-FFF2-40B4-BE49-F238E27FC236}">
+                <a16:creationId xmlns:a16="http://schemas.microsoft.com/office/drawing/2014/main" id="{BF038124-E022-1563-DCE2-075D6330C2D5}"/>
+              </a:ext>
+            </a:extLst>
+          </p:cNvPr>
+          <p:cNvSpPr>
+            <a:spLocks noGrp="1"/>
+          </p:cNvSpPr>
+          <p:nvPr>
+            <p:ph type="subTitle"/>
+          </p:nvPr>
+        </p:nvSpPr>
+        <p:spPr>
+          <a:xfrm>
+            <a:off x="453970" y="1103838"/>
+            <a:ext cx="11563379" cy="5126558"/>
+          </a:xfrm>
+        </p:spPr>
+        <p:txBody>
+          <a:bodyPr/>
+          <a:lstStyle/>
+          <a:p>
+            <a:endParaRPr lang="vi-VN"/>
+          </a:p>
+        </p:txBody>
+      </p:sp>
+      <p:pic>
+        <p:nvPicPr>
+          <p:cNvPr id="4" name="Hình ảnh 3" descr="Ảnh có chứa văn bản, ảnh chụp màn hình, Phông chữ, số&#10;&#10;Mô tả được tự động tạo">
+            <a:extLst>
+              <a:ext uri="{FF2B5EF4-FFF2-40B4-BE49-F238E27FC236}">
+                <a16:creationId xmlns:a16="http://schemas.microsoft.com/office/drawing/2014/main" id="{5FCA6612-08AF-6EA6-05EB-1D90C917C580}"/>
+              </a:ext>
+            </a:extLst>
+          </p:cNvPr>
+          <p:cNvPicPr>
+            <a:picLocks noChangeAspect="1"/>
+          </p:cNvPicPr>
           <p:nvPr/>
-        </p:nvSpPr>
-        <p:spPr>
-          <a:xfrm>
-            <a:off x="3209400" y="2164680"/>
-            <a:ext cx="360" cy="360"/>
-          </a:xfrm>
-          <a:custGeom>
-            <a:avLst/>
-            <a:gdLst/>
-            <a:ahLst/>
-            <a:cxnLst/>
-            <a:rect l="0" t="0" r="r" b="b"/>
-            <a:pathLst>
-              <a:path w="1" h="1">
-                <a:moveTo>
-                  <a:pt x="0" y="0"/>
-                </a:moveTo>
-                <a:lnTo>
-                  <a:pt x="0" y="0"/>
-                </a:lnTo>
-              </a:path>
-            </a:pathLst>
-          </a:custGeom>
-          <a:ln/>
-        </p:spPr>
-        <p:txBody>
-          <a:bodyPr/>
-          <a:lstStyle/>
-          <a:p>
-            <a:endParaRPr lang="en-US"/>
-          </a:p>
-        </p:txBody>
-      </p:sp>
-      <p:sp>
-        <p:nvSpPr>
-          <p:cNvPr id="311" name="TextShape 2"/>
-          <p:cNvSpPr txBox="1"/>
+        </p:nvPicPr>
+        <p:blipFill>
+          <a:blip r:embed="rId2"/>
+          <a:stretch>
+            <a:fillRect/>
+          </a:stretch>
+        </p:blipFill>
+        <p:spPr>
+          <a:xfrm>
+            <a:off x="296572" y="1376264"/>
+            <a:ext cx="5495082" cy="4105470"/>
+          </a:xfrm>
+          <a:prstGeom prst="rect">
+            <a:avLst/>
+          </a:prstGeom>
+        </p:spPr>
+      </p:pic>
+      <p:pic>
+        <p:nvPicPr>
+          <p:cNvPr id="5" name="Hình ảnh 4" descr="Ảnh có chứa văn bản, ảnh chụp màn hình, biểu đồ, Phông chữ&#10;&#10;Mô tả được tự động tạo">
+            <a:extLst>
+              <a:ext uri="{FF2B5EF4-FFF2-40B4-BE49-F238E27FC236}">
+                <a16:creationId xmlns:a16="http://schemas.microsoft.com/office/drawing/2014/main" id="{82663923-DCC8-9B60-9ECF-04FEAD186900}"/>
+              </a:ext>
+            </a:extLst>
+          </p:cNvPr>
+          <p:cNvPicPr>
+            <a:picLocks noChangeAspect="1"/>
+          </p:cNvPicPr>
           <p:nvPr/>
-        </p:nvSpPr>
-        <p:spPr>
-          <a:xfrm>
-            <a:off x="338760" y="1058760"/>
-            <a:ext cx="11514240" cy="4908600"/>
-          </a:xfrm>
-          <a:prstGeom prst="rect">
-            <a:avLst/>
-          </a:prstGeom>
-          <a:noFill/>
-          <a:ln>
-            <a:noFill/>
-          </a:ln>
-        </p:spPr>
-        <p:txBody>
-          <a:bodyPr lIns="90000" tIns="45000" rIns="90000" bIns="45000">
-            <a:noAutofit/>
-          </a:bodyPr>
-          <a:lstStyle/>
-          <a:p>
-            <a:endParaRPr lang="en-US" sz="2800" b="0" strike="noStrike" spc="-1">
-              <a:solidFill>
-                <a:srgbClr val="000000"/>
-              </a:solidFill>
-              <a:latin typeface="Calibri"/>
-            </a:endParaRPr>
-          </a:p>
-        </p:txBody>
-      </p:sp>
+        </p:nvPicPr>
+        <p:blipFill>
+          <a:blip r:embed="rId3"/>
+          <a:srcRect l="2253" r="-125" b="-98"/>
+          <a:stretch/>
+        </p:blipFill>
+        <p:spPr>
+          <a:xfrm>
+            <a:off x="5934374" y="1578428"/>
+            <a:ext cx="6084814" cy="4125047"/>
+          </a:xfrm>
+          <a:prstGeom prst="rect">
+            <a:avLst/>
+          </a:prstGeom>
+        </p:spPr>
+      </p:pic>
     </p:spTree>
+    <p:extLst>
+      <p:ext uri="{BB962C8B-B14F-4D97-AF65-F5344CB8AC3E}">
+        <p14:creationId xmlns:p14="http://schemas.microsoft.com/office/powerpoint/2010/main" val="3992535790"/>
+      </p:ext>
+    </p:extLst>
   </p:cSld>
   <p:clrMapOvr>
     <a:masterClrMapping/>
@@ -17250,7 +17657,7 @@
 </p:sld>
 </file>
 
-<file path=ppt/slides/slide4.xml><?xml version="1.0" encoding="utf-8"?>
+<file path=ppt/slides/slide12.xml><?xml version="1.0" encoding="utf-8"?>
 <p:sld xmlns:a="http://schemas.openxmlformats.org/drawingml/2006/main" xmlns:r="http://schemas.openxmlformats.org/officeDocument/2006/relationships" xmlns:p="http://schemas.openxmlformats.org/presentationml/2006/main">
   <p:cSld>
     <p:spTree>
@@ -17269,73 +17676,617 @@
       </p:grpSpPr>
       <p:sp>
         <p:nvSpPr>
-          <p:cNvPr id="312" name="TextShape 1"/>
-          <p:cNvSpPr txBox="1"/>
-          <p:nvPr/>
-        </p:nvSpPr>
-        <p:spPr>
-          <a:xfrm>
-            <a:off x="338760" y="1058760"/>
-            <a:ext cx="11514240" cy="4908600"/>
-          </a:xfrm>
-          <a:prstGeom prst="rect">
-            <a:avLst/>
-          </a:prstGeom>
-          <a:noFill/>
-          <a:ln>
-            <a:noFill/>
-          </a:ln>
-        </p:spPr>
-        <p:txBody>
-          <a:bodyPr lIns="90000" tIns="45000" rIns="90000" bIns="45000">
+          <p:cNvPr id="2" name="Tiêu đề 1">
+            <a:extLst>
+              <a:ext uri="{FF2B5EF4-FFF2-40B4-BE49-F238E27FC236}">
+                <a16:creationId xmlns:a16="http://schemas.microsoft.com/office/drawing/2014/main" id="{27769E1D-FE80-F8D1-755F-27D820109BFB}"/>
+              </a:ext>
+            </a:extLst>
+          </p:cNvPr>
+          <p:cNvSpPr>
+            <a:spLocks noGrp="1"/>
+          </p:cNvSpPr>
+          <p:nvPr>
+            <p:ph type="title"/>
+          </p:nvPr>
+        </p:nvSpPr>
+        <p:spPr>
+          <a:xfrm>
+            <a:off x="609480" y="-226462"/>
+            <a:ext cx="10972440" cy="1192425"/>
+          </a:xfrm>
+        </p:spPr>
+        <p:txBody>
+          <a:bodyPr/>
+          <a:lstStyle/>
+          <a:p>
+            <a:r>
+              <a:rPr lang="vi-VN" err="1">
+                <a:solidFill>
+                  <a:schemeClr val="bg1"/>
+                </a:solidFill>
+                <a:ea typeface="+mj-lt"/>
+                <a:cs typeface="+mj-lt"/>
+              </a:rPr>
+              <a:t>Polymorphism</a:t>
+            </a:r>
+            <a:endParaRPr lang="vi-VN" err="1">
+              <a:solidFill>
+                <a:schemeClr val="bg1"/>
+              </a:solidFill>
+            </a:endParaRPr>
+          </a:p>
+        </p:txBody>
+      </p:sp>
+      <p:sp>
+        <p:nvSpPr>
+          <p:cNvPr id="3" name="Tiêu đề phụ 2">
+            <a:extLst>
+              <a:ext uri="{FF2B5EF4-FFF2-40B4-BE49-F238E27FC236}">
+                <a16:creationId xmlns:a16="http://schemas.microsoft.com/office/drawing/2014/main" id="{56368647-88F0-0078-016D-2D29BDF6A796}"/>
+              </a:ext>
+            </a:extLst>
+          </p:cNvPr>
+          <p:cNvSpPr>
+            <a:spLocks noGrp="1"/>
+          </p:cNvSpPr>
+          <p:nvPr>
+            <p:ph type="subTitle"/>
+          </p:nvPr>
+        </p:nvSpPr>
+        <p:spPr>
+          <a:xfrm>
+            <a:off x="426917" y="1138787"/>
+            <a:ext cx="11147065" cy="4581737"/>
+          </a:xfrm>
+        </p:spPr>
+        <p:txBody>
+          <a:bodyPr lIns="0" tIns="0" rIns="0" bIns="0" anchor="ctr">
             <a:noAutofit/>
           </a:bodyPr>
           <a:lstStyle/>
           <a:p>
-            <a:endParaRPr lang="en-US" sz="2800" b="0" strike="noStrike" spc="-1">
-              <a:solidFill>
-                <a:srgbClr val="000000"/>
-              </a:solidFill>
-              <a:latin typeface="Calibri"/>
-            </a:endParaRPr>
-          </a:p>
-        </p:txBody>
-      </p:sp>
-      <p:sp>
-        <p:nvSpPr>
-          <p:cNvPr id="313" name="TextShape 2"/>
-          <p:cNvSpPr txBox="1"/>
-          <p:nvPr/>
-        </p:nvSpPr>
-        <p:spPr>
-          <a:xfrm>
-            <a:off x="338760" y="112680"/>
-            <a:ext cx="11514240" cy="435600"/>
-          </a:xfrm>
-          <a:prstGeom prst="rect">
-            <a:avLst/>
-          </a:prstGeom>
-          <a:noFill/>
-          <a:ln>
-            <a:noFill/>
-          </a:ln>
-        </p:spPr>
-        <p:txBody>
-          <a:bodyPr lIns="90000" tIns="45000" rIns="90000" bIns="45000">
-            <a:noAutofit/>
-          </a:bodyPr>
-          <a:lstStyle/>
-          <a:p>
-            <a:endParaRPr lang="en-US" sz="1800" b="0" strike="noStrike" spc="-1">
-              <a:solidFill>
-                <a:srgbClr val="000000"/>
-              </a:solidFill>
-              <a:latin typeface="Calibri"/>
-            </a:endParaRPr>
+            <a:pPr marL="0" indent="0">
+              <a:buNone/>
+            </a:pPr>
+            <a:r>
+              <a:rPr lang="vi-VN" sz="2800" err="1">
+                <a:ea typeface="+mn-lt"/>
+                <a:cs typeface="+mn-lt"/>
+              </a:rPr>
+              <a:t>Polymorphism</a:t>
+            </a:r>
+            <a:r>
+              <a:rPr lang="vi-VN" sz="2800" dirty="0">
+                <a:ea typeface="+mn-lt"/>
+                <a:cs typeface="+mn-lt"/>
+              </a:rPr>
+              <a:t> cho phép các lớp con cung cấp </a:t>
+            </a:r>
+            <a:r>
+              <a:rPr lang="vi-VN" sz="2800" b="1" dirty="0">
+                <a:ea typeface="+mn-lt"/>
+                <a:cs typeface="+mn-lt"/>
+              </a:rPr>
+              <a:t>phiên bản riêng</a:t>
+            </a:r>
+            <a:r>
+              <a:rPr lang="vi-VN" sz="2800" dirty="0">
+                <a:ea typeface="+mn-lt"/>
+                <a:cs typeface="+mn-lt"/>
+              </a:rPr>
+              <a:t> của phương thức được định nghĩa trong lớp cha.</a:t>
+            </a:r>
+            <a:endParaRPr lang="vi-VN">
+              <a:ea typeface="+mn-lt"/>
+              <a:cs typeface="+mn-lt"/>
+            </a:endParaRPr>
+          </a:p>
+          <a:p>
+            <a:endParaRPr lang="vi-VN" sz="2800" dirty="0">
+              <a:cs typeface="Arial"/>
+            </a:endParaRPr>
+          </a:p>
+          <a:p>
+            <a:pPr marL="457200" indent="-457200">
+              <a:spcBef>
+                <a:spcPts val="1000"/>
+              </a:spcBef>
+              <a:buFont typeface="Calibri" panose="020B0604020202020204" pitchFamily="34" charset="0"/>
+              <a:buChar char="-"/>
+            </a:pPr>
+            <a:r>
+              <a:rPr lang="en-US" sz="2400" dirty="0">
+                <a:cs typeface="Arial"/>
+              </a:rPr>
+              <a:t>Các </a:t>
+            </a:r>
+            <a:r>
+              <a:rPr lang="en-US" sz="2400" err="1">
+                <a:cs typeface="Arial"/>
+              </a:rPr>
+              <a:t>lớp</a:t>
+            </a:r>
+            <a:r>
+              <a:rPr lang="en-US" sz="2400" dirty="0">
+                <a:cs typeface="Arial"/>
+              </a:rPr>
+              <a:t> con </a:t>
+            </a:r>
+            <a:r>
+              <a:rPr lang="en-US" sz="2400" err="1">
+                <a:cs typeface="Arial"/>
+              </a:rPr>
+              <a:t>BubbleSort</a:t>
+            </a:r>
+            <a:r>
+              <a:rPr lang="en-US" sz="2400" dirty="0">
+                <a:cs typeface="Arial"/>
+              </a:rPr>
+              <a:t>, </a:t>
+            </a:r>
+            <a:r>
+              <a:rPr lang="en-US" sz="2400" err="1">
+                <a:cs typeface="Arial"/>
+              </a:rPr>
+              <a:t>InsertionSort</a:t>
+            </a:r>
+            <a:r>
+              <a:rPr lang="en-US" sz="2400" dirty="0">
+                <a:cs typeface="Arial"/>
+              </a:rPr>
+              <a:t>, </a:t>
+            </a:r>
+            <a:r>
+              <a:rPr lang="en-US" sz="2400" err="1">
+                <a:cs typeface="Arial"/>
+              </a:rPr>
+              <a:t>QuickSort</a:t>
+            </a:r>
+            <a:r>
+              <a:rPr lang="en-US" sz="2400" dirty="0">
+                <a:cs typeface="Arial"/>
+              </a:rPr>
+              <a:t> </a:t>
+            </a:r>
+            <a:r>
+              <a:rPr lang="en-US" sz="2400" err="1">
+                <a:cs typeface="Arial"/>
+              </a:rPr>
+              <a:t>kế</a:t>
+            </a:r>
+            <a:r>
+              <a:rPr lang="en-US" sz="2400" dirty="0">
+                <a:cs typeface="Arial"/>
+              </a:rPr>
+              <a:t> </a:t>
+            </a:r>
+            <a:r>
+              <a:rPr lang="en-US" sz="2400" err="1">
+                <a:cs typeface="Arial"/>
+              </a:rPr>
+              <a:t>thừa</a:t>
+            </a:r>
+            <a:r>
+              <a:rPr lang="en-US" sz="2400" dirty="0">
+                <a:cs typeface="Arial"/>
+              </a:rPr>
+              <a:t> </a:t>
+            </a:r>
+            <a:r>
+              <a:rPr lang="en-US" sz="2400" err="1">
+                <a:cs typeface="Arial"/>
+              </a:rPr>
+              <a:t>từ</a:t>
+            </a:r>
+            <a:r>
+              <a:rPr lang="en-US" sz="2400" dirty="0">
+                <a:cs typeface="Arial"/>
+              </a:rPr>
+              <a:t> </a:t>
+            </a:r>
+            <a:r>
+              <a:rPr lang="en-US" sz="2400" err="1">
+                <a:cs typeface="Arial"/>
+              </a:rPr>
+              <a:t>lớp</a:t>
+            </a:r>
+            <a:r>
+              <a:rPr lang="en-US" sz="2400" dirty="0">
+                <a:cs typeface="Arial"/>
+              </a:rPr>
+              <a:t> cha </a:t>
+            </a:r>
+            <a:r>
+              <a:rPr lang="en-US" sz="2400" err="1">
+                <a:cs typeface="Arial"/>
+              </a:rPr>
+              <a:t>SortingAlgorithm</a:t>
+            </a:r>
+            <a:r>
+              <a:rPr lang="en-US" sz="2400" dirty="0">
+                <a:cs typeface="Arial"/>
+              </a:rPr>
+              <a:t> </a:t>
+            </a:r>
+            <a:r>
+              <a:rPr lang="en-US" sz="2400" err="1">
+                <a:cs typeface="Arial"/>
+              </a:rPr>
+              <a:t>và</a:t>
+            </a:r>
+            <a:r>
+              <a:rPr lang="en-US" sz="2400" dirty="0">
+                <a:cs typeface="Arial"/>
+              </a:rPr>
+              <a:t> </a:t>
+            </a:r>
+            <a:r>
+              <a:rPr lang="en-US" sz="2400" err="1">
+                <a:cs typeface="Arial"/>
+              </a:rPr>
+              <a:t>thực</a:t>
+            </a:r>
+            <a:r>
+              <a:rPr lang="en-US" sz="2400" dirty="0">
+                <a:cs typeface="Arial"/>
+              </a:rPr>
+              <a:t> </a:t>
+            </a:r>
+            <a:r>
+              <a:rPr lang="en-US" sz="2400" err="1">
+                <a:cs typeface="Arial"/>
+              </a:rPr>
+              <a:t>thi</a:t>
+            </a:r>
+            <a:r>
+              <a:rPr lang="en-US" sz="2400" dirty="0">
+                <a:cs typeface="Arial"/>
+              </a:rPr>
+              <a:t> (override) </a:t>
+            </a:r>
+            <a:r>
+              <a:rPr lang="en-US" sz="2400" err="1">
+                <a:cs typeface="Arial"/>
+              </a:rPr>
+              <a:t>phương</a:t>
+            </a:r>
+            <a:r>
+              <a:rPr lang="en-US" sz="2400" dirty="0">
+                <a:cs typeface="Arial"/>
+              </a:rPr>
+              <a:t> </a:t>
+            </a:r>
+            <a:r>
+              <a:rPr lang="en-US" sz="2400" err="1">
+                <a:cs typeface="Arial"/>
+              </a:rPr>
+              <a:t>thức</a:t>
+            </a:r>
+            <a:r>
+              <a:rPr lang="en-US" sz="2400" dirty="0">
+                <a:cs typeface="Arial"/>
+              </a:rPr>
+              <a:t> perform(), </a:t>
+            </a:r>
+            <a:r>
+              <a:rPr lang="en-US" sz="2400" err="1">
+                <a:cs typeface="Arial"/>
+              </a:rPr>
+              <a:t>displayStep</a:t>
+            </a:r>
+            <a:r>
+              <a:rPr lang="en-US" sz="2400" dirty="0">
+                <a:cs typeface="Arial"/>
+              </a:rPr>
+              <a:t>() </a:t>
+            </a:r>
+            <a:r>
+              <a:rPr lang="en-US" sz="2400" err="1">
+                <a:cs typeface="Arial"/>
+              </a:rPr>
+              <a:t>để</a:t>
+            </a:r>
+            <a:r>
+              <a:rPr lang="en-US" sz="2400" dirty="0">
+                <a:cs typeface="Arial"/>
+              </a:rPr>
+              <a:t> </a:t>
+            </a:r>
+            <a:r>
+              <a:rPr lang="en-US" sz="2400" err="1">
+                <a:cs typeface="Arial"/>
+              </a:rPr>
+              <a:t>thực</a:t>
+            </a:r>
+            <a:r>
+              <a:rPr lang="en-US" sz="2400" dirty="0">
+                <a:cs typeface="Arial"/>
+              </a:rPr>
+              <a:t> </a:t>
+            </a:r>
+            <a:r>
+              <a:rPr lang="en-US" sz="2400" err="1">
+                <a:cs typeface="Arial"/>
+              </a:rPr>
+              <a:t>hiện</a:t>
+            </a:r>
+            <a:r>
+              <a:rPr lang="en-US" sz="2400" dirty="0">
+                <a:cs typeface="Arial"/>
+              </a:rPr>
+              <a:t> logic </a:t>
+            </a:r>
+            <a:r>
+              <a:rPr lang="en-US" sz="2400" err="1">
+                <a:cs typeface="Arial"/>
+              </a:rPr>
+              <a:t>riêng</a:t>
+            </a:r>
+            <a:r>
+              <a:rPr lang="en-US" sz="2400" dirty="0">
+                <a:cs typeface="Arial"/>
+              </a:rPr>
+              <a:t> </a:t>
+            </a:r>
+            <a:r>
+              <a:rPr lang="en-US" sz="2400" err="1">
+                <a:cs typeface="Arial"/>
+              </a:rPr>
+              <a:t>biệt</a:t>
+            </a:r>
+            <a:r>
+              <a:rPr lang="en-US" sz="2400" dirty="0">
+                <a:cs typeface="Arial"/>
+              </a:rPr>
+              <a:t> </a:t>
+            </a:r>
+            <a:r>
+              <a:rPr lang="en-US" sz="2400" err="1">
+                <a:cs typeface="Arial"/>
+              </a:rPr>
+              <a:t>cho</a:t>
+            </a:r>
+            <a:r>
+              <a:rPr lang="en-US" sz="2400" dirty="0">
+                <a:cs typeface="Arial"/>
+              </a:rPr>
+              <a:t> </a:t>
+            </a:r>
+            <a:r>
+              <a:rPr lang="en-US" sz="2400" err="1">
+                <a:cs typeface="Arial"/>
+              </a:rPr>
+              <a:t>từng</a:t>
+            </a:r>
+            <a:r>
+              <a:rPr lang="en-US" sz="2400" dirty="0">
+                <a:cs typeface="Arial"/>
+              </a:rPr>
+              <a:t> </a:t>
+            </a:r>
+            <a:r>
+              <a:rPr lang="en-US" sz="2400" err="1">
+                <a:cs typeface="Arial"/>
+              </a:rPr>
+              <a:t>thuật</a:t>
+            </a:r>
+            <a:r>
+              <a:rPr lang="en-US" sz="2400" dirty="0">
+                <a:cs typeface="Arial"/>
+              </a:rPr>
+              <a:t> </a:t>
+            </a:r>
+            <a:r>
+              <a:rPr lang="en-US" sz="2400" err="1">
+                <a:cs typeface="Arial"/>
+              </a:rPr>
+              <a:t>toán</a:t>
+            </a:r>
+            <a:r>
+              <a:rPr lang="en-US" sz="2400" dirty="0">
+                <a:cs typeface="Arial"/>
+              </a:rPr>
+              <a:t>.</a:t>
+            </a:r>
+          </a:p>
+          <a:p>
+            <a:pPr marL="457200" indent="-457200">
+              <a:spcBef>
+                <a:spcPts val="1000"/>
+              </a:spcBef>
+              <a:buFont typeface="Calibri" panose="020B0604020202020204" pitchFamily="34" charset="0"/>
+              <a:buChar char="-"/>
+            </a:pPr>
+            <a:endParaRPr lang="en-US" sz="2400" dirty="0">
+              <a:cs typeface="Arial"/>
+            </a:endParaRPr>
+          </a:p>
+          <a:p>
+            <a:pPr marL="457200" indent="-457200">
+              <a:spcBef>
+                <a:spcPts val="1000"/>
+              </a:spcBef>
+              <a:buFont typeface="Calibri" panose="020B0604020202020204" pitchFamily="34" charset="0"/>
+              <a:buChar char="-"/>
+            </a:pPr>
+            <a:r>
+              <a:rPr lang="en-US" sz="2400" err="1">
+                <a:cs typeface="Arial"/>
+              </a:rPr>
+              <a:t>Lớp</a:t>
+            </a:r>
+            <a:r>
+              <a:rPr lang="en-US" sz="2400" dirty="0">
+                <a:cs typeface="Arial"/>
+              </a:rPr>
+              <a:t> con </a:t>
+            </a:r>
+            <a:r>
+              <a:rPr lang="en-US" sz="2400" err="1">
+                <a:cs typeface="Arial"/>
+              </a:rPr>
+              <a:t>CreateAutomaticallyController</a:t>
+            </a:r>
+            <a:r>
+              <a:rPr lang="en-US" sz="2400" dirty="0">
+                <a:cs typeface="Arial"/>
+              </a:rPr>
+              <a:t>, </a:t>
+            </a:r>
+            <a:r>
+              <a:rPr lang="en-US" sz="2400" err="1">
+                <a:cs typeface="Arial"/>
+              </a:rPr>
+              <a:t>EnterEachElementController</a:t>
+            </a:r>
+            <a:r>
+              <a:rPr lang="en-US" sz="2400" dirty="0">
+                <a:cs typeface="Arial"/>
+              </a:rPr>
+              <a:t> </a:t>
+            </a:r>
+            <a:r>
+              <a:rPr lang="en-US" sz="2400" err="1">
+                <a:cs typeface="Arial"/>
+              </a:rPr>
+              <a:t>kế</a:t>
+            </a:r>
+            <a:r>
+              <a:rPr lang="en-US" sz="2400" dirty="0">
+                <a:cs typeface="Arial"/>
+              </a:rPr>
+              <a:t> </a:t>
+            </a:r>
+            <a:r>
+              <a:rPr lang="en-US" sz="2400" err="1">
+                <a:cs typeface="Arial"/>
+              </a:rPr>
+              <a:t>thừa</a:t>
+            </a:r>
+            <a:r>
+              <a:rPr lang="en-US" sz="2400" dirty="0">
+                <a:cs typeface="Arial"/>
+              </a:rPr>
+              <a:t> </a:t>
+            </a:r>
+            <a:r>
+              <a:rPr lang="en-US" sz="2400" err="1">
+                <a:cs typeface="Arial"/>
+              </a:rPr>
+              <a:t>từ</a:t>
+            </a:r>
+            <a:r>
+              <a:rPr lang="en-US" sz="2400" dirty="0">
+                <a:cs typeface="Arial"/>
+              </a:rPr>
+              <a:t> </a:t>
+            </a:r>
+            <a:r>
+              <a:rPr lang="en-US" sz="2400" err="1">
+                <a:cs typeface="Arial"/>
+              </a:rPr>
+              <a:t>lớp</a:t>
+            </a:r>
+            <a:r>
+              <a:rPr lang="en-US" sz="2400" dirty="0">
+                <a:cs typeface="Arial"/>
+              </a:rPr>
+              <a:t> cha </a:t>
+            </a:r>
+            <a:r>
+              <a:rPr lang="en-US" sz="2400" err="1">
+                <a:cs typeface="Arial"/>
+              </a:rPr>
+              <a:t>CreateArrayController</a:t>
+            </a:r>
+            <a:r>
+              <a:rPr lang="en-US" sz="2400" dirty="0">
+                <a:cs typeface="Arial"/>
+              </a:rPr>
+              <a:t> </a:t>
+            </a:r>
+            <a:r>
+              <a:rPr lang="en-US" sz="2400" err="1">
+                <a:cs typeface="Arial"/>
+              </a:rPr>
+              <a:t>và</a:t>
+            </a:r>
+            <a:r>
+              <a:rPr lang="en-US" sz="2400" dirty="0">
+                <a:cs typeface="Arial"/>
+              </a:rPr>
+              <a:t> </a:t>
+            </a:r>
+            <a:r>
+              <a:rPr lang="en-US" sz="2400" err="1">
+                <a:cs typeface="Arial"/>
+              </a:rPr>
+              <a:t>thực</a:t>
+            </a:r>
+            <a:r>
+              <a:rPr lang="en-US" sz="2400" dirty="0">
+                <a:cs typeface="Arial"/>
+              </a:rPr>
+              <a:t> </a:t>
+            </a:r>
+            <a:r>
+              <a:rPr lang="en-US" sz="2400" err="1">
+                <a:cs typeface="Arial"/>
+              </a:rPr>
+              <a:t>thi</a:t>
+            </a:r>
+            <a:r>
+              <a:rPr lang="en-US" sz="2400" dirty="0">
+                <a:cs typeface="Arial"/>
+              </a:rPr>
+              <a:t> (override) </a:t>
+            </a:r>
+            <a:r>
+              <a:rPr lang="en-US" sz="2400" err="1">
+                <a:cs typeface="Arial"/>
+              </a:rPr>
+              <a:t>phương</a:t>
+            </a:r>
+            <a:r>
+              <a:rPr lang="en-US" sz="2400" dirty="0">
+                <a:cs typeface="Arial"/>
+              </a:rPr>
+              <a:t> </a:t>
+            </a:r>
+            <a:r>
+              <a:rPr lang="en-US" sz="2400" err="1">
+                <a:cs typeface="Arial"/>
+              </a:rPr>
+              <a:t>thức</a:t>
+            </a:r>
+            <a:r>
+              <a:rPr lang="en-US" sz="2400" dirty="0">
+                <a:cs typeface="Arial"/>
+              </a:rPr>
+              <a:t> </a:t>
+            </a:r>
+            <a:r>
+              <a:rPr lang="en-US" sz="2400" err="1">
+                <a:cs typeface="Arial"/>
+              </a:rPr>
+              <a:t>setupMyArray</a:t>
+            </a:r>
+            <a:r>
+              <a:rPr lang="en-US" sz="2400" dirty="0">
+                <a:cs typeface="Arial"/>
+              </a:rPr>
+              <a:t>()</a:t>
+            </a:r>
           </a:p>
         </p:txBody>
       </p:sp>
     </p:spTree>
+    <p:extLst>
+      <p:ext uri="{BB962C8B-B14F-4D97-AF65-F5344CB8AC3E}">
+        <p14:creationId xmlns:p14="http://schemas.microsoft.com/office/powerpoint/2010/main" val="1585312512"/>
+      </p:ext>
+    </p:extLst>
   </p:cSld>
   <p:clrMapOvr>
     <a:masterClrMapping/>
@@ -17343,7 +18294,7 @@
 </p:sld>
 </file>
 
-<file path=ppt/slides/slide5.xml><?xml version="1.0" encoding="utf-8"?>
+<file path=ppt/slides/slide13.xml><?xml version="1.0" encoding="utf-8"?>
 <p:sld xmlns:a="http://schemas.openxmlformats.org/drawingml/2006/main" xmlns:r="http://schemas.openxmlformats.org/officeDocument/2006/relationships" xmlns:p="http://schemas.openxmlformats.org/presentationml/2006/main">
   <p:cSld>
     <p:spTree>
@@ -17362,14 +18313,14 @@
       </p:grpSpPr>
       <p:sp>
         <p:nvSpPr>
-          <p:cNvPr id="314" name="TextShape 1"/>
+          <p:cNvPr id="318" name="TextShape 2"/>
           <p:cNvSpPr txBox="1"/>
           <p:nvPr/>
         </p:nvSpPr>
         <p:spPr>
           <a:xfrm>
-            <a:off x="338760" y="112680"/>
-            <a:ext cx="11514240" cy="435600"/>
+            <a:off x="4558320" y="404280"/>
+            <a:ext cx="7391160" cy="435600"/>
           </a:xfrm>
           <a:prstGeom prst="rect">
             <a:avLst/>
@@ -17380,20 +18331,58 @@
           </a:ln>
         </p:spPr>
         <p:txBody>
-          <a:bodyPr lIns="90000" tIns="45000" rIns="90000" bIns="45000">
+          <a:bodyPr lIns="90000" tIns="45000" rIns="90000" bIns="45000" anchor="t">
             <a:noAutofit/>
           </a:bodyPr>
           <a:lstStyle/>
           <a:p>
-            <a:endParaRPr lang="en-US" sz="1800" b="0" strike="noStrike" spc="-1">
-              <a:solidFill>
-                <a:srgbClr val="000000"/>
-              </a:solidFill>
-              <a:latin typeface="Calibri"/>
-            </a:endParaRPr>
-          </a:p>
-        </p:txBody>
-      </p:sp>
+            <a:r>
+              <a:rPr lang="en-US" b="1" spc="-1" dirty="0">
+                <a:solidFill>
+                  <a:srgbClr val="000000"/>
+                </a:solidFill>
+                <a:ea typeface="+mn-lt"/>
+                <a:cs typeface="+mn-lt"/>
+              </a:rPr>
+              <a:t>demo insertion sort</a:t>
+            </a:r>
+            <a:endParaRPr lang="vi-VN" b="1" dirty="0"/>
+          </a:p>
+        </p:txBody>
+      </p:sp>
+      <p:pic>
+        <p:nvPicPr>
+          <p:cNvPr id="2" name="Phương tiện Trực tuyến 1" title="Screen Recording 2024-12-14 210437.mp4">
+            <a:hlinkClick r:id="" action="ppaction://media"/>
+            <a:extLst>
+              <a:ext uri="{FF2B5EF4-FFF2-40B4-BE49-F238E27FC236}">
+                <a16:creationId xmlns:a16="http://schemas.microsoft.com/office/drawing/2014/main" id="{AC5CCEAA-93A4-A465-BE6C-732164D44B91}"/>
+              </a:ext>
+            </a:extLst>
+          </p:cNvPr>
+          <p:cNvPicPr>
+            <a:picLocks noRot="1" noChangeAspect="1"/>
+          </p:cNvPicPr>
+          <p:nvPr>
+            <a:videoFile r:link="rId1"/>
+          </p:nvPr>
+        </p:nvPicPr>
+        <p:blipFill>
+          <a:blip r:embed="rId3"/>
+          <a:stretch>
+            <a:fillRect/>
+          </a:stretch>
+        </p:blipFill>
+        <p:spPr>
+          <a:xfrm>
+            <a:off x="4557214" y="1026521"/>
+            <a:ext cx="7370928" cy="4418272"/>
+          </a:xfrm>
+          <a:prstGeom prst="rect">
+            <a:avLst/>
+          </a:prstGeom>
+        </p:spPr>
+      </p:pic>
     </p:spTree>
   </p:cSld>
   <p:clrMapOvr>
@@ -17402,7 +18391,7 @@
 </p:sld>
 </file>
 
-<file path=ppt/slides/slide6.xml><?xml version="1.0" encoding="utf-8"?>
+<file path=ppt/slides/slide14.xml><?xml version="1.0" encoding="utf-8"?>
 <p:sld xmlns:a="http://schemas.openxmlformats.org/drawingml/2006/main" xmlns:r="http://schemas.openxmlformats.org/officeDocument/2006/relationships" xmlns:p="http://schemas.openxmlformats.org/presentationml/2006/main">
   <p:cSld>
     <p:spTree>
@@ -17421,73 +18410,133 @@
       </p:grpSpPr>
       <p:sp>
         <p:nvSpPr>
-          <p:cNvPr id="315" name="TextShape 1"/>
-          <p:cNvSpPr txBox="1"/>
-          <p:nvPr/>
-        </p:nvSpPr>
-        <p:spPr>
-          <a:xfrm>
-            <a:off x="338760" y="112680"/>
-            <a:ext cx="11514240" cy="435600"/>
-          </a:xfrm>
-          <a:prstGeom prst="rect">
-            <a:avLst/>
-          </a:prstGeom>
-          <a:noFill/>
-          <a:ln>
-            <a:noFill/>
-          </a:ln>
-        </p:spPr>
-        <p:txBody>
-          <a:bodyPr lIns="90000" tIns="45000" rIns="90000" bIns="45000">
-            <a:noAutofit/>
-          </a:bodyPr>
-          <a:lstStyle/>
-          <a:p>
-            <a:endParaRPr lang="en-US" sz="1800" b="0" strike="noStrike" spc="-1">
-              <a:solidFill>
-                <a:srgbClr val="000000"/>
-              </a:solidFill>
-              <a:latin typeface="Calibri"/>
-            </a:endParaRPr>
-          </a:p>
-        </p:txBody>
-      </p:sp>
-      <p:sp>
-        <p:nvSpPr>
-          <p:cNvPr id="316" name="TextShape 2"/>
-          <p:cNvSpPr txBox="1"/>
-          <p:nvPr/>
-        </p:nvSpPr>
-        <p:spPr>
-          <a:xfrm>
-            <a:off x="337680" y="1032480"/>
-            <a:ext cx="11515320" cy="4938480"/>
-          </a:xfrm>
-          <a:prstGeom prst="rect">
-            <a:avLst/>
-          </a:prstGeom>
-          <a:noFill/>
-          <a:ln>
-            <a:noFill/>
-          </a:ln>
-        </p:spPr>
-        <p:txBody>
-          <a:bodyPr lIns="90000" tIns="45000" rIns="90000" bIns="45000">
-            <a:noAutofit/>
-          </a:bodyPr>
-          <a:lstStyle/>
-          <a:p>
-            <a:endParaRPr lang="en-US" sz="2800" b="0" strike="noStrike" spc="-1">
-              <a:solidFill>
-                <a:srgbClr val="000000"/>
-              </a:solidFill>
-              <a:latin typeface="Calibri"/>
-            </a:endParaRPr>
-          </a:p>
-        </p:txBody>
-      </p:sp>
+          <p:cNvPr id="2" name="Tiêu đề 1">
+            <a:extLst>
+              <a:ext uri="{FF2B5EF4-FFF2-40B4-BE49-F238E27FC236}">
+                <a16:creationId xmlns:a16="http://schemas.microsoft.com/office/drawing/2014/main" id="{6CD32C65-0E70-98BF-B912-D5449A3422CB}"/>
+              </a:ext>
+            </a:extLst>
+          </p:cNvPr>
+          <p:cNvSpPr>
+            <a:spLocks noGrp="1"/>
+          </p:cNvSpPr>
+          <p:nvPr>
+            <p:ph type="title"/>
+          </p:nvPr>
+        </p:nvSpPr>
+        <p:spPr>
+          <a:xfrm>
+            <a:off x="4625855" y="273600"/>
+            <a:ext cx="6956065" cy="859050"/>
+          </a:xfrm>
+        </p:spPr>
+        <p:txBody>
+          <a:bodyPr/>
+          <a:lstStyle/>
+          <a:p>
+            <a:r>
+              <a:rPr lang="vi-VN" sz="2800" b="1" err="1">
+                <a:ea typeface="+mj-lt"/>
+                <a:cs typeface="+mj-lt"/>
+              </a:rPr>
+              <a:t>demo</a:t>
+            </a:r>
+            <a:r>
+              <a:rPr lang="vi-VN" sz="2800" b="1" dirty="0">
+                <a:ea typeface="+mj-lt"/>
+                <a:cs typeface="+mj-lt"/>
+              </a:rPr>
+              <a:t> </a:t>
+            </a:r>
+            <a:r>
+              <a:rPr lang="vi-VN" sz="2800" b="1" err="1">
+                <a:ea typeface="+mj-lt"/>
+                <a:cs typeface="+mj-lt"/>
+              </a:rPr>
+              <a:t>bubble</a:t>
+            </a:r>
+            <a:r>
+              <a:rPr lang="vi-VN" sz="2800" b="1" dirty="0">
+                <a:ea typeface="+mj-lt"/>
+                <a:cs typeface="+mj-lt"/>
+              </a:rPr>
+              <a:t> </a:t>
+            </a:r>
+            <a:r>
+              <a:rPr lang="vi-VN" sz="2800" b="1" err="1">
+                <a:ea typeface="+mj-lt"/>
+                <a:cs typeface="+mj-lt"/>
+              </a:rPr>
+              <a:t>sort</a:t>
+            </a:r>
+            <a:endParaRPr lang="vi-VN" sz="2800" b="1" err="1"/>
+          </a:p>
+        </p:txBody>
+      </p:sp>
+      <p:sp>
+        <p:nvSpPr>
+          <p:cNvPr id="3" name="Tiêu đề phụ 2">
+            <a:extLst>
+              <a:ext uri="{FF2B5EF4-FFF2-40B4-BE49-F238E27FC236}">
+                <a16:creationId xmlns:a16="http://schemas.microsoft.com/office/drawing/2014/main" id="{456B5FE1-F237-A34E-BF91-3CEF311C0FD8}"/>
+              </a:ext>
+            </a:extLst>
+          </p:cNvPr>
+          <p:cNvSpPr>
+            <a:spLocks noGrp="1"/>
+          </p:cNvSpPr>
+          <p:nvPr>
+            <p:ph type="subTitle"/>
+          </p:nvPr>
+        </p:nvSpPr>
+        <p:spPr/>
+        <p:txBody>
+          <a:bodyPr/>
+          <a:lstStyle/>
+          <a:p>
+            <a:endParaRPr lang="vi-VN"/>
+          </a:p>
+        </p:txBody>
+      </p:sp>
+      <p:pic>
+        <p:nvPicPr>
+          <p:cNvPr id="4" name="Phương tiện Trực tuyến 3" title="Screen Recording 2024-12-14 210807.mp4">
+            <a:hlinkClick r:id="" action="ppaction://media"/>
+            <a:extLst>
+              <a:ext uri="{FF2B5EF4-FFF2-40B4-BE49-F238E27FC236}">
+                <a16:creationId xmlns:a16="http://schemas.microsoft.com/office/drawing/2014/main" id="{5284E4EA-1309-0B93-2F8F-FA56EFD20BA7}"/>
+              </a:ext>
+            </a:extLst>
+          </p:cNvPr>
+          <p:cNvPicPr>
+            <a:picLocks noRot="1" noChangeAspect="1"/>
+          </p:cNvPicPr>
+          <p:nvPr>
+            <a:videoFile r:link="rId1"/>
+          </p:nvPr>
+        </p:nvPicPr>
+        <p:blipFill>
+          <a:blip r:embed="rId3"/>
+          <a:stretch>
+            <a:fillRect/>
+          </a:stretch>
+        </p:blipFill>
+        <p:spPr>
+          <a:xfrm>
+            <a:off x="4735513" y="1608137"/>
+            <a:ext cx="7229475" cy="3840163"/>
+          </a:xfrm>
+          <a:prstGeom prst="rect">
+            <a:avLst/>
+          </a:prstGeom>
+        </p:spPr>
+      </p:pic>
     </p:spTree>
+    <p:extLst>
+      <p:ext uri="{BB962C8B-B14F-4D97-AF65-F5344CB8AC3E}">
+        <p14:creationId xmlns:p14="http://schemas.microsoft.com/office/powerpoint/2010/main" val="1643428999"/>
+      </p:ext>
+    </p:extLst>
   </p:cSld>
   <p:clrMapOvr>
     <a:masterClrMapping/>
@@ -17495,7 +18544,7 @@
 </p:sld>
 </file>
 
-<file path=ppt/slides/slide7.xml><?xml version="1.0" encoding="utf-8"?>
+<file path=ppt/slides/slide15.xml><?xml version="1.0" encoding="utf-8"?>
 <p:sld xmlns:a="http://schemas.openxmlformats.org/drawingml/2006/main" xmlns:r="http://schemas.openxmlformats.org/officeDocument/2006/relationships" xmlns:p="http://schemas.openxmlformats.org/presentationml/2006/main">
   <p:cSld>
     <p:spTree>
@@ -17514,73 +18563,133 @@
       </p:grpSpPr>
       <p:sp>
         <p:nvSpPr>
-          <p:cNvPr id="317" name="TextShape 1"/>
-          <p:cNvSpPr txBox="1"/>
-          <p:nvPr/>
-        </p:nvSpPr>
-        <p:spPr>
-          <a:xfrm>
-            <a:off x="4558320" y="1248480"/>
-            <a:ext cx="7391160" cy="5204880"/>
-          </a:xfrm>
-          <a:prstGeom prst="rect">
-            <a:avLst/>
-          </a:prstGeom>
-          <a:noFill/>
-          <a:ln>
-            <a:noFill/>
-          </a:ln>
-        </p:spPr>
-        <p:txBody>
-          <a:bodyPr lIns="90000" tIns="45000" rIns="90000" bIns="45000">
-            <a:noAutofit/>
-          </a:bodyPr>
-          <a:lstStyle/>
-          <a:p>
-            <a:endParaRPr lang="en-US" sz="2800" b="0" strike="noStrike" spc="-1">
-              <a:solidFill>
-                <a:srgbClr val="000000"/>
-              </a:solidFill>
-              <a:latin typeface="Calibri"/>
-            </a:endParaRPr>
-          </a:p>
-        </p:txBody>
-      </p:sp>
-      <p:sp>
-        <p:nvSpPr>
-          <p:cNvPr id="318" name="TextShape 2"/>
-          <p:cNvSpPr txBox="1"/>
-          <p:nvPr/>
-        </p:nvSpPr>
-        <p:spPr>
-          <a:xfrm>
-            <a:off x="4558320" y="404280"/>
-            <a:ext cx="7391160" cy="435600"/>
-          </a:xfrm>
-          <a:prstGeom prst="rect">
-            <a:avLst/>
-          </a:prstGeom>
-          <a:noFill/>
-          <a:ln>
-            <a:noFill/>
-          </a:ln>
-        </p:spPr>
-        <p:txBody>
-          <a:bodyPr lIns="90000" tIns="45000" rIns="90000" bIns="45000">
-            <a:noAutofit/>
-          </a:bodyPr>
-          <a:lstStyle/>
-          <a:p>
-            <a:endParaRPr lang="en-US" sz="1800" b="0" strike="noStrike" spc="-1">
-              <a:solidFill>
-                <a:srgbClr val="000000"/>
-              </a:solidFill>
-              <a:latin typeface="Calibri"/>
-            </a:endParaRPr>
-          </a:p>
-        </p:txBody>
-      </p:sp>
+          <p:cNvPr id="2" name="Tiêu đề 1">
+            <a:extLst>
+              <a:ext uri="{FF2B5EF4-FFF2-40B4-BE49-F238E27FC236}">
+                <a16:creationId xmlns:a16="http://schemas.microsoft.com/office/drawing/2014/main" id="{C60DEB14-406D-BD5B-1128-4B01FBC05326}"/>
+              </a:ext>
+            </a:extLst>
+          </p:cNvPr>
+          <p:cNvSpPr>
+            <a:spLocks noGrp="1"/>
+          </p:cNvSpPr>
+          <p:nvPr>
+            <p:ph type="title"/>
+          </p:nvPr>
+        </p:nvSpPr>
+        <p:spPr>
+          <a:xfrm>
+            <a:off x="4567330" y="273600"/>
+            <a:ext cx="7014590" cy="1099308"/>
+          </a:xfrm>
+        </p:spPr>
+        <p:txBody>
+          <a:bodyPr/>
+          <a:lstStyle/>
+          <a:p>
+            <a:r>
+              <a:rPr lang="vi-VN" sz="2800" b="1" err="1">
+                <a:ea typeface="+mj-lt"/>
+                <a:cs typeface="+mj-lt"/>
+              </a:rPr>
+              <a:t>demo</a:t>
+            </a:r>
+            <a:r>
+              <a:rPr lang="vi-VN" sz="2800" b="1" dirty="0">
+                <a:ea typeface="+mj-lt"/>
+                <a:cs typeface="+mj-lt"/>
+              </a:rPr>
+              <a:t> </a:t>
+            </a:r>
+            <a:r>
+              <a:rPr lang="vi-VN" sz="2800" b="1" err="1">
+                <a:ea typeface="+mj-lt"/>
+                <a:cs typeface="+mj-lt"/>
+              </a:rPr>
+              <a:t>quick</a:t>
+            </a:r>
+            <a:r>
+              <a:rPr lang="vi-VN" sz="2800" b="1" dirty="0">
+                <a:ea typeface="+mj-lt"/>
+                <a:cs typeface="+mj-lt"/>
+              </a:rPr>
+              <a:t> </a:t>
+            </a:r>
+            <a:r>
+              <a:rPr lang="vi-VN" sz="2800" b="1" err="1">
+                <a:ea typeface="+mj-lt"/>
+                <a:cs typeface="+mj-lt"/>
+              </a:rPr>
+              <a:t>sort</a:t>
+            </a:r>
+            <a:endParaRPr lang="vi-VN" sz="2800" b="1" dirty="0" err="1"/>
+          </a:p>
+        </p:txBody>
+      </p:sp>
+      <p:sp>
+        <p:nvSpPr>
+          <p:cNvPr id="3" name="Tiêu đề phụ 2">
+            <a:extLst>
+              <a:ext uri="{FF2B5EF4-FFF2-40B4-BE49-F238E27FC236}">
+                <a16:creationId xmlns:a16="http://schemas.microsoft.com/office/drawing/2014/main" id="{31AE49F8-46B8-5B7B-B8C1-0EED4F6979F4}"/>
+              </a:ext>
+            </a:extLst>
+          </p:cNvPr>
+          <p:cNvSpPr>
+            <a:spLocks noGrp="1"/>
+          </p:cNvSpPr>
+          <p:nvPr>
+            <p:ph type="subTitle"/>
+          </p:nvPr>
+        </p:nvSpPr>
+        <p:spPr/>
+        <p:txBody>
+          <a:bodyPr/>
+          <a:lstStyle/>
+          <a:p>
+            <a:endParaRPr lang="vi-VN"/>
+          </a:p>
+        </p:txBody>
+      </p:sp>
+      <p:pic>
+        <p:nvPicPr>
+          <p:cNvPr id="4" name="Phương tiện Trực tuyến 3" title="Screen Recording 2024-12-14 210932.mp4">
+            <a:hlinkClick r:id="" action="ppaction://media"/>
+            <a:extLst>
+              <a:ext uri="{FF2B5EF4-FFF2-40B4-BE49-F238E27FC236}">
+                <a16:creationId xmlns:a16="http://schemas.microsoft.com/office/drawing/2014/main" id="{BE01684F-0397-FE9A-5441-E4341A1CEC00}"/>
+              </a:ext>
+            </a:extLst>
+          </p:cNvPr>
+          <p:cNvPicPr>
+            <a:picLocks noRot="1" noChangeAspect="1"/>
+          </p:cNvPicPr>
+          <p:nvPr>
+            <a:videoFile r:link="rId1"/>
+          </p:nvPr>
+        </p:nvPicPr>
+        <p:blipFill>
+          <a:blip r:embed="rId3"/>
+          <a:stretch>
+            <a:fillRect/>
+          </a:stretch>
+        </p:blipFill>
+        <p:spPr>
+          <a:xfrm>
+            <a:off x="4488976" y="1713671"/>
+            <a:ext cx="7473287" cy="3974982"/>
+          </a:xfrm>
+          <a:prstGeom prst="rect">
+            <a:avLst/>
+          </a:prstGeom>
+        </p:spPr>
+      </p:pic>
     </p:spTree>
+    <p:extLst>
+      <p:ext uri="{BB962C8B-B14F-4D97-AF65-F5344CB8AC3E}">
+        <p14:creationId xmlns:p14="http://schemas.microsoft.com/office/powerpoint/2010/main" val="897872060"/>
+      </p:ext>
+    </p:extLst>
   </p:cSld>
   <p:clrMapOvr>
     <a:masterClrMapping/>
@@ -17588,7 +18697,7 @@
 </p:sld>
 </file>
 
-<file path=ppt/slides/slide8.xml><?xml version="1.0" encoding="utf-8"?>
+<file path=ppt/slides/slide16.xml><?xml version="1.0" encoding="utf-8"?>
 <p:sld xmlns:a="http://schemas.openxmlformats.org/drawingml/2006/main" xmlns:r="http://schemas.openxmlformats.org/officeDocument/2006/relationships" xmlns:p="http://schemas.openxmlformats.org/presentationml/2006/main">
   <p:cSld>
     <p:spTree>
@@ -17695,6 +18804,2945 @@
 </p:sld>
 </file>
 
+<file path=ppt/slides/slide17.xml><?xml version="1.0" encoding="utf-8"?>
+<p:sld xmlns:a="http://schemas.openxmlformats.org/drawingml/2006/main" xmlns:r="http://schemas.openxmlformats.org/officeDocument/2006/relationships" xmlns:p="http://schemas.openxmlformats.org/presentationml/2006/main">
+  <p:cSld>
+    <p:spTree>
+      <p:nvGrpSpPr>
+        <p:cNvPr id="1" name=""/>
+        <p:cNvGrpSpPr/>
+        <p:nvPr/>
+      </p:nvGrpSpPr>
+      <p:grpSpPr>
+        <a:xfrm>
+          <a:off x="0" y="0"/>
+          <a:ext cx="0" cy="0"/>
+          <a:chOff x="0" y="0"/>
+          <a:chExt cx="0" cy="0"/>
+        </a:xfrm>
+      </p:grpSpPr>
+      <p:sp>
+        <p:nvSpPr>
+          <p:cNvPr id="321" name="CustomShape 1"/>
+          <p:cNvSpPr/>
+          <p:nvPr/>
+        </p:nvSpPr>
+        <p:spPr>
+          <a:xfrm>
+            <a:off x="5756400" y="2824200"/>
+            <a:ext cx="5136480" cy="970920"/>
+          </a:xfrm>
+          <a:prstGeom prst="rect">
+            <a:avLst/>
+          </a:prstGeom>
+          <a:noFill/>
+          <a:ln>
+            <a:noFill/>
+          </a:ln>
+        </p:spPr>
+        <p:style>
+          <a:lnRef idx="0">
+            <a:scrgbClr r="0" g="0" b="0"/>
+          </a:lnRef>
+          <a:fillRef idx="0">
+            <a:scrgbClr r="0" g="0" b="0"/>
+          </a:fillRef>
+          <a:effectRef idx="0">
+            <a:scrgbClr r="0" g="0" b="0"/>
+          </a:effectRef>
+          <a:fontRef idx="minor"/>
+        </p:style>
+        <p:txBody>
+          <a:bodyPr lIns="90000" tIns="45000" rIns="90000" bIns="45000">
+            <a:noAutofit/>
+          </a:bodyPr>
+          <a:lstStyle/>
+          <a:p>
+            <a:pPr>
+              <a:lnSpc>
+                <a:spcPct val="90000"/>
+              </a:lnSpc>
+            </a:pPr>
+            <a:r>
+              <a:rPr lang="en-US" sz="6000" b="1" strike="noStrike" spc="-1">
+                <a:solidFill>
+                  <a:srgbClr val="C00000"/>
+                </a:solidFill>
+                <a:latin typeface="Lato"/>
+                <a:ea typeface="Lato"/>
+              </a:rPr>
+              <a:t>THANK YOU !</a:t>
+            </a:r>
+            <a:endParaRPr lang="en-US" sz="6000" b="0" strike="noStrike" spc="-1">
+              <a:latin typeface="Arial"/>
+            </a:endParaRPr>
+          </a:p>
+        </p:txBody>
+      </p:sp>
+    </p:spTree>
+  </p:cSld>
+  <p:clrMapOvr>
+    <a:masterClrMapping/>
+  </p:clrMapOvr>
+</p:sld>
+</file>
+
+<file path=ppt/slides/slide2.xml><?xml version="1.0" encoding="utf-8"?>
+<p:sld xmlns:a="http://schemas.openxmlformats.org/drawingml/2006/main" xmlns:r="http://schemas.openxmlformats.org/officeDocument/2006/relationships" xmlns:p="http://schemas.openxmlformats.org/presentationml/2006/main">
+  <p:cSld>
+    <p:spTree>
+      <p:nvGrpSpPr>
+        <p:cNvPr id="1" name=""/>
+        <p:cNvGrpSpPr/>
+        <p:nvPr/>
+      </p:nvGrpSpPr>
+      <p:grpSpPr>
+        <a:xfrm>
+          <a:off x="0" y="0"/>
+          <a:ext cx="0" cy="0"/>
+          <a:chOff x="0" y="0"/>
+          <a:chExt cx="0" cy="0"/>
+        </a:xfrm>
+      </p:grpSpPr>
+      <p:pic>
+        <p:nvPicPr>
+          <p:cNvPr id="306" name="Picture 3" descr="Text&#10;&#10;Description automatically generated"/>
+          <p:cNvPicPr/>
+          <p:nvPr/>
+        </p:nvPicPr>
+        <p:blipFill>
+          <a:blip r:embed="rId2"/>
+          <a:stretch/>
+        </p:blipFill>
+        <p:spPr>
+          <a:xfrm>
+            <a:off x="392040" y="271440"/>
+            <a:ext cx="3174120" cy="1153080"/>
+          </a:xfrm>
+          <a:prstGeom prst="rect">
+            <a:avLst/>
+          </a:prstGeom>
+          <a:ln>
+            <a:noFill/>
+          </a:ln>
+        </p:spPr>
+      </p:pic>
+      <p:sp>
+        <p:nvSpPr>
+          <p:cNvPr id="307" name="CustomShape 1"/>
+          <p:cNvSpPr/>
+          <p:nvPr/>
+        </p:nvSpPr>
+        <p:spPr>
+          <a:xfrm>
+            <a:off x="695520" y="2269440"/>
+            <a:ext cx="8251560" cy="848520"/>
+          </a:xfrm>
+          <a:prstGeom prst="rect">
+            <a:avLst/>
+          </a:prstGeom>
+          <a:noFill/>
+          <a:ln>
+            <a:noFill/>
+          </a:ln>
+        </p:spPr>
+        <p:style>
+          <a:lnRef idx="0">
+            <a:scrgbClr r="0" g="0" b="0"/>
+          </a:lnRef>
+          <a:fillRef idx="0">
+            <a:scrgbClr r="0" g="0" b="0"/>
+          </a:fillRef>
+          <a:effectRef idx="0">
+            <a:scrgbClr r="0" g="0" b="0"/>
+          </a:effectRef>
+          <a:fontRef idx="minor"/>
+        </p:style>
+        <p:txBody>
+          <a:bodyPr/>
+          <a:lstStyle/>
+          <a:p>
+            <a:endParaRPr lang="en-US"/>
+          </a:p>
+        </p:txBody>
+      </p:sp>
+      <p:sp>
+        <p:nvSpPr>
+          <p:cNvPr id="308" name="CustomShape 2"/>
+          <p:cNvSpPr/>
+          <p:nvPr/>
+        </p:nvSpPr>
+        <p:spPr>
+          <a:xfrm>
+            <a:off x="695520" y="3403080"/>
+            <a:ext cx="6095520" cy="2223360"/>
+          </a:xfrm>
+          <a:prstGeom prst="rect">
+            <a:avLst/>
+          </a:prstGeom>
+          <a:noFill/>
+          <a:ln>
+            <a:noFill/>
+          </a:ln>
+        </p:spPr>
+        <p:style>
+          <a:lnRef idx="0">
+            <a:scrgbClr r="0" g="0" b="0"/>
+          </a:lnRef>
+          <a:fillRef idx="0">
+            <a:scrgbClr r="0" g="0" b="0"/>
+          </a:fillRef>
+          <a:effectRef idx="0">
+            <a:scrgbClr r="0" g="0" b="0"/>
+          </a:effectRef>
+          <a:fontRef idx="minor"/>
+        </p:style>
+        <p:txBody>
+          <a:bodyPr/>
+          <a:lstStyle/>
+          <a:p>
+            <a:endParaRPr lang="en-US"/>
+          </a:p>
+        </p:txBody>
+      </p:sp>
+      <p:sp>
+        <p:nvSpPr>
+          <p:cNvPr id="309" name="CustomShape 3"/>
+          <p:cNvSpPr/>
+          <p:nvPr/>
+        </p:nvSpPr>
+        <p:spPr>
+          <a:xfrm>
+            <a:off x="6962400" y="3269880"/>
+            <a:ext cx="4329000" cy="1369440"/>
+          </a:xfrm>
+          <a:prstGeom prst="rect">
+            <a:avLst/>
+          </a:prstGeom>
+          <a:noFill/>
+          <a:ln>
+            <a:noFill/>
+          </a:ln>
+        </p:spPr>
+        <p:style>
+          <a:lnRef idx="0">
+            <a:scrgbClr r="0" g="0" b="0"/>
+          </a:lnRef>
+          <a:fillRef idx="0">
+            <a:scrgbClr r="0" g="0" b="0"/>
+          </a:fillRef>
+          <a:effectRef idx="0">
+            <a:scrgbClr r="0" g="0" b="0"/>
+          </a:effectRef>
+          <a:fontRef idx="minor"/>
+        </p:style>
+        <p:txBody>
+          <a:bodyPr/>
+          <a:lstStyle/>
+          <a:p>
+            <a:endParaRPr lang="en-US"/>
+          </a:p>
+        </p:txBody>
+      </p:sp>
+      <p:sp>
+        <p:nvSpPr>
+          <p:cNvPr id="2" name="Hộp Văn bản 1">
+            <a:extLst>
+              <a:ext uri="{FF2B5EF4-FFF2-40B4-BE49-F238E27FC236}">
+                <a16:creationId xmlns:a16="http://schemas.microsoft.com/office/drawing/2014/main" id="{F0BEEF57-11F8-37EE-EFB4-9DA31713CCF3}"/>
+              </a:ext>
+            </a:extLst>
+          </p:cNvPr>
+          <p:cNvSpPr txBox="1"/>
+          <p:nvPr/>
+        </p:nvSpPr>
+        <p:spPr>
+          <a:xfrm>
+            <a:off x="462116" y="1564614"/>
+            <a:ext cx="10422194" cy="4293483"/>
+          </a:xfrm>
+          <a:prstGeom prst="rect">
+            <a:avLst/>
+          </a:prstGeom>
+          <a:noFill/>
+        </p:spPr>
+        <p:txBody>
+          <a:bodyPr wrap="square" rtlCol="0">
+            <a:spAutoFit/>
+          </a:bodyPr>
+          <a:lstStyle/>
+          <a:p>
+            <a:r>
+              <a:rPr lang="vi-VN" sz="3700" b="1">
+                <a:solidFill>
+                  <a:srgbClr val="C00000"/>
+                </a:solidFill>
+                <a:latin typeface="Lato" panose="020F0502020204030203" pitchFamily="34" charset="0"/>
+                <a:ea typeface="Lato" panose="020F0502020204030203" pitchFamily="34" charset="0"/>
+                <a:cs typeface="Lato" panose="020F0502020204030203" pitchFamily="34" charset="0"/>
+              </a:rPr>
+              <a:t>LẬP TRÌNH HƯỚNG ĐỐI TƯỢNG – IT3103</a:t>
+            </a:r>
+          </a:p>
+          <a:p>
+            <a:endParaRPr lang="vi-VN">
+              <a:latin typeface="Lato" panose="020F0502020204030203" pitchFamily="34" charset="0"/>
+              <a:ea typeface="Lato" panose="020F0502020204030203" pitchFamily="34" charset="0"/>
+              <a:cs typeface="Lato" panose="020F0502020204030203" pitchFamily="34" charset="0"/>
+            </a:endParaRPr>
+          </a:p>
+          <a:p>
+            <a:r>
+              <a:rPr lang="vi-VN" sz="2000" b="1">
+                <a:solidFill>
+                  <a:srgbClr val="C00000"/>
+                </a:solidFill>
+                <a:latin typeface="Lato" panose="020F0502020204030203" pitchFamily="34" charset="0"/>
+                <a:ea typeface="Lato" panose="020F0502020204030203" pitchFamily="34" charset="0"/>
+                <a:cs typeface="Lato" panose="020F0502020204030203" pitchFamily="34" charset="0"/>
+              </a:rPr>
+              <a:t>Nhóm 29:</a:t>
+            </a:r>
+          </a:p>
+          <a:p>
+            <a:pPr lvl="1">
+              <a:buFont typeface="Arial" panose="020B0604020202020204" pitchFamily="34" charset="0"/>
+              <a:buChar char="•"/>
+            </a:pPr>
+            <a:r>
+              <a:rPr lang="vi-VN" sz="2000" b="1" i="0">
+                <a:solidFill>
+                  <a:schemeClr val="accent1">
+                    <a:lumMod val="50000"/>
+                  </a:schemeClr>
+                </a:solidFill>
+                <a:effectLst/>
+                <a:latin typeface="-apple-system"/>
+              </a:rPr>
+              <a:t> </a:t>
+            </a:r>
+            <a:r>
+              <a:rPr lang="vi-VN" sz="2000" b="1" i="0">
+                <a:solidFill>
+                  <a:schemeClr val="accent1">
+                    <a:lumMod val="50000"/>
+                  </a:schemeClr>
+                </a:solidFill>
+                <a:effectLst/>
+                <a:latin typeface="Lato" panose="020F0502020204030203" pitchFamily="34" charset="0"/>
+                <a:ea typeface="Lato" panose="020F0502020204030203" pitchFamily="34" charset="0"/>
+                <a:cs typeface="Lato" panose="020F0502020204030203" pitchFamily="34" charset="0"/>
+              </a:rPr>
+              <a:t>20226097 Phạm Thường Vi</a:t>
+            </a:r>
+          </a:p>
+          <a:p>
+            <a:pPr lvl="1">
+              <a:buFont typeface="Arial" panose="020B0604020202020204" pitchFamily="34" charset="0"/>
+              <a:buChar char="•"/>
+            </a:pPr>
+            <a:r>
+              <a:rPr lang="vi-VN" sz="2000" b="1" i="0">
+                <a:solidFill>
+                  <a:schemeClr val="accent1">
+                    <a:lumMod val="50000"/>
+                  </a:schemeClr>
+                </a:solidFill>
+                <a:effectLst/>
+                <a:latin typeface="Lato" panose="020F0502020204030203" pitchFamily="34" charset="0"/>
+                <a:ea typeface="Lato" panose="020F0502020204030203" pitchFamily="34" charset="0"/>
+                <a:cs typeface="Lato" panose="020F0502020204030203" pitchFamily="34" charset="0"/>
+              </a:rPr>
+              <a:t> 20225683 Đinh Đình Hải Việt</a:t>
+            </a:r>
+          </a:p>
+          <a:p>
+            <a:pPr lvl="1">
+              <a:buFont typeface="Arial" panose="020B0604020202020204" pitchFamily="34" charset="0"/>
+              <a:buChar char="•"/>
+            </a:pPr>
+            <a:r>
+              <a:rPr lang="vi-VN" sz="2000" b="1" i="0">
+                <a:solidFill>
+                  <a:schemeClr val="accent1">
+                    <a:lumMod val="50000"/>
+                  </a:schemeClr>
+                </a:solidFill>
+                <a:effectLst/>
+                <a:latin typeface="Lato" panose="020F0502020204030203" pitchFamily="34" charset="0"/>
+                <a:ea typeface="Lato" panose="020F0502020204030203" pitchFamily="34" charset="0"/>
+                <a:cs typeface="Lato" panose="020F0502020204030203" pitchFamily="34" charset="0"/>
+              </a:rPr>
+              <a:t> 20225684 Hoàng Quốc Việt</a:t>
+            </a:r>
+          </a:p>
+          <a:p>
+            <a:pPr lvl="1">
+              <a:buFont typeface="Arial" panose="020B0604020202020204" pitchFamily="34" charset="0"/>
+              <a:buChar char="•"/>
+            </a:pPr>
+            <a:r>
+              <a:rPr lang="vi-VN" sz="2000" b="1" i="0">
+                <a:solidFill>
+                  <a:schemeClr val="accent1">
+                    <a:lumMod val="50000"/>
+                  </a:schemeClr>
+                </a:solidFill>
+                <a:effectLst/>
+                <a:latin typeface="Lato" panose="020F0502020204030203" pitchFamily="34" charset="0"/>
+                <a:ea typeface="Lato" panose="020F0502020204030203" pitchFamily="34" charset="0"/>
+                <a:cs typeface="Lato" panose="020F0502020204030203" pitchFamily="34" charset="0"/>
+              </a:rPr>
+              <a:t> 20226098 Nguyễn Hoàng Việt</a:t>
+            </a:r>
+          </a:p>
+          <a:p>
+            <a:pPr lvl="1">
+              <a:buFont typeface="Arial" panose="020B0604020202020204" pitchFamily="34" charset="0"/>
+              <a:buChar char="•"/>
+            </a:pPr>
+            <a:r>
+              <a:rPr lang="vi-VN" sz="2000" b="1" i="0">
+                <a:solidFill>
+                  <a:schemeClr val="accent1">
+                    <a:lumMod val="50000"/>
+                  </a:schemeClr>
+                </a:solidFill>
+                <a:effectLst/>
+                <a:latin typeface="Lato" panose="020F0502020204030203" pitchFamily="34" charset="0"/>
+                <a:ea typeface="Lato" panose="020F0502020204030203" pitchFamily="34" charset="0"/>
+                <a:cs typeface="Lato" panose="020F0502020204030203" pitchFamily="34" charset="0"/>
+              </a:rPr>
+              <a:t> 20225777 Vũ Hoàng Việt</a:t>
+            </a:r>
+          </a:p>
+          <a:p>
+            <a:endParaRPr lang="vi-VN">
+              <a:solidFill>
+                <a:schemeClr val="accent1">
+                  <a:lumMod val="50000"/>
+                </a:schemeClr>
+              </a:solidFill>
+              <a:latin typeface="Lato" panose="020F0502020204030203" pitchFamily="34" charset="0"/>
+              <a:ea typeface="Lato" panose="020F0502020204030203" pitchFamily="34" charset="0"/>
+              <a:cs typeface="Lato" panose="020F0502020204030203" pitchFamily="34" charset="0"/>
+            </a:endParaRPr>
+          </a:p>
+          <a:p>
+            <a:r>
+              <a:rPr lang="vi-VN" sz="2000" b="1">
+                <a:solidFill>
+                  <a:srgbClr val="C00000"/>
+                </a:solidFill>
+                <a:latin typeface="Lato" panose="020F0502020204030203" pitchFamily="34" charset="0"/>
+                <a:ea typeface="Lato" panose="020F0502020204030203" pitchFamily="34" charset="0"/>
+                <a:cs typeface="Lato" panose="020F0502020204030203" pitchFamily="34" charset="0"/>
+              </a:rPr>
+              <a:t>Chủ đề 4:</a:t>
+            </a:r>
+          </a:p>
+          <a:p>
+            <a:pPr lvl="1"/>
+            <a:r>
+              <a:rPr lang="vi-VN" sz="2000" b="1">
+                <a:solidFill>
+                  <a:schemeClr val="accent1">
+                    <a:lumMod val="50000"/>
+                  </a:schemeClr>
+                </a:solidFill>
+                <a:latin typeface="Lato" panose="020F0502020204030203" pitchFamily="34" charset="0"/>
+                <a:ea typeface="Lato" panose="020F0502020204030203" pitchFamily="34" charset="0"/>
+                <a:cs typeface="Lato" panose="020F0502020204030203" pitchFamily="34" charset="0"/>
+              </a:rPr>
+              <a:t>Ứng dụng mô phỏng các thuật toán sắp xếp: </a:t>
+            </a:r>
+            <a:r>
+              <a:rPr lang="vi-VN" sz="2000" b="1" err="1">
+                <a:solidFill>
+                  <a:schemeClr val="accent1">
+                    <a:lumMod val="50000"/>
+                  </a:schemeClr>
+                </a:solidFill>
+                <a:latin typeface="Lato" panose="020F0502020204030203" pitchFamily="34" charset="0"/>
+                <a:ea typeface="Lato" panose="020F0502020204030203" pitchFamily="34" charset="0"/>
+                <a:cs typeface="Lato" panose="020F0502020204030203" pitchFamily="34" charset="0"/>
+              </a:rPr>
+              <a:t>Insertion</a:t>
+            </a:r>
+            <a:r>
+              <a:rPr lang="vi-VN" sz="2000" b="1">
+                <a:solidFill>
+                  <a:schemeClr val="accent1">
+                    <a:lumMod val="50000"/>
+                  </a:schemeClr>
+                </a:solidFill>
+                <a:latin typeface="Lato" panose="020F0502020204030203" pitchFamily="34" charset="0"/>
+                <a:ea typeface="Lato" panose="020F0502020204030203" pitchFamily="34" charset="0"/>
+                <a:cs typeface="Lato" panose="020F0502020204030203" pitchFamily="34" charset="0"/>
+              </a:rPr>
+              <a:t> </a:t>
+            </a:r>
+            <a:r>
+              <a:rPr lang="vi-VN" sz="2000" b="1" err="1">
+                <a:solidFill>
+                  <a:schemeClr val="accent1">
+                    <a:lumMod val="50000"/>
+                  </a:schemeClr>
+                </a:solidFill>
+                <a:latin typeface="Lato" panose="020F0502020204030203" pitchFamily="34" charset="0"/>
+                <a:ea typeface="Lato" panose="020F0502020204030203" pitchFamily="34" charset="0"/>
+                <a:cs typeface="Lato" panose="020F0502020204030203" pitchFamily="34" charset="0"/>
+              </a:rPr>
+              <a:t>sort</a:t>
+            </a:r>
+            <a:r>
+              <a:rPr lang="vi-VN" sz="2000" b="1">
+                <a:solidFill>
+                  <a:schemeClr val="accent1">
+                    <a:lumMod val="50000"/>
+                  </a:schemeClr>
+                </a:solidFill>
+                <a:latin typeface="Lato" panose="020F0502020204030203" pitchFamily="34" charset="0"/>
+                <a:ea typeface="Lato" panose="020F0502020204030203" pitchFamily="34" charset="0"/>
+                <a:cs typeface="Lato" panose="020F0502020204030203" pitchFamily="34" charset="0"/>
+              </a:rPr>
+              <a:t>, </a:t>
+            </a:r>
+            <a:r>
+              <a:rPr lang="vi-VN" sz="2000" b="1" err="1">
+                <a:solidFill>
+                  <a:schemeClr val="accent1">
+                    <a:lumMod val="50000"/>
+                  </a:schemeClr>
+                </a:solidFill>
+                <a:latin typeface="Lato" panose="020F0502020204030203" pitchFamily="34" charset="0"/>
+                <a:ea typeface="Lato" panose="020F0502020204030203" pitchFamily="34" charset="0"/>
+                <a:cs typeface="Lato" panose="020F0502020204030203" pitchFamily="34" charset="0"/>
+              </a:rPr>
+              <a:t>Bubble</a:t>
+            </a:r>
+            <a:r>
+              <a:rPr lang="vi-VN" sz="2000" b="1">
+                <a:solidFill>
+                  <a:schemeClr val="accent1">
+                    <a:lumMod val="50000"/>
+                  </a:schemeClr>
+                </a:solidFill>
+                <a:latin typeface="Lato" panose="020F0502020204030203" pitchFamily="34" charset="0"/>
+                <a:ea typeface="Lato" panose="020F0502020204030203" pitchFamily="34" charset="0"/>
+                <a:cs typeface="Lato" panose="020F0502020204030203" pitchFamily="34" charset="0"/>
+              </a:rPr>
+              <a:t> </a:t>
+            </a:r>
+            <a:r>
+              <a:rPr lang="vi-VN" sz="2000" b="1" err="1">
+                <a:solidFill>
+                  <a:schemeClr val="accent1">
+                    <a:lumMod val="50000"/>
+                  </a:schemeClr>
+                </a:solidFill>
+                <a:latin typeface="Lato" panose="020F0502020204030203" pitchFamily="34" charset="0"/>
+                <a:ea typeface="Lato" panose="020F0502020204030203" pitchFamily="34" charset="0"/>
+                <a:cs typeface="Lato" panose="020F0502020204030203" pitchFamily="34" charset="0"/>
+              </a:rPr>
+              <a:t>sort</a:t>
+            </a:r>
+            <a:r>
+              <a:rPr lang="vi-VN" sz="2000" b="1">
+                <a:solidFill>
+                  <a:schemeClr val="accent1">
+                    <a:lumMod val="50000"/>
+                  </a:schemeClr>
+                </a:solidFill>
+                <a:latin typeface="Lato" panose="020F0502020204030203" pitchFamily="34" charset="0"/>
+                <a:ea typeface="Lato" panose="020F0502020204030203" pitchFamily="34" charset="0"/>
+                <a:cs typeface="Lato" panose="020F0502020204030203" pitchFamily="34" charset="0"/>
+              </a:rPr>
+              <a:t>, </a:t>
+            </a:r>
+            <a:r>
+              <a:rPr lang="vi-VN" sz="2000" b="1" err="1">
+                <a:solidFill>
+                  <a:schemeClr val="accent1">
+                    <a:lumMod val="50000"/>
+                  </a:schemeClr>
+                </a:solidFill>
+                <a:latin typeface="Lato" panose="020F0502020204030203" pitchFamily="34" charset="0"/>
+                <a:ea typeface="Lato" panose="020F0502020204030203" pitchFamily="34" charset="0"/>
+                <a:cs typeface="Lato" panose="020F0502020204030203" pitchFamily="34" charset="0"/>
+              </a:rPr>
+              <a:t>Quick</a:t>
+            </a:r>
+            <a:r>
+              <a:rPr lang="vi-VN" sz="2000" b="1">
+                <a:solidFill>
+                  <a:schemeClr val="accent1">
+                    <a:lumMod val="50000"/>
+                  </a:schemeClr>
+                </a:solidFill>
+                <a:latin typeface="Lato" panose="020F0502020204030203" pitchFamily="34" charset="0"/>
+                <a:ea typeface="Lato" panose="020F0502020204030203" pitchFamily="34" charset="0"/>
+                <a:cs typeface="Lato" panose="020F0502020204030203" pitchFamily="34" charset="0"/>
+              </a:rPr>
+              <a:t> </a:t>
+            </a:r>
+            <a:r>
+              <a:rPr lang="vi-VN" sz="2000" b="1" err="1">
+                <a:solidFill>
+                  <a:schemeClr val="accent1">
+                    <a:lumMod val="50000"/>
+                  </a:schemeClr>
+                </a:solidFill>
+                <a:latin typeface="Lato" panose="020F0502020204030203" pitchFamily="34" charset="0"/>
+                <a:ea typeface="Lato" panose="020F0502020204030203" pitchFamily="34" charset="0"/>
+                <a:cs typeface="Lato" panose="020F0502020204030203" pitchFamily="34" charset="0"/>
+              </a:rPr>
+              <a:t>sort</a:t>
+            </a:r>
+            <a:endParaRPr lang="vi-VN" sz="2000" b="1">
+              <a:solidFill>
+                <a:schemeClr val="accent1">
+                  <a:lumMod val="50000"/>
+                </a:schemeClr>
+              </a:solidFill>
+              <a:latin typeface="Lato" panose="020F0502020204030203" pitchFamily="34" charset="0"/>
+              <a:ea typeface="Lato" panose="020F0502020204030203" pitchFamily="34" charset="0"/>
+              <a:cs typeface="Lato" panose="020F0502020204030203" pitchFamily="34" charset="0"/>
+            </a:endParaRPr>
+          </a:p>
+          <a:p>
+            <a:endParaRPr lang="vi-VN" sz="2000" b="1">
+              <a:solidFill>
+                <a:schemeClr val="accent1">
+                  <a:lumMod val="50000"/>
+                </a:schemeClr>
+              </a:solidFill>
+              <a:latin typeface="Lato" panose="020F0502020204030203" pitchFamily="34" charset="0"/>
+              <a:ea typeface="Lato" panose="020F0502020204030203" pitchFamily="34" charset="0"/>
+              <a:cs typeface="Lato" panose="020F0502020204030203" pitchFamily="34" charset="0"/>
+            </a:endParaRPr>
+          </a:p>
+          <a:p>
+            <a:r>
+              <a:rPr lang="vi-VN" sz="2000" b="1">
+                <a:solidFill>
+                  <a:srgbClr val="C00000"/>
+                </a:solidFill>
+                <a:latin typeface="Lato" panose="020F0502020204030203" pitchFamily="34" charset="0"/>
+                <a:ea typeface="Lato" panose="020F0502020204030203" pitchFamily="34" charset="0"/>
+                <a:cs typeface="Lato" panose="020F0502020204030203" pitchFamily="34" charset="0"/>
+              </a:rPr>
+              <a:t>GVHD: TS. Nguyễn Thị Thu Trang</a:t>
+            </a:r>
+          </a:p>
+        </p:txBody>
+      </p:sp>
+    </p:spTree>
+  </p:cSld>
+  <p:clrMapOvr>
+    <a:masterClrMapping/>
+  </p:clrMapOvr>
+</p:sld>
+</file>
+
+<file path=ppt/slides/slide3.xml><?xml version="1.0" encoding="utf-8"?>
+<p:sld xmlns:a="http://schemas.openxmlformats.org/drawingml/2006/main" xmlns:r="http://schemas.openxmlformats.org/officeDocument/2006/relationships" xmlns:p="http://schemas.openxmlformats.org/presentationml/2006/main">
+  <p:cSld>
+    <p:spTree>
+      <p:nvGrpSpPr>
+        <p:cNvPr id="1" name=""/>
+        <p:cNvGrpSpPr/>
+        <p:nvPr/>
+      </p:nvGrpSpPr>
+      <p:grpSpPr>
+        <a:xfrm>
+          <a:off x="0" y="0"/>
+          <a:ext cx="0" cy="0"/>
+          <a:chOff x="0" y="0"/>
+          <a:chExt cx="0" cy="0"/>
+        </a:xfrm>
+      </p:grpSpPr>
+      <p:sp>
+        <p:nvSpPr>
+          <p:cNvPr id="310" name="Freeform 1"/>
+          <p:cNvSpPr/>
+          <p:nvPr/>
+        </p:nvSpPr>
+        <p:spPr>
+          <a:xfrm>
+            <a:off x="3209400" y="2164680"/>
+            <a:ext cx="360" cy="360"/>
+          </a:xfrm>
+          <a:custGeom>
+            <a:avLst/>
+            <a:gdLst/>
+            <a:ahLst/>
+            <a:cxnLst/>
+            <a:rect l="0" t="0" r="r" b="b"/>
+            <a:pathLst>
+              <a:path w="1" h="1">
+                <a:moveTo>
+                  <a:pt x="0" y="0"/>
+                </a:moveTo>
+                <a:lnTo>
+                  <a:pt x="0" y="0"/>
+                </a:lnTo>
+              </a:path>
+            </a:pathLst>
+          </a:custGeom>
+          <a:ln/>
+        </p:spPr>
+        <p:txBody>
+          <a:bodyPr/>
+          <a:lstStyle/>
+          <a:p>
+            <a:endParaRPr lang="en-US"/>
+          </a:p>
+        </p:txBody>
+      </p:sp>
+      <p:graphicFrame>
+        <p:nvGraphicFramePr>
+          <p:cNvPr id="3" name="Bảng 2">
+            <a:extLst>
+              <a:ext uri="{FF2B5EF4-FFF2-40B4-BE49-F238E27FC236}">
+                <a16:creationId xmlns:a16="http://schemas.microsoft.com/office/drawing/2014/main" id="{064E7798-E224-83D8-DB2F-E0BF498179C7}"/>
+              </a:ext>
+            </a:extLst>
+          </p:cNvPr>
+          <p:cNvGraphicFramePr>
+            <a:graphicFrameLocks noGrp="1"/>
+          </p:cNvGraphicFramePr>
+          <p:nvPr>
+            <p:extLst>
+              <p:ext uri="{D42A27DB-BD31-4B8C-83A1-F6EECF244321}">
+                <p14:modId xmlns:p14="http://schemas.microsoft.com/office/powerpoint/2010/main" val="2898921793"/>
+              </p:ext>
+            </p:extLst>
+          </p:nvPr>
+        </p:nvGraphicFramePr>
+        <p:xfrm>
+          <a:off x="1119187" y="1651000"/>
+          <a:ext cx="9757057" cy="3721968"/>
+        </p:xfrm>
+        <a:graphic>
+          <a:graphicData uri="http://schemas.openxmlformats.org/drawingml/2006/table">
+            <a:tbl>
+              <a:tblPr bandRow="1">
+                <a:tableStyleId>{5C22544A-7EE6-4342-B048-85BDC9FD1C3A}</a:tableStyleId>
+              </a:tblPr>
+              <a:tblGrid>
+                <a:gridCol w="3252353">
+                  <a:extLst>
+                    <a:ext uri="{9D8B030D-6E8A-4147-A177-3AD203B41FA5}">
+                      <a16:colId xmlns:a16="http://schemas.microsoft.com/office/drawing/2014/main" val="1053117419"/>
+                    </a:ext>
+                  </a:extLst>
+                </a:gridCol>
+                <a:gridCol w="1471968">
+                  <a:extLst>
+                    <a:ext uri="{9D8B030D-6E8A-4147-A177-3AD203B41FA5}">
+                      <a16:colId xmlns:a16="http://schemas.microsoft.com/office/drawing/2014/main" val="3211761412"/>
+                    </a:ext>
+                  </a:extLst>
+                </a:gridCol>
+                <a:gridCol w="5032736">
+                  <a:extLst>
+                    <a:ext uri="{9D8B030D-6E8A-4147-A177-3AD203B41FA5}">
+                      <a16:colId xmlns:a16="http://schemas.microsoft.com/office/drawing/2014/main" val="3418879458"/>
+                    </a:ext>
+                  </a:extLst>
+                </a:gridCol>
+              </a:tblGrid>
+              <a:tr h="620328">
+                <a:tc>
+                  <a:txBody>
+                    <a:bodyPr/>
+                    <a:lstStyle/>
+                    <a:p>
+                      <a:pPr algn="ctr" rtl="0" fontAlgn="base">
+                        <a:lnSpc>
+                          <a:spcPts val="1650"/>
+                        </a:lnSpc>
+                      </a:pPr>
+                      <a:r>
+                        <a:rPr lang="en-US" sz="1800" err="1">
+                          <a:effectLst/>
+                          <a:latin typeface="Times New Roman"/>
+                        </a:rPr>
+                        <a:t>Họ</a:t>
+                      </a:r>
+                      <a:r>
+                        <a:rPr lang="en-US" sz="1800">
+                          <a:effectLst/>
+                          <a:latin typeface="Times New Roman"/>
+                        </a:rPr>
+                        <a:t> </a:t>
+                      </a:r>
+                      <a:r>
+                        <a:rPr lang="en-US" sz="1800" err="1">
+                          <a:effectLst/>
+                          <a:latin typeface="Times New Roman"/>
+                        </a:rPr>
+                        <a:t>và</a:t>
+                      </a:r>
+                      <a:r>
+                        <a:rPr lang="en-US" sz="1800">
+                          <a:effectLst/>
+                          <a:latin typeface="Times New Roman"/>
+                        </a:rPr>
+                        <a:t> </a:t>
+                      </a:r>
+                      <a:r>
+                        <a:rPr lang="en-US" sz="1800" err="1">
+                          <a:effectLst/>
+                          <a:latin typeface="Times New Roman"/>
+                        </a:rPr>
+                        <a:t>tên</a:t>
+                      </a:r>
+                      <a:r>
+                        <a:rPr lang="en-US" sz="1800">
+                          <a:effectLst/>
+                          <a:latin typeface="Times New Roman"/>
+                        </a:rPr>
+                        <a:t> </a:t>
+                      </a:r>
+                    </a:p>
+                  </a:txBody>
+                  <a:tcPr marL="66675" marR="66675" anchor="ctr">
+                    <a:lnL w="9525" cap="flat" cmpd="sng" algn="ctr">
+                      <a:solidFill>
+                        <a:schemeClr val="bg1"/>
+                      </a:solidFill>
+                      <a:prstDash val="solid"/>
+                      <a:round/>
+                      <a:headEnd type="none" w="med" len="med"/>
+                      <a:tailEnd type="none" w="med" len="med"/>
+                    </a:lnL>
+                    <a:lnR w="9525" cap="flat" cmpd="sng" algn="ctr">
+                      <a:solidFill>
+                        <a:schemeClr val="bg1"/>
+                      </a:solidFill>
+                      <a:prstDash val="solid"/>
+                      <a:round/>
+                      <a:headEnd type="none" w="med" len="med"/>
+                      <a:tailEnd type="none" w="med" len="med"/>
+                    </a:lnR>
+                    <a:lnT w="9525" cap="flat" cmpd="sng" algn="ctr">
+                      <a:solidFill>
+                        <a:schemeClr val="bg1"/>
+                      </a:solidFill>
+                      <a:prstDash val="solid"/>
+                      <a:round/>
+                      <a:headEnd type="none" w="med" len="med"/>
+                      <a:tailEnd type="none" w="med" len="med"/>
+                    </a:lnT>
+                    <a:lnB w="9525" cap="flat" cmpd="sng" algn="ctr">
+                      <a:solidFill>
+                        <a:schemeClr val="bg1"/>
+                      </a:solidFill>
+                      <a:prstDash val="solid"/>
+                      <a:round/>
+                      <a:headEnd type="none" w="med" len="med"/>
+                      <a:tailEnd type="none" w="med" len="med"/>
+                    </a:lnB>
+                    <a:solidFill>
+                      <a:schemeClr val="bg2"/>
+                    </a:solidFill>
+                  </a:tcPr>
+                </a:tc>
+                <a:tc>
+                  <a:txBody>
+                    <a:bodyPr/>
+                    <a:lstStyle/>
+                    <a:p>
+                      <a:pPr algn="ctr" rtl="0" fontAlgn="base">
+                        <a:lnSpc>
+                          <a:spcPts val="1650"/>
+                        </a:lnSpc>
+                      </a:pPr>
+                      <a:r>
+                        <a:rPr lang="en-US" sz="1800">
+                          <a:effectLst/>
+                          <a:latin typeface="Times New Roman"/>
+                        </a:rPr>
+                        <a:t>MSSV </a:t>
+                      </a:r>
+                    </a:p>
+                  </a:txBody>
+                  <a:tcPr marL="66675" marR="66675" anchor="ctr">
+                    <a:lnL w="9525" cap="flat" cmpd="sng" algn="ctr">
+                      <a:solidFill>
+                        <a:schemeClr val="bg1"/>
+                      </a:solidFill>
+                      <a:prstDash val="solid"/>
+                      <a:round/>
+                      <a:headEnd type="none" w="med" len="med"/>
+                      <a:tailEnd type="none" w="med" len="med"/>
+                    </a:lnL>
+                    <a:lnR w="9525" cap="flat" cmpd="sng" algn="ctr">
+                      <a:solidFill>
+                        <a:schemeClr val="bg1"/>
+                      </a:solidFill>
+                      <a:prstDash val="solid"/>
+                      <a:round/>
+                      <a:headEnd type="none" w="med" len="med"/>
+                      <a:tailEnd type="none" w="med" len="med"/>
+                    </a:lnR>
+                    <a:lnT w="9525" cap="flat" cmpd="sng" algn="ctr">
+                      <a:solidFill>
+                        <a:schemeClr val="bg1"/>
+                      </a:solidFill>
+                      <a:prstDash val="solid"/>
+                      <a:round/>
+                      <a:headEnd type="none" w="med" len="med"/>
+                      <a:tailEnd type="none" w="med" len="med"/>
+                    </a:lnT>
+                    <a:lnB w="9525" cap="flat" cmpd="sng" algn="ctr">
+                      <a:solidFill>
+                        <a:schemeClr val="bg1"/>
+                      </a:solidFill>
+                      <a:prstDash val="solid"/>
+                      <a:round/>
+                      <a:headEnd type="none" w="med" len="med"/>
+                      <a:tailEnd type="none" w="med" len="med"/>
+                    </a:lnB>
+                    <a:solidFill>
+                      <a:schemeClr val="bg2"/>
+                    </a:solidFill>
+                  </a:tcPr>
+                </a:tc>
+                <a:tc>
+                  <a:txBody>
+                    <a:bodyPr/>
+                    <a:lstStyle/>
+                    <a:p>
+                      <a:pPr algn="ctr" rtl="0" fontAlgn="base">
+                        <a:lnSpc>
+                          <a:spcPts val="1650"/>
+                        </a:lnSpc>
+                      </a:pPr>
+                      <a:r>
+                        <a:rPr lang="en-US" sz="1800" err="1">
+                          <a:effectLst/>
+                          <a:latin typeface="Times New Roman"/>
+                        </a:rPr>
+                        <a:t>Nhiệm</a:t>
+                      </a:r>
+                      <a:r>
+                        <a:rPr lang="en-US" sz="1800">
+                          <a:effectLst/>
+                          <a:latin typeface="Times New Roman"/>
+                        </a:rPr>
+                        <a:t> </a:t>
+                      </a:r>
+                      <a:r>
+                        <a:rPr lang="en-US" sz="1800" err="1">
+                          <a:effectLst/>
+                          <a:latin typeface="Times New Roman"/>
+                        </a:rPr>
+                        <a:t>vụ</a:t>
+                      </a:r>
+                      <a:r>
+                        <a:rPr lang="en-US" sz="1800">
+                          <a:effectLst/>
+                          <a:latin typeface="Times New Roman"/>
+                        </a:rPr>
+                        <a:t> </a:t>
+                      </a:r>
+                    </a:p>
+                  </a:txBody>
+                  <a:tcPr marL="66675" marR="66675" anchor="ctr">
+                    <a:lnL w="9525" cap="flat" cmpd="sng" algn="ctr">
+                      <a:solidFill>
+                        <a:schemeClr val="bg1"/>
+                      </a:solidFill>
+                      <a:prstDash val="solid"/>
+                      <a:round/>
+                      <a:headEnd type="none" w="med" len="med"/>
+                      <a:tailEnd type="none" w="med" len="med"/>
+                    </a:lnL>
+                    <a:lnR w="9525" cap="flat" cmpd="sng" algn="ctr">
+                      <a:solidFill>
+                        <a:schemeClr val="bg1"/>
+                      </a:solidFill>
+                      <a:prstDash val="solid"/>
+                      <a:round/>
+                      <a:headEnd type="none" w="med" len="med"/>
+                      <a:tailEnd type="none" w="med" len="med"/>
+                    </a:lnR>
+                    <a:lnT w="9525" cap="flat" cmpd="sng" algn="ctr">
+                      <a:solidFill>
+                        <a:schemeClr val="bg1"/>
+                      </a:solidFill>
+                      <a:prstDash val="solid"/>
+                      <a:round/>
+                      <a:headEnd type="none" w="med" len="med"/>
+                      <a:tailEnd type="none" w="med" len="med"/>
+                    </a:lnT>
+                    <a:lnB w="9525" cap="flat" cmpd="sng" algn="ctr">
+                      <a:solidFill>
+                        <a:schemeClr val="bg1"/>
+                      </a:solidFill>
+                      <a:prstDash val="solid"/>
+                      <a:round/>
+                      <a:headEnd type="none" w="med" len="med"/>
+                      <a:tailEnd type="none" w="med" len="med"/>
+                    </a:lnB>
+                    <a:solidFill>
+                      <a:schemeClr val="bg2"/>
+                    </a:solidFill>
+                  </a:tcPr>
+                </a:tc>
+                <a:extLst>
+                  <a:ext uri="{0D108BD9-81ED-4DB2-BD59-A6C34878D82A}">
+                    <a16:rowId xmlns:a16="http://schemas.microsoft.com/office/drawing/2014/main" val="207694135"/>
+                  </a:ext>
+                </a:extLst>
+              </a:tr>
+              <a:tr h="620328">
+                <a:tc>
+                  <a:txBody>
+                    <a:bodyPr/>
+                    <a:lstStyle/>
+                    <a:p>
+                      <a:pPr algn="ctr" rtl="0" fontAlgn="base">
+                        <a:lnSpc>
+                          <a:spcPts val="1650"/>
+                        </a:lnSpc>
+                      </a:pPr>
+                      <a:r>
+                        <a:rPr lang="vi-VN" sz="1800">
+                          <a:effectLst/>
+                          <a:latin typeface="Times New Roman"/>
+                        </a:rPr>
+                        <a:t>Phạm Thường Vi </a:t>
+                      </a:r>
+                    </a:p>
+                  </a:txBody>
+                  <a:tcPr marL="66675" marR="66675" anchor="ctr">
+                    <a:lnL w="9525" cap="flat" cmpd="sng" algn="ctr">
+                      <a:solidFill>
+                        <a:schemeClr val="bg1"/>
+                      </a:solidFill>
+                      <a:prstDash val="solid"/>
+                      <a:round/>
+                      <a:headEnd type="none" w="med" len="med"/>
+                      <a:tailEnd type="none" w="med" len="med"/>
+                    </a:lnL>
+                    <a:lnR w="9525" cap="flat" cmpd="sng" algn="ctr">
+                      <a:solidFill>
+                        <a:schemeClr val="bg1"/>
+                      </a:solidFill>
+                      <a:prstDash val="solid"/>
+                      <a:round/>
+                      <a:headEnd type="none" w="med" len="med"/>
+                      <a:tailEnd type="none" w="med" len="med"/>
+                    </a:lnR>
+                    <a:lnT w="9525" cap="flat" cmpd="sng" algn="ctr">
+                      <a:solidFill>
+                        <a:schemeClr val="bg1"/>
+                      </a:solidFill>
+                      <a:prstDash val="solid"/>
+                      <a:round/>
+                      <a:headEnd type="none" w="med" len="med"/>
+                      <a:tailEnd type="none" w="med" len="med"/>
+                    </a:lnT>
+                    <a:lnB w="9525" cap="flat" cmpd="sng" algn="ctr">
+                      <a:solidFill>
+                        <a:schemeClr val="bg1"/>
+                      </a:solidFill>
+                      <a:prstDash val="solid"/>
+                      <a:round/>
+                      <a:headEnd type="none" w="med" len="med"/>
+                      <a:tailEnd type="none" w="med" len="med"/>
+                    </a:lnB>
+                    <a:solidFill>
+                      <a:schemeClr val="accent1">
+                        <a:lumMod val="20000"/>
+                        <a:lumOff val="80000"/>
+                      </a:schemeClr>
+                    </a:solidFill>
+                  </a:tcPr>
+                </a:tc>
+                <a:tc>
+                  <a:txBody>
+                    <a:bodyPr/>
+                    <a:lstStyle/>
+                    <a:p>
+                      <a:pPr algn="ctr" rtl="0" fontAlgn="base">
+                        <a:lnSpc>
+                          <a:spcPts val="1650"/>
+                        </a:lnSpc>
+                      </a:pPr>
+                      <a:r>
+                        <a:rPr lang="en-US" sz="1800">
+                          <a:effectLst/>
+                          <a:latin typeface="Times New Roman"/>
+                        </a:rPr>
+                        <a:t>20226097 </a:t>
+                      </a:r>
+                    </a:p>
+                  </a:txBody>
+                  <a:tcPr marL="66675" marR="66675" anchor="ctr">
+                    <a:lnL w="9525" cap="flat" cmpd="sng" algn="ctr">
+                      <a:solidFill>
+                        <a:schemeClr val="bg1"/>
+                      </a:solidFill>
+                      <a:prstDash val="solid"/>
+                      <a:round/>
+                      <a:headEnd type="none" w="med" len="med"/>
+                      <a:tailEnd type="none" w="med" len="med"/>
+                    </a:lnL>
+                    <a:lnR w="9525" cap="flat" cmpd="sng" algn="ctr">
+                      <a:solidFill>
+                        <a:schemeClr val="bg1"/>
+                      </a:solidFill>
+                      <a:prstDash val="solid"/>
+                      <a:round/>
+                      <a:headEnd type="none" w="med" len="med"/>
+                      <a:tailEnd type="none" w="med" len="med"/>
+                    </a:lnR>
+                    <a:lnT w="9525" cap="flat" cmpd="sng" algn="ctr">
+                      <a:solidFill>
+                        <a:schemeClr val="bg1"/>
+                      </a:solidFill>
+                      <a:prstDash val="solid"/>
+                      <a:round/>
+                      <a:headEnd type="none" w="med" len="med"/>
+                      <a:tailEnd type="none" w="med" len="med"/>
+                    </a:lnT>
+                    <a:lnB w="9525" cap="flat" cmpd="sng" algn="ctr">
+                      <a:solidFill>
+                        <a:schemeClr val="bg1"/>
+                      </a:solidFill>
+                      <a:prstDash val="solid"/>
+                      <a:round/>
+                      <a:headEnd type="none" w="med" len="med"/>
+                      <a:tailEnd type="none" w="med" len="med"/>
+                    </a:lnB>
+                    <a:solidFill>
+                      <a:schemeClr val="accent1">
+                        <a:lumMod val="20000"/>
+                        <a:lumOff val="80000"/>
+                      </a:schemeClr>
+                    </a:solidFill>
+                  </a:tcPr>
+                </a:tc>
+                <a:tc>
+                  <a:txBody>
+                    <a:bodyPr/>
+                    <a:lstStyle/>
+                    <a:p>
+                      <a:pPr algn="ctr" rtl="0" fontAlgn="base">
+                        <a:lnSpc>
+                          <a:spcPts val="1650"/>
+                        </a:lnSpc>
+                      </a:pPr>
+                      <a:r>
+                        <a:rPr lang="en-US" sz="1800">
+                          <a:effectLst/>
+                          <a:latin typeface="Times New Roman"/>
+                        </a:rPr>
+                        <a:t>Báo </a:t>
+                      </a:r>
+                      <a:r>
+                        <a:rPr lang="en-US" sz="1800" err="1">
+                          <a:effectLst/>
+                          <a:latin typeface="Times New Roman"/>
+                        </a:rPr>
+                        <a:t>cáo</a:t>
+                      </a:r>
+                      <a:r>
+                        <a:rPr lang="en-US" sz="1800">
+                          <a:effectLst/>
+                          <a:latin typeface="Times New Roman"/>
+                        </a:rPr>
+                        <a:t> + slide </a:t>
+                      </a:r>
+                    </a:p>
+                  </a:txBody>
+                  <a:tcPr marL="66675" marR="66675" anchor="ctr">
+                    <a:lnL w="9525" cap="flat" cmpd="sng" algn="ctr">
+                      <a:solidFill>
+                        <a:schemeClr val="bg1"/>
+                      </a:solidFill>
+                      <a:prstDash val="solid"/>
+                      <a:round/>
+                      <a:headEnd type="none" w="med" len="med"/>
+                      <a:tailEnd type="none" w="med" len="med"/>
+                    </a:lnL>
+                    <a:lnR w="9525" cap="flat" cmpd="sng" algn="ctr">
+                      <a:solidFill>
+                        <a:schemeClr val="bg1"/>
+                      </a:solidFill>
+                      <a:prstDash val="solid"/>
+                      <a:round/>
+                      <a:headEnd type="none" w="med" len="med"/>
+                      <a:tailEnd type="none" w="med" len="med"/>
+                    </a:lnR>
+                    <a:lnT w="9525" cap="flat" cmpd="sng" algn="ctr">
+                      <a:solidFill>
+                        <a:schemeClr val="bg1"/>
+                      </a:solidFill>
+                      <a:prstDash val="solid"/>
+                      <a:round/>
+                      <a:headEnd type="none" w="med" len="med"/>
+                      <a:tailEnd type="none" w="med" len="med"/>
+                    </a:lnT>
+                    <a:lnB w="9525" cap="flat" cmpd="sng" algn="ctr">
+                      <a:solidFill>
+                        <a:schemeClr val="bg1"/>
+                      </a:solidFill>
+                      <a:prstDash val="solid"/>
+                      <a:round/>
+                      <a:headEnd type="none" w="med" len="med"/>
+                      <a:tailEnd type="none" w="med" len="med"/>
+                    </a:lnB>
+                    <a:solidFill>
+                      <a:schemeClr val="accent1">
+                        <a:lumMod val="20000"/>
+                        <a:lumOff val="80000"/>
+                      </a:schemeClr>
+                    </a:solidFill>
+                  </a:tcPr>
+                </a:tc>
+                <a:extLst>
+                  <a:ext uri="{0D108BD9-81ED-4DB2-BD59-A6C34878D82A}">
+                    <a16:rowId xmlns:a16="http://schemas.microsoft.com/office/drawing/2014/main" val="3991426509"/>
+                  </a:ext>
+                </a:extLst>
+              </a:tr>
+              <a:tr h="620328">
+                <a:tc>
+                  <a:txBody>
+                    <a:bodyPr/>
+                    <a:lstStyle/>
+                    <a:p>
+                      <a:pPr algn="ctr" rtl="0" fontAlgn="base">
+                        <a:lnSpc>
+                          <a:spcPts val="1650"/>
+                        </a:lnSpc>
+                      </a:pPr>
+                      <a:r>
+                        <a:rPr lang="en-US" sz="1800">
+                          <a:effectLst/>
+                          <a:latin typeface="Times New Roman"/>
+                        </a:rPr>
+                        <a:t>Nguyễn Hoàng Việt </a:t>
+                      </a:r>
+                    </a:p>
+                  </a:txBody>
+                  <a:tcPr marL="66675" marR="66675" anchor="ctr">
+                    <a:lnL w="9525" cap="flat" cmpd="sng" algn="ctr">
+                      <a:solidFill>
+                        <a:schemeClr val="bg1"/>
+                      </a:solidFill>
+                      <a:prstDash val="solid"/>
+                      <a:round/>
+                      <a:headEnd type="none" w="med" len="med"/>
+                      <a:tailEnd type="none" w="med" len="med"/>
+                    </a:lnL>
+                    <a:lnR w="9525" cap="flat" cmpd="sng" algn="ctr">
+                      <a:solidFill>
+                        <a:schemeClr val="bg1"/>
+                      </a:solidFill>
+                      <a:prstDash val="solid"/>
+                      <a:round/>
+                      <a:headEnd type="none" w="med" len="med"/>
+                      <a:tailEnd type="none" w="med" len="med"/>
+                    </a:lnR>
+                    <a:lnT w="9525" cap="flat" cmpd="sng" algn="ctr">
+                      <a:solidFill>
+                        <a:schemeClr val="bg1"/>
+                      </a:solidFill>
+                      <a:prstDash val="solid"/>
+                      <a:round/>
+                      <a:headEnd type="none" w="med" len="med"/>
+                      <a:tailEnd type="none" w="med" len="med"/>
+                    </a:lnT>
+                    <a:lnB w="9525" cap="flat" cmpd="sng" algn="ctr">
+                      <a:solidFill>
+                        <a:schemeClr val="bg1"/>
+                      </a:solidFill>
+                      <a:prstDash val="solid"/>
+                      <a:round/>
+                      <a:headEnd type="none" w="med" len="med"/>
+                      <a:tailEnd type="none" w="med" len="med"/>
+                    </a:lnB>
+                    <a:solidFill>
+                      <a:schemeClr val="accent1">
+                        <a:lumMod val="20000"/>
+                        <a:lumOff val="80000"/>
+                      </a:schemeClr>
+                    </a:solidFill>
+                  </a:tcPr>
+                </a:tc>
+                <a:tc>
+                  <a:txBody>
+                    <a:bodyPr/>
+                    <a:lstStyle/>
+                    <a:p>
+                      <a:pPr algn="ctr" rtl="0" fontAlgn="base">
+                        <a:lnSpc>
+                          <a:spcPts val="1650"/>
+                        </a:lnSpc>
+                      </a:pPr>
+                      <a:r>
+                        <a:rPr lang="en-US" sz="1800">
+                          <a:effectLst/>
+                          <a:latin typeface="Times New Roman"/>
+                        </a:rPr>
+                        <a:t>20226098 </a:t>
+                      </a:r>
+                    </a:p>
+                  </a:txBody>
+                  <a:tcPr marL="66675" marR="66675" anchor="ctr">
+                    <a:lnL w="9525" cap="flat" cmpd="sng" algn="ctr">
+                      <a:solidFill>
+                        <a:schemeClr val="bg1"/>
+                      </a:solidFill>
+                      <a:prstDash val="solid"/>
+                      <a:round/>
+                      <a:headEnd type="none" w="med" len="med"/>
+                      <a:tailEnd type="none" w="med" len="med"/>
+                    </a:lnL>
+                    <a:lnR w="9525" cap="flat" cmpd="sng" algn="ctr">
+                      <a:solidFill>
+                        <a:schemeClr val="bg1"/>
+                      </a:solidFill>
+                      <a:prstDash val="solid"/>
+                      <a:round/>
+                      <a:headEnd type="none" w="med" len="med"/>
+                      <a:tailEnd type="none" w="med" len="med"/>
+                    </a:lnR>
+                    <a:lnT w="9525" cap="flat" cmpd="sng" algn="ctr">
+                      <a:solidFill>
+                        <a:schemeClr val="bg1"/>
+                      </a:solidFill>
+                      <a:prstDash val="solid"/>
+                      <a:round/>
+                      <a:headEnd type="none" w="med" len="med"/>
+                      <a:tailEnd type="none" w="med" len="med"/>
+                    </a:lnT>
+                    <a:lnB w="9525" cap="flat" cmpd="sng" algn="ctr">
+                      <a:solidFill>
+                        <a:schemeClr val="bg1"/>
+                      </a:solidFill>
+                      <a:prstDash val="solid"/>
+                      <a:round/>
+                      <a:headEnd type="none" w="med" len="med"/>
+                      <a:tailEnd type="none" w="med" len="med"/>
+                    </a:lnB>
+                    <a:solidFill>
+                      <a:schemeClr val="accent1">
+                        <a:lumMod val="20000"/>
+                        <a:lumOff val="80000"/>
+                      </a:schemeClr>
+                    </a:solidFill>
+                  </a:tcPr>
+                </a:tc>
+                <a:tc>
+                  <a:txBody>
+                    <a:bodyPr/>
+                    <a:lstStyle/>
+                    <a:p>
+                      <a:pPr algn="ctr" rtl="0" fontAlgn="base">
+                        <a:lnSpc>
+                          <a:spcPts val="1650"/>
+                        </a:lnSpc>
+                      </a:pPr>
+                      <a:r>
+                        <a:rPr lang="en-US" sz="1800">
+                          <a:effectLst/>
+                          <a:latin typeface="Times New Roman"/>
+                        </a:rPr>
+                        <a:t>Code </a:t>
+                      </a:r>
+                    </a:p>
+                  </a:txBody>
+                  <a:tcPr marL="66675" marR="66675" anchor="ctr">
+                    <a:lnL w="9525" cap="flat" cmpd="sng" algn="ctr">
+                      <a:solidFill>
+                        <a:schemeClr val="bg1"/>
+                      </a:solidFill>
+                      <a:prstDash val="solid"/>
+                      <a:round/>
+                      <a:headEnd type="none" w="med" len="med"/>
+                      <a:tailEnd type="none" w="med" len="med"/>
+                    </a:lnL>
+                    <a:lnR w="9525" cap="flat" cmpd="sng" algn="ctr">
+                      <a:solidFill>
+                        <a:schemeClr val="bg1"/>
+                      </a:solidFill>
+                      <a:prstDash val="solid"/>
+                      <a:round/>
+                      <a:headEnd type="none" w="med" len="med"/>
+                      <a:tailEnd type="none" w="med" len="med"/>
+                    </a:lnR>
+                    <a:lnT w="9525" cap="flat" cmpd="sng" algn="ctr">
+                      <a:solidFill>
+                        <a:schemeClr val="bg1"/>
+                      </a:solidFill>
+                      <a:prstDash val="solid"/>
+                      <a:round/>
+                      <a:headEnd type="none" w="med" len="med"/>
+                      <a:tailEnd type="none" w="med" len="med"/>
+                    </a:lnT>
+                    <a:lnB w="9525" cap="flat" cmpd="sng" algn="ctr">
+                      <a:solidFill>
+                        <a:schemeClr val="bg1"/>
+                      </a:solidFill>
+                      <a:prstDash val="solid"/>
+                      <a:round/>
+                      <a:headEnd type="none" w="med" len="med"/>
+                      <a:tailEnd type="none" w="med" len="med"/>
+                    </a:lnB>
+                    <a:solidFill>
+                      <a:schemeClr val="accent1">
+                        <a:lumMod val="20000"/>
+                        <a:lumOff val="80000"/>
+                      </a:schemeClr>
+                    </a:solidFill>
+                  </a:tcPr>
+                </a:tc>
+                <a:extLst>
+                  <a:ext uri="{0D108BD9-81ED-4DB2-BD59-A6C34878D82A}">
+                    <a16:rowId xmlns:a16="http://schemas.microsoft.com/office/drawing/2014/main" val="1983628910"/>
+                  </a:ext>
+                </a:extLst>
+              </a:tr>
+              <a:tr h="620328">
+                <a:tc>
+                  <a:txBody>
+                    <a:bodyPr/>
+                    <a:lstStyle/>
+                    <a:p>
+                      <a:pPr algn="ctr" rtl="0" fontAlgn="base">
+                        <a:lnSpc>
+                          <a:spcPts val="1650"/>
+                        </a:lnSpc>
+                      </a:pPr>
+                      <a:r>
+                        <a:rPr lang="en-US" sz="1800">
+                          <a:effectLst/>
+                          <a:latin typeface="Times New Roman"/>
+                        </a:rPr>
+                        <a:t>Hoàng Quốc Việt </a:t>
+                      </a:r>
+                    </a:p>
+                  </a:txBody>
+                  <a:tcPr marL="66675" marR="66675" anchor="ctr">
+                    <a:lnL w="9525" cap="flat" cmpd="sng" algn="ctr">
+                      <a:solidFill>
+                        <a:schemeClr val="bg1"/>
+                      </a:solidFill>
+                      <a:prstDash val="solid"/>
+                      <a:round/>
+                      <a:headEnd type="none" w="med" len="med"/>
+                      <a:tailEnd type="none" w="med" len="med"/>
+                    </a:lnL>
+                    <a:lnR w="9525" cap="flat" cmpd="sng" algn="ctr">
+                      <a:solidFill>
+                        <a:schemeClr val="bg1"/>
+                      </a:solidFill>
+                      <a:prstDash val="solid"/>
+                      <a:round/>
+                      <a:headEnd type="none" w="med" len="med"/>
+                      <a:tailEnd type="none" w="med" len="med"/>
+                    </a:lnR>
+                    <a:lnT w="9525" cap="flat" cmpd="sng" algn="ctr">
+                      <a:solidFill>
+                        <a:schemeClr val="bg1"/>
+                      </a:solidFill>
+                      <a:prstDash val="solid"/>
+                      <a:round/>
+                      <a:headEnd type="none" w="med" len="med"/>
+                      <a:tailEnd type="none" w="med" len="med"/>
+                    </a:lnT>
+                    <a:lnB w="9525" cap="flat" cmpd="sng" algn="ctr">
+                      <a:solidFill>
+                        <a:schemeClr val="bg1"/>
+                      </a:solidFill>
+                      <a:prstDash val="solid"/>
+                      <a:round/>
+                      <a:headEnd type="none" w="med" len="med"/>
+                      <a:tailEnd type="none" w="med" len="med"/>
+                    </a:lnB>
+                    <a:solidFill>
+                      <a:schemeClr val="accent1">
+                        <a:lumMod val="20000"/>
+                        <a:lumOff val="80000"/>
+                      </a:schemeClr>
+                    </a:solidFill>
+                  </a:tcPr>
+                </a:tc>
+                <a:tc>
+                  <a:txBody>
+                    <a:bodyPr/>
+                    <a:lstStyle/>
+                    <a:p>
+                      <a:pPr algn="ctr" rtl="0" fontAlgn="base">
+                        <a:lnSpc>
+                          <a:spcPts val="1650"/>
+                        </a:lnSpc>
+                      </a:pPr>
+                      <a:r>
+                        <a:rPr lang="en-US" sz="1800">
+                          <a:effectLst/>
+                          <a:latin typeface="Times New Roman"/>
+                        </a:rPr>
+                        <a:t>20225684 </a:t>
+                      </a:r>
+                    </a:p>
+                  </a:txBody>
+                  <a:tcPr marL="66675" marR="66675" anchor="ctr">
+                    <a:lnL w="9525" cap="flat" cmpd="sng" algn="ctr">
+                      <a:solidFill>
+                        <a:schemeClr val="bg1"/>
+                      </a:solidFill>
+                      <a:prstDash val="solid"/>
+                      <a:round/>
+                      <a:headEnd type="none" w="med" len="med"/>
+                      <a:tailEnd type="none" w="med" len="med"/>
+                    </a:lnL>
+                    <a:lnR w="9525" cap="flat" cmpd="sng" algn="ctr">
+                      <a:solidFill>
+                        <a:schemeClr val="bg1"/>
+                      </a:solidFill>
+                      <a:prstDash val="solid"/>
+                      <a:round/>
+                      <a:headEnd type="none" w="med" len="med"/>
+                      <a:tailEnd type="none" w="med" len="med"/>
+                    </a:lnR>
+                    <a:lnT w="9525" cap="flat" cmpd="sng" algn="ctr">
+                      <a:solidFill>
+                        <a:schemeClr val="bg1"/>
+                      </a:solidFill>
+                      <a:prstDash val="solid"/>
+                      <a:round/>
+                      <a:headEnd type="none" w="med" len="med"/>
+                      <a:tailEnd type="none" w="med" len="med"/>
+                    </a:lnT>
+                    <a:lnB w="9525" cap="flat" cmpd="sng" algn="ctr">
+                      <a:solidFill>
+                        <a:schemeClr val="bg1"/>
+                      </a:solidFill>
+                      <a:prstDash val="solid"/>
+                      <a:round/>
+                      <a:headEnd type="none" w="med" len="med"/>
+                      <a:tailEnd type="none" w="med" len="med"/>
+                    </a:lnB>
+                    <a:solidFill>
+                      <a:schemeClr val="accent1">
+                        <a:lumMod val="20000"/>
+                        <a:lumOff val="80000"/>
+                      </a:schemeClr>
+                    </a:solidFill>
+                  </a:tcPr>
+                </a:tc>
+                <a:tc>
+                  <a:txBody>
+                    <a:bodyPr/>
+                    <a:lstStyle/>
+                    <a:p>
+                      <a:pPr algn="ctr" rtl="0" fontAlgn="base">
+                        <a:lnSpc>
+                          <a:spcPts val="1650"/>
+                        </a:lnSpc>
+                      </a:pPr>
+                      <a:r>
+                        <a:rPr lang="en-US" sz="1800">
+                          <a:effectLst/>
+                          <a:latin typeface="Times New Roman"/>
+                        </a:rPr>
+                        <a:t>Báo </a:t>
+                      </a:r>
+                      <a:r>
+                        <a:rPr lang="en-US" sz="1800" err="1">
+                          <a:effectLst/>
+                          <a:latin typeface="Times New Roman"/>
+                        </a:rPr>
+                        <a:t>cáo</a:t>
+                      </a:r>
+                      <a:r>
+                        <a:rPr lang="en-US" sz="1800">
+                          <a:effectLst/>
+                          <a:latin typeface="Times New Roman"/>
+                        </a:rPr>
+                        <a:t> + slide </a:t>
+                      </a:r>
+                    </a:p>
+                  </a:txBody>
+                  <a:tcPr marL="66675" marR="66675" anchor="ctr">
+                    <a:lnL w="9525" cap="flat" cmpd="sng" algn="ctr">
+                      <a:solidFill>
+                        <a:schemeClr val="bg1"/>
+                      </a:solidFill>
+                      <a:prstDash val="solid"/>
+                      <a:round/>
+                      <a:headEnd type="none" w="med" len="med"/>
+                      <a:tailEnd type="none" w="med" len="med"/>
+                    </a:lnL>
+                    <a:lnR w="9525" cap="flat" cmpd="sng" algn="ctr">
+                      <a:solidFill>
+                        <a:schemeClr val="bg1"/>
+                      </a:solidFill>
+                      <a:prstDash val="solid"/>
+                      <a:round/>
+                      <a:headEnd type="none" w="med" len="med"/>
+                      <a:tailEnd type="none" w="med" len="med"/>
+                    </a:lnR>
+                    <a:lnT w="9525" cap="flat" cmpd="sng" algn="ctr">
+                      <a:solidFill>
+                        <a:schemeClr val="bg1"/>
+                      </a:solidFill>
+                      <a:prstDash val="solid"/>
+                      <a:round/>
+                      <a:headEnd type="none" w="med" len="med"/>
+                      <a:tailEnd type="none" w="med" len="med"/>
+                    </a:lnT>
+                    <a:lnB w="9525" cap="flat" cmpd="sng" algn="ctr">
+                      <a:solidFill>
+                        <a:schemeClr val="bg1"/>
+                      </a:solidFill>
+                      <a:prstDash val="solid"/>
+                      <a:round/>
+                      <a:headEnd type="none" w="med" len="med"/>
+                      <a:tailEnd type="none" w="med" len="med"/>
+                    </a:lnB>
+                    <a:solidFill>
+                      <a:schemeClr val="accent1">
+                        <a:lumMod val="20000"/>
+                        <a:lumOff val="80000"/>
+                      </a:schemeClr>
+                    </a:solidFill>
+                  </a:tcPr>
+                </a:tc>
+                <a:extLst>
+                  <a:ext uri="{0D108BD9-81ED-4DB2-BD59-A6C34878D82A}">
+                    <a16:rowId xmlns:a16="http://schemas.microsoft.com/office/drawing/2014/main" val="1010137020"/>
+                  </a:ext>
+                </a:extLst>
+              </a:tr>
+              <a:tr h="620328">
+                <a:tc>
+                  <a:txBody>
+                    <a:bodyPr/>
+                    <a:lstStyle/>
+                    <a:p>
+                      <a:pPr algn="ctr" rtl="0" fontAlgn="base">
+                        <a:lnSpc>
+                          <a:spcPts val="1650"/>
+                        </a:lnSpc>
+                      </a:pPr>
+                      <a:r>
+                        <a:rPr lang="en-US" sz="1800">
+                          <a:effectLst/>
+                          <a:latin typeface="Times New Roman"/>
+                        </a:rPr>
+                        <a:t>Đinh </a:t>
+                      </a:r>
+                      <a:r>
+                        <a:rPr lang="en-US" sz="1800" err="1">
+                          <a:effectLst/>
+                          <a:latin typeface="Times New Roman"/>
+                        </a:rPr>
+                        <a:t>Đình</a:t>
+                      </a:r>
+                      <a:r>
+                        <a:rPr lang="en-US" sz="1800">
+                          <a:effectLst/>
+                          <a:latin typeface="Times New Roman"/>
+                        </a:rPr>
+                        <a:t> Hải Việt </a:t>
+                      </a:r>
+                    </a:p>
+                  </a:txBody>
+                  <a:tcPr marL="66675" marR="66675" anchor="ctr">
+                    <a:lnL w="9525" cap="flat" cmpd="sng" algn="ctr">
+                      <a:solidFill>
+                        <a:schemeClr val="bg1"/>
+                      </a:solidFill>
+                      <a:prstDash val="solid"/>
+                      <a:round/>
+                      <a:headEnd type="none" w="med" len="med"/>
+                      <a:tailEnd type="none" w="med" len="med"/>
+                    </a:lnL>
+                    <a:lnR w="9525" cap="flat" cmpd="sng" algn="ctr">
+                      <a:solidFill>
+                        <a:schemeClr val="bg1"/>
+                      </a:solidFill>
+                      <a:prstDash val="solid"/>
+                      <a:round/>
+                      <a:headEnd type="none" w="med" len="med"/>
+                      <a:tailEnd type="none" w="med" len="med"/>
+                    </a:lnR>
+                    <a:lnT w="9525" cap="flat" cmpd="sng" algn="ctr">
+                      <a:solidFill>
+                        <a:schemeClr val="bg1"/>
+                      </a:solidFill>
+                      <a:prstDash val="solid"/>
+                      <a:round/>
+                      <a:headEnd type="none" w="med" len="med"/>
+                      <a:tailEnd type="none" w="med" len="med"/>
+                    </a:lnT>
+                    <a:lnB w="9525" cap="flat" cmpd="sng" algn="ctr">
+                      <a:solidFill>
+                        <a:schemeClr val="bg1"/>
+                      </a:solidFill>
+                      <a:prstDash val="solid"/>
+                      <a:round/>
+                      <a:headEnd type="none" w="med" len="med"/>
+                      <a:tailEnd type="none" w="med" len="med"/>
+                    </a:lnB>
+                    <a:solidFill>
+                      <a:schemeClr val="accent1">
+                        <a:lumMod val="20000"/>
+                        <a:lumOff val="80000"/>
+                      </a:schemeClr>
+                    </a:solidFill>
+                  </a:tcPr>
+                </a:tc>
+                <a:tc>
+                  <a:txBody>
+                    <a:bodyPr/>
+                    <a:lstStyle/>
+                    <a:p>
+                      <a:pPr algn="ctr" rtl="0" fontAlgn="base">
+                        <a:lnSpc>
+                          <a:spcPts val="1650"/>
+                        </a:lnSpc>
+                      </a:pPr>
+                      <a:r>
+                        <a:rPr lang="en-US" sz="1800">
+                          <a:effectLst/>
+                          <a:latin typeface="Times New Roman"/>
+                        </a:rPr>
+                        <a:t>20225683 </a:t>
+                      </a:r>
+                    </a:p>
+                  </a:txBody>
+                  <a:tcPr marL="66675" marR="66675" anchor="ctr">
+                    <a:lnL w="9525" cap="flat" cmpd="sng" algn="ctr">
+                      <a:solidFill>
+                        <a:schemeClr val="bg1"/>
+                      </a:solidFill>
+                      <a:prstDash val="solid"/>
+                      <a:round/>
+                      <a:headEnd type="none" w="med" len="med"/>
+                      <a:tailEnd type="none" w="med" len="med"/>
+                    </a:lnL>
+                    <a:lnR w="9525" cap="flat" cmpd="sng" algn="ctr">
+                      <a:solidFill>
+                        <a:schemeClr val="bg1"/>
+                      </a:solidFill>
+                      <a:prstDash val="solid"/>
+                      <a:round/>
+                      <a:headEnd type="none" w="med" len="med"/>
+                      <a:tailEnd type="none" w="med" len="med"/>
+                    </a:lnR>
+                    <a:lnT w="9525" cap="flat" cmpd="sng" algn="ctr">
+                      <a:solidFill>
+                        <a:schemeClr val="bg1"/>
+                      </a:solidFill>
+                      <a:prstDash val="solid"/>
+                      <a:round/>
+                      <a:headEnd type="none" w="med" len="med"/>
+                      <a:tailEnd type="none" w="med" len="med"/>
+                    </a:lnT>
+                    <a:lnB w="9525" cap="flat" cmpd="sng" algn="ctr">
+                      <a:solidFill>
+                        <a:schemeClr val="bg1"/>
+                      </a:solidFill>
+                      <a:prstDash val="solid"/>
+                      <a:round/>
+                      <a:headEnd type="none" w="med" len="med"/>
+                      <a:tailEnd type="none" w="med" len="med"/>
+                    </a:lnB>
+                    <a:solidFill>
+                      <a:schemeClr val="accent1">
+                        <a:lumMod val="20000"/>
+                        <a:lumOff val="80000"/>
+                      </a:schemeClr>
+                    </a:solidFill>
+                  </a:tcPr>
+                </a:tc>
+                <a:tc>
+                  <a:txBody>
+                    <a:bodyPr/>
+                    <a:lstStyle/>
+                    <a:p>
+                      <a:pPr algn="ctr" rtl="0" fontAlgn="base">
+                        <a:lnSpc>
+                          <a:spcPts val="1650"/>
+                        </a:lnSpc>
+                      </a:pPr>
+                      <a:r>
+                        <a:rPr lang="en-US" sz="1800">
+                          <a:effectLst/>
+                          <a:latin typeface="Times New Roman"/>
+                        </a:rPr>
+                        <a:t>Code </a:t>
+                      </a:r>
+                    </a:p>
+                  </a:txBody>
+                  <a:tcPr marL="66675" marR="66675" anchor="ctr">
+                    <a:lnL w="9525" cap="flat" cmpd="sng" algn="ctr">
+                      <a:solidFill>
+                        <a:schemeClr val="bg1"/>
+                      </a:solidFill>
+                      <a:prstDash val="solid"/>
+                      <a:round/>
+                      <a:headEnd type="none" w="med" len="med"/>
+                      <a:tailEnd type="none" w="med" len="med"/>
+                    </a:lnL>
+                    <a:lnR w="9525" cap="flat" cmpd="sng" algn="ctr">
+                      <a:solidFill>
+                        <a:schemeClr val="bg1"/>
+                      </a:solidFill>
+                      <a:prstDash val="solid"/>
+                      <a:round/>
+                      <a:headEnd type="none" w="med" len="med"/>
+                      <a:tailEnd type="none" w="med" len="med"/>
+                    </a:lnR>
+                    <a:lnT w="9525" cap="flat" cmpd="sng" algn="ctr">
+                      <a:solidFill>
+                        <a:schemeClr val="bg1"/>
+                      </a:solidFill>
+                      <a:prstDash val="solid"/>
+                      <a:round/>
+                      <a:headEnd type="none" w="med" len="med"/>
+                      <a:tailEnd type="none" w="med" len="med"/>
+                    </a:lnT>
+                    <a:lnB w="9525" cap="flat" cmpd="sng" algn="ctr">
+                      <a:solidFill>
+                        <a:schemeClr val="bg1"/>
+                      </a:solidFill>
+                      <a:prstDash val="solid"/>
+                      <a:round/>
+                      <a:headEnd type="none" w="med" len="med"/>
+                      <a:tailEnd type="none" w="med" len="med"/>
+                    </a:lnB>
+                    <a:solidFill>
+                      <a:schemeClr val="accent1">
+                        <a:lumMod val="20000"/>
+                        <a:lumOff val="80000"/>
+                      </a:schemeClr>
+                    </a:solidFill>
+                  </a:tcPr>
+                </a:tc>
+                <a:extLst>
+                  <a:ext uri="{0D108BD9-81ED-4DB2-BD59-A6C34878D82A}">
+                    <a16:rowId xmlns:a16="http://schemas.microsoft.com/office/drawing/2014/main" val="1859947880"/>
+                  </a:ext>
+                </a:extLst>
+              </a:tr>
+              <a:tr h="620328">
+                <a:tc>
+                  <a:txBody>
+                    <a:bodyPr/>
+                    <a:lstStyle/>
+                    <a:p>
+                      <a:pPr algn="ctr" rtl="0" fontAlgn="base">
+                        <a:lnSpc>
+                          <a:spcPts val="1650"/>
+                        </a:lnSpc>
+                      </a:pPr>
+                      <a:r>
+                        <a:rPr lang="en-US" sz="1800">
+                          <a:effectLst/>
+                          <a:latin typeface="Times New Roman"/>
+                        </a:rPr>
+                        <a:t>Vũ Hoàng Việt </a:t>
+                      </a:r>
+                    </a:p>
+                  </a:txBody>
+                  <a:tcPr marL="66675" marR="66675" anchor="ctr">
+                    <a:lnL w="9525" cap="flat" cmpd="sng" algn="ctr">
+                      <a:solidFill>
+                        <a:schemeClr val="bg1"/>
+                      </a:solidFill>
+                      <a:prstDash val="solid"/>
+                      <a:round/>
+                      <a:headEnd type="none" w="med" len="med"/>
+                      <a:tailEnd type="none" w="med" len="med"/>
+                    </a:lnL>
+                    <a:lnR w="9525" cap="flat" cmpd="sng" algn="ctr">
+                      <a:solidFill>
+                        <a:schemeClr val="bg1"/>
+                      </a:solidFill>
+                      <a:prstDash val="solid"/>
+                      <a:round/>
+                      <a:headEnd type="none" w="med" len="med"/>
+                      <a:tailEnd type="none" w="med" len="med"/>
+                    </a:lnR>
+                    <a:lnT w="9525" cap="flat" cmpd="sng" algn="ctr">
+                      <a:solidFill>
+                        <a:schemeClr val="bg1"/>
+                      </a:solidFill>
+                      <a:prstDash val="solid"/>
+                      <a:round/>
+                      <a:headEnd type="none" w="med" len="med"/>
+                      <a:tailEnd type="none" w="med" len="med"/>
+                    </a:lnT>
+                    <a:lnB w="9525" cap="flat" cmpd="sng" algn="ctr">
+                      <a:solidFill>
+                        <a:schemeClr val="bg1"/>
+                      </a:solidFill>
+                      <a:prstDash val="solid"/>
+                      <a:round/>
+                      <a:headEnd type="none" w="med" len="med"/>
+                      <a:tailEnd type="none" w="med" len="med"/>
+                    </a:lnB>
+                    <a:solidFill>
+                      <a:schemeClr val="accent1">
+                        <a:lumMod val="20000"/>
+                        <a:lumOff val="80000"/>
+                      </a:schemeClr>
+                    </a:solidFill>
+                  </a:tcPr>
+                </a:tc>
+                <a:tc>
+                  <a:txBody>
+                    <a:bodyPr/>
+                    <a:lstStyle/>
+                    <a:p>
+                      <a:pPr algn="ctr" rtl="0" fontAlgn="base">
+                        <a:lnSpc>
+                          <a:spcPts val="1650"/>
+                        </a:lnSpc>
+                      </a:pPr>
+                      <a:r>
+                        <a:rPr lang="en-US" sz="1800">
+                          <a:effectLst/>
+                          <a:latin typeface="Times New Roman"/>
+                        </a:rPr>
+                        <a:t>20225777 </a:t>
+                      </a:r>
+                    </a:p>
+                  </a:txBody>
+                  <a:tcPr marL="66675" marR="66675" anchor="ctr">
+                    <a:lnL w="9525" cap="flat" cmpd="sng" algn="ctr">
+                      <a:solidFill>
+                        <a:schemeClr val="bg1"/>
+                      </a:solidFill>
+                      <a:prstDash val="solid"/>
+                      <a:round/>
+                      <a:headEnd type="none" w="med" len="med"/>
+                      <a:tailEnd type="none" w="med" len="med"/>
+                    </a:lnL>
+                    <a:lnR w="9525" cap="flat" cmpd="sng" algn="ctr">
+                      <a:solidFill>
+                        <a:schemeClr val="bg1"/>
+                      </a:solidFill>
+                      <a:prstDash val="solid"/>
+                      <a:round/>
+                      <a:headEnd type="none" w="med" len="med"/>
+                      <a:tailEnd type="none" w="med" len="med"/>
+                    </a:lnR>
+                    <a:lnT w="9525" cap="flat" cmpd="sng" algn="ctr">
+                      <a:solidFill>
+                        <a:schemeClr val="bg1"/>
+                      </a:solidFill>
+                      <a:prstDash val="solid"/>
+                      <a:round/>
+                      <a:headEnd type="none" w="med" len="med"/>
+                      <a:tailEnd type="none" w="med" len="med"/>
+                    </a:lnT>
+                    <a:lnB w="9525" cap="flat" cmpd="sng" algn="ctr">
+                      <a:solidFill>
+                        <a:schemeClr val="bg1"/>
+                      </a:solidFill>
+                      <a:prstDash val="solid"/>
+                      <a:round/>
+                      <a:headEnd type="none" w="med" len="med"/>
+                      <a:tailEnd type="none" w="med" len="med"/>
+                    </a:lnB>
+                    <a:solidFill>
+                      <a:schemeClr val="accent1">
+                        <a:lumMod val="20000"/>
+                        <a:lumOff val="80000"/>
+                      </a:schemeClr>
+                    </a:solidFill>
+                  </a:tcPr>
+                </a:tc>
+                <a:tc>
+                  <a:txBody>
+                    <a:bodyPr/>
+                    <a:lstStyle/>
+                    <a:p>
+                      <a:pPr algn="ctr" rtl="0" fontAlgn="base">
+                        <a:lnSpc>
+                          <a:spcPts val="1650"/>
+                        </a:lnSpc>
+                      </a:pPr>
+                      <a:r>
+                        <a:rPr lang="en-US" sz="1800">
+                          <a:effectLst/>
+                          <a:latin typeface="Times New Roman"/>
+                        </a:rPr>
+                        <a:t>Code </a:t>
+                      </a:r>
+                    </a:p>
+                  </a:txBody>
+                  <a:tcPr marL="66675" marR="66675" anchor="ctr">
+                    <a:lnL w="9525" cap="flat" cmpd="sng" algn="ctr">
+                      <a:solidFill>
+                        <a:schemeClr val="bg1"/>
+                      </a:solidFill>
+                      <a:prstDash val="solid"/>
+                      <a:round/>
+                      <a:headEnd type="none" w="med" len="med"/>
+                      <a:tailEnd type="none" w="med" len="med"/>
+                    </a:lnL>
+                    <a:lnR w="9525" cap="flat" cmpd="sng" algn="ctr">
+                      <a:solidFill>
+                        <a:schemeClr val="bg1"/>
+                      </a:solidFill>
+                      <a:prstDash val="solid"/>
+                      <a:round/>
+                      <a:headEnd type="none" w="med" len="med"/>
+                      <a:tailEnd type="none" w="med" len="med"/>
+                    </a:lnR>
+                    <a:lnT w="9525" cap="flat" cmpd="sng" algn="ctr">
+                      <a:solidFill>
+                        <a:schemeClr val="bg1"/>
+                      </a:solidFill>
+                      <a:prstDash val="solid"/>
+                      <a:round/>
+                      <a:headEnd type="none" w="med" len="med"/>
+                      <a:tailEnd type="none" w="med" len="med"/>
+                    </a:lnT>
+                    <a:lnB w="9525" cap="flat" cmpd="sng" algn="ctr">
+                      <a:solidFill>
+                        <a:schemeClr val="bg1"/>
+                      </a:solidFill>
+                      <a:prstDash val="solid"/>
+                      <a:round/>
+                      <a:headEnd type="none" w="med" len="med"/>
+                      <a:tailEnd type="none" w="med" len="med"/>
+                    </a:lnB>
+                    <a:solidFill>
+                      <a:schemeClr val="accent1">
+                        <a:lumMod val="20000"/>
+                        <a:lumOff val="80000"/>
+                      </a:schemeClr>
+                    </a:solidFill>
+                  </a:tcPr>
+                </a:tc>
+                <a:extLst>
+                  <a:ext uri="{0D108BD9-81ED-4DB2-BD59-A6C34878D82A}">
+                    <a16:rowId xmlns:a16="http://schemas.microsoft.com/office/drawing/2014/main" val="3212164497"/>
+                  </a:ext>
+                </a:extLst>
+              </a:tr>
+            </a:tbl>
+          </a:graphicData>
+        </a:graphic>
+      </p:graphicFrame>
+      <p:sp>
+        <p:nvSpPr>
+          <p:cNvPr id="4" name="Hộp Văn bản 3">
+            <a:extLst>
+              <a:ext uri="{FF2B5EF4-FFF2-40B4-BE49-F238E27FC236}">
+                <a16:creationId xmlns:a16="http://schemas.microsoft.com/office/drawing/2014/main" id="{F7B2482D-673B-4FB5-7FEA-7AB39151DEFA}"/>
+              </a:ext>
+            </a:extLst>
+          </p:cNvPr>
+          <p:cNvSpPr txBox="1"/>
+          <p:nvPr/>
+        </p:nvSpPr>
+        <p:spPr>
+          <a:xfrm>
+            <a:off x="4510087" y="168275"/>
+            <a:ext cx="2743200" cy="861774"/>
+          </a:xfrm>
+          <a:prstGeom prst="rect">
+            <a:avLst/>
+          </a:prstGeom>
+          <a:noFill/>
+        </p:spPr>
+        <p:txBody>
+          <a:bodyPr rot="0" spcFirstLastPara="0" vertOverflow="overflow" horzOverflow="overflow" vert="horz" wrap="square" lIns="91440" tIns="45720" rIns="91440" bIns="45720" numCol="1" spcCol="0" rtlCol="0" fromWordArt="0" anchor="t" anchorCtr="0" forceAA="0" compatLnSpc="1">
+            <a:prstTxWarp prst="textNoShape">
+              <a:avLst/>
+            </a:prstTxWarp>
+            <a:spAutoFit/>
+          </a:bodyPr>
+          <a:lstStyle/>
+          <a:p>
+            <a:pPr algn="ctr"/>
+            <a:r>
+              <a:rPr lang="en-US" sz="2000">
+                <a:solidFill>
+                  <a:schemeClr val="bg1"/>
+                </a:solidFill>
+                <a:latin typeface="Aptos Display"/>
+                <a:cs typeface="Segoe UI"/>
+              </a:rPr>
+              <a:t>PHÂN CÔNG NHIỆM VỤ</a:t>
+            </a:r>
+            <a:r>
+              <a:rPr lang="vi-VN" sz="2000">
+                <a:solidFill>
+                  <a:schemeClr val="bg1"/>
+                </a:solidFill>
+                <a:latin typeface="Aptos Display"/>
+              </a:rPr>
+              <a:t> </a:t>
+            </a:r>
+          </a:p>
+          <a:p>
+            <a:endParaRPr lang="vi-VN">
+              <a:solidFill>
+                <a:schemeClr val="bg1"/>
+              </a:solidFill>
+              <a:latin typeface="Segoe UI"/>
+              <a:cs typeface="Segoe UI"/>
+            </a:endParaRPr>
+          </a:p>
+          <a:p>
+            <a:endParaRPr lang="vi-VN" sz="1200">
+              <a:solidFill>
+                <a:schemeClr val="bg1"/>
+              </a:solidFill>
+              <a:latin typeface="Aptos"/>
+            </a:endParaRPr>
+          </a:p>
+        </p:txBody>
+      </p:sp>
+    </p:spTree>
+  </p:cSld>
+  <p:clrMapOvr>
+    <a:masterClrMapping/>
+  </p:clrMapOvr>
+</p:sld>
+</file>
+
+<file path=ppt/slides/slide4.xml><?xml version="1.0" encoding="utf-8"?>
+<p:sld xmlns:a="http://schemas.openxmlformats.org/drawingml/2006/main" xmlns:r="http://schemas.openxmlformats.org/officeDocument/2006/relationships" xmlns:p="http://schemas.openxmlformats.org/presentationml/2006/main">
+  <p:cSld>
+    <p:spTree>
+      <p:nvGrpSpPr>
+        <p:cNvPr id="1" name=""/>
+        <p:cNvGrpSpPr/>
+        <p:nvPr/>
+      </p:nvGrpSpPr>
+      <p:grpSpPr>
+        <a:xfrm>
+          <a:off x="0" y="0"/>
+          <a:ext cx="0" cy="0"/>
+          <a:chOff x="0" y="0"/>
+          <a:chExt cx="0" cy="0"/>
+        </a:xfrm>
+      </p:grpSpPr>
+      <p:sp>
+        <p:nvSpPr>
+          <p:cNvPr id="312" name="TextShape 1"/>
+          <p:cNvSpPr txBox="1"/>
+          <p:nvPr/>
+        </p:nvSpPr>
+        <p:spPr>
+          <a:xfrm>
+            <a:off x="338760" y="1058760"/>
+            <a:ext cx="11514240" cy="4908600"/>
+          </a:xfrm>
+          <a:prstGeom prst="rect">
+            <a:avLst/>
+          </a:prstGeom>
+          <a:noFill/>
+          <a:ln>
+            <a:noFill/>
+          </a:ln>
+        </p:spPr>
+        <p:txBody>
+          <a:bodyPr lIns="90000" tIns="45000" rIns="90000" bIns="45000" anchor="t">
+            <a:noAutofit/>
+          </a:bodyPr>
+          <a:lstStyle/>
+          <a:p>
+            <a:pPr algn="ctr"/>
+            <a:endParaRPr lang="vi-VN" sz="2400" b="1" noProof="1"/>
+          </a:p>
+          <a:p>
+            <a:pPr marL="285750" indent="-285750">
+              <a:buFont typeface="Calibri"/>
+              <a:buChar char="-"/>
+            </a:pPr>
+            <a:r>
+              <a:rPr lang="vi-VN" sz="2000" b="1" noProof="1"/>
+              <a:t>Tổng quan</a:t>
+            </a:r>
+          </a:p>
+          <a:p>
+            <a:r>
+              <a:rPr lang="vi-VN" sz="2000" noProof="1"/>
+              <a:t>Dự án là một ứng dụng giao diện đồ họa (GUI) dùng để mô phỏng ba thuật toán sắp xếp phổ biến: </a:t>
+            </a:r>
+            <a:r>
+              <a:rPr lang="vi-VN" sz="2000" b="1" noProof="1"/>
+              <a:t>Bubble Sort</a:t>
+            </a:r>
+            <a:r>
+              <a:rPr lang="vi-VN" sz="2000" noProof="1"/>
+              <a:t>, </a:t>
+            </a:r>
+            <a:r>
+              <a:rPr lang="vi-VN" sz="2000" b="1" noProof="1"/>
+              <a:t>Quick Sort</a:t>
+            </a:r>
+            <a:r>
+              <a:rPr lang="vi-VN" sz="2000" noProof="1"/>
+              <a:t>, và </a:t>
+            </a:r>
+            <a:r>
+              <a:rPr lang="vi-VN" sz="2000" b="1" noProof="1"/>
+              <a:t>Insertion Sort</a:t>
+            </a:r>
+            <a:r>
+              <a:rPr lang="vi-VN" sz="2000" noProof="1"/>
+              <a:t>. Mục tiêu là giúp người dùng hiểu cách từng thuật toán hoạt động trên một mảng thông qua biểu diễn trực quan.</a:t>
+            </a:r>
+          </a:p>
+          <a:p>
+            <a:pPr marL="285750" indent="-285750">
+              <a:buFont typeface="Calibri"/>
+              <a:buChar char="-"/>
+            </a:pPr>
+            <a:r>
+              <a:rPr lang="vi-VN" sz="2000" b="1" noProof="1"/>
+              <a:t>Yêu cầu</a:t>
+            </a:r>
+          </a:p>
+          <a:p>
+            <a:r>
+              <a:rPr lang="vi-VN" sz="2000" b="1" noProof="1"/>
+              <a:t> Input:</a:t>
+            </a:r>
+            <a:r>
+              <a:rPr lang="vi-VN" sz="2000" noProof="1"/>
+              <a:t> Người dùng nhập mảng thủ công (các số cách nhau bằng dấu phẩy) hoặc tạo mảng ngẫu nhiên.</a:t>
+            </a:r>
+          </a:p>
+          <a:p>
+            <a:r>
+              <a:rPr lang="vi-VN" sz="2000" b="1" noProof="1"/>
+              <a:t> Process:</a:t>
+            </a:r>
+            <a:r>
+              <a:rPr lang="vi-VN" sz="2000" noProof="1"/>
+              <a:t> Người dùng chọn một thuật toán sắp xếp để bắt đầu mô phỏng. Từng bước sắp xếp sẽ được hiển thị trực quan.</a:t>
+            </a:r>
+          </a:p>
+          <a:p>
+            <a:r>
+              <a:rPr lang="vi-VN" sz="2000" b="1" noProof="1"/>
+              <a:t> Output:</a:t>
+            </a:r>
+            <a:r>
+              <a:rPr lang="vi-VN" sz="2000" noProof="1"/>
+              <a:t> Hiển thị chi tiết từng bước trong quá trình sắp xếp mảng.</a:t>
+            </a:r>
+          </a:p>
+          <a:p>
+            <a:r>
+              <a:rPr lang="vi-VN" sz="2000" b="1" noProof="1"/>
+              <a:t> Điều hướng:</a:t>
+            </a:r>
+            <a:r>
+              <a:rPr lang="vi-VN" sz="2000" noProof="1"/>
+              <a:t> Người dùng có thể quay lại menu chính bất cứ lúc nào.</a:t>
+            </a:r>
+          </a:p>
+          <a:p>
+            <a:r>
+              <a:rPr lang="vi-VN" sz="2000" b="1" noProof="1"/>
+              <a:t> Help Menu:</a:t>
+            </a:r>
+            <a:r>
+              <a:rPr lang="vi-VN" sz="2000" noProof="1"/>
+              <a:t> Cung cấp hướng dẫn cơ bản về cách sử dụng ứng dụng.</a:t>
+            </a:r>
+            <a:endParaRPr lang="vi-VN" sz="2000" b="0" strike="noStrike" spc="-1" noProof="1">
+              <a:solidFill>
+                <a:srgbClr val="000000"/>
+              </a:solidFill>
+              <a:latin typeface="Calibri"/>
+            </a:endParaRPr>
+          </a:p>
+        </p:txBody>
+      </p:sp>
+      <p:sp>
+        <p:nvSpPr>
+          <p:cNvPr id="313" name="TextShape 2"/>
+          <p:cNvSpPr txBox="1"/>
+          <p:nvPr/>
+        </p:nvSpPr>
+        <p:spPr>
+          <a:xfrm>
+            <a:off x="338760" y="112680"/>
+            <a:ext cx="11514240" cy="435600"/>
+          </a:xfrm>
+          <a:prstGeom prst="rect">
+            <a:avLst/>
+          </a:prstGeom>
+          <a:noFill/>
+          <a:ln>
+            <a:noFill/>
+          </a:ln>
+        </p:spPr>
+        <p:txBody>
+          <a:bodyPr lIns="90000" tIns="45000" rIns="90000" bIns="45000" anchor="t">
+            <a:noAutofit/>
+          </a:bodyPr>
+          <a:lstStyle/>
+          <a:p>
+            <a:pPr algn="ctr"/>
+            <a:r>
+              <a:rPr lang="vi-VN" sz="2400" b="1" baseline="0" noProof="1">
+                <a:solidFill>
+                  <a:schemeClr val="bg1"/>
+                </a:solidFill>
+                <a:latin typeface="Arial"/>
+              </a:rPr>
+              <a:t>Mô tả Mini-Project</a:t>
+            </a:r>
+            <a:endParaRPr lang="vi-VN" sz="1800" b="0" strike="noStrike" spc="-1" noProof="1">
+              <a:solidFill>
+                <a:schemeClr val="bg1"/>
+              </a:solidFill>
+              <a:latin typeface="Calibri"/>
+            </a:endParaRPr>
+          </a:p>
+        </p:txBody>
+      </p:sp>
+    </p:spTree>
+  </p:cSld>
+  <p:clrMapOvr>
+    <a:masterClrMapping/>
+  </p:clrMapOvr>
+</p:sld>
+</file>
+
+<file path=ppt/slides/slide5.xml><?xml version="1.0" encoding="utf-8"?>
+<p:sld xmlns:a="http://schemas.openxmlformats.org/drawingml/2006/main" xmlns:r="http://schemas.openxmlformats.org/officeDocument/2006/relationships" xmlns:p="http://schemas.openxmlformats.org/presentationml/2006/main">
+  <p:cSld>
+    <p:spTree>
+      <p:nvGrpSpPr>
+        <p:cNvPr id="1" name=""/>
+        <p:cNvGrpSpPr/>
+        <p:nvPr/>
+      </p:nvGrpSpPr>
+      <p:grpSpPr>
+        <a:xfrm>
+          <a:off x="0" y="0"/>
+          <a:ext cx="0" cy="0"/>
+          <a:chOff x="0" y="0"/>
+          <a:chExt cx="0" cy="0"/>
+        </a:xfrm>
+      </p:grpSpPr>
+      <p:sp>
+        <p:nvSpPr>
+          <p:cNvPr id="314" name="TextShape 1"/>
+          <p:cNvSpPr txBox="1"/>
+          <p:nvPr/>
+        </p:nvSpPr>
+        <p:spPr>
+          <a:xfrm>
+            <a:off x="338760" y="112680"/>
+            <a:ext cx="11514240" cy="435600"/>
+          </a:xfrm>
+          <a:prstGeom prst="rect">
+            <a:avLst/>
+          </a:prstGeom>
+          <a:noFill/>
+          <a:ln>
+            <a:noFill/>
+          </a:ln>
+        </p:spPr>
+        <p:txBody>
+          <a:bodyPr lIns="90000" tIns="45000" rIns="90000" bIns="45000" anchor="t">
+            <a:noAutofit/>
+          </a:bodyPr>
+          <a:lstStyle/>
+          <a:p>
+            <a:pPr algn="ctr"/>
+            <a:r>
+              <a:rPr lang="en-US" sz="2000" spc="-1">
+                <a:solidFill>
+                  <a:schemeClr val="bg1"/>
+                </a:solidFill>
+                <a:latin typeface="Calibri"/>
+              </a:rPr>
+              <a:t>USE CASE</a:t>
+            </a:r>
+            <a:endParaRPr lang="vi-VN" sz="2000">
+              <a:solidFill>
+                <a:schemeClr val="bg1"/>
+              </a:solidFill>
+            </a:endParaRPr>
+          </a:p>
+        </p:txBody>
+      </p:sp>
+      <p:pic>
+        <p:nvPicPr>
+          <p:cNvPr id="2" name="Hình ảnh 1" descr="Ảnh có chứa văn bản, biểu đồ, ảnh chụp màn hình, hình vẽ&#10;&#10;Mô tả được tự động tạo">
+            <a:extLst>
+              <a:ext uri="{FF2B5EF4-FFF2-40B4-BE49-F238E27FC236}">
+                <a16:creationId xmlns:a16="http://schemas.microsoft.com/office/drawing/2014/main" id="{D23A2D03-4E2E-E18E-41AC-F517D696E7ED}"/>
+              </a:ext>
+            </a:extLst>
+          </p:cNvPr>
+          <p:cNvPicPr>
+            <a:picLocks noChangeAspect="1"/>
+          </p:cNvPicPr>
+          <p:nvPr/>
+        </p:nvPicPr>
+        <p:blipFill>
+          <a:blip r:embed="rId2"/>
+          <a:srcRect r="-1706" b="13085"/>
+          <a:stretch/>
+        </p:blipFill>
+        <p:spPr>
+          <a:xfrm>
+            <a:off x="2234010" y="1239416"/>
+            <a:ext cx="6954255" cy="4798847"/>
+          </a:xfrm>
+          <a:prstGeom prst="rect">
+            <a:avLst/>
+          </a:prstGeom>
+        </p:spPr>
+      </p:pic>
+    </p:spTree>
+  </p:cSld>
+  <p:clrMapOvr>
+    <a:masterClrMapping/>
+  </p:clrMapOvr>
+</p:sld>
+</file>
+
+<file path=ppt/slides/slide6.xml><?xml version="1.0" encoding="utf-8"?>
+<p:sld xmlns:a="http://schemas.openxmlformats.org/drawingml/2006/main" xmlns:r="http://schemas.openxmlformats.org/officeDocument/2006/relationships" xmlns:p="http://schemas.openxmlformats.org/presentationml/2006/main">
+  <p:cSld>
+    <p:spTree>
+      <p:nvGrpSpPr>
+        <p:cNvPr id="1" name=""/>
+        <p:cNvGrpSpPr/>
+        <p:nvPr/>
+      </p:nvGrpSpPr>
+      <p:grpSpPr>
+        <a:xfrm>
+          <a:off x="0" y="0"/>
+          <a:ext cx="0" cy="0"/>
+          <a:chOff x="0" y="0"/>
+          <a:chExt cx="0" cy="0"/>
+        </a:xfrm>
+      </p:grpSpPr>
+      <p:sp>
+        <p:nvSpPr>
+          <p:cNvPr id="315" name="TextShape 1"/>
+          <p:cNvSpPr txBox="1"/>
+          <p:nvPr/>
+        </p:nvSpPr>
+        <p:spPr>
+          <a:xfrm>
+            <a:off x="338760" y="112680"/>
+            <a:ext cx="11514240" cy="435600"/>
+          </a:xfrm>
+          <a:prstGeom prst="rect">
+            <a:avLst/>
+          </a:prstGeom>
+          <a:noFill/>
+          <a:ln>
+            <a:noFill/>
+          </a:ln>
+        </p:spPr>
+        <p:txBody>
+          <a:bodyPr lIns="90000" tIns="45000" rIns="90000" bIns="45000" anchor="t">
+            <a:noAutofit/>
+          </a:bodyPr>
+          <a:lstStyle/>
+          <a:p>
+            <a:pPr algn="ctr"/>
+            <a:r>
+              <a:rPr lang="vi-VN" sz="2000" err="1">
+                <a:solidFill>
+                  <a:schemeClr val="bg1"/>
+                </a:solidFill>
+              </a:rPr>
+              <a:t>General</a:t>
+            </a:r>
+            <a:r>
+              <a:rPr lang="vi-VN" sz="2000">
+                <a:solidFill>
+                  <a:schemeClr val="bg1"/>
+                </a:solidFill>
+              </a:rPr>
+              <a:t> </a:t>
+            </a:r>
+            <a:r>
+              <a:rPr lang="vi-VN" sz="2000" err="1">
+                <a:solidFill>
+                  <a:schemeClr val="bg1"/>
+                </a:solidFill>
+              </a:rPr>
+              <a:t>class</a:t>
+            </a:r>
+            <a:r>
+              <a:rPr lang="vi-VN" sz="2000">
+                <a:solidFill>
+                  <a:schemeClr val="bg1"/>
+                </a:solidFill>
+              </a:rPr>
+              <a:t> </a:t>
+            </a:r>
+            <a:r>
+              <a:rPr lang="vi-VN" sz="2000" err="1">
+                <a:solidFill>
+                  <a:schemeClr val="bg1"/>
+                </a:solidFill>
+              </a:rPr>
+              <a:t>diagram</a:t>
+            </a:r>
+            <a:endParaRPr lang="vi-VN" sz="2000" b="0" strike="noStrike" err="1">
+              <a:solidFill>
+                <a:schemeClr val="bg1"/>
+              </a:solidFill>
+              <a:latin typeface="Arial"/>
+            </a:endParaRPr>
+          </a:p>
+        </p:txBody>
+      </p:sp>
+      <p:pic>
+        <p:nvPicPr>
+          <p:cNvPr id="2" name="Hình ảnh 1" descr="Ảnh có chứa văn bản, ảnh chụp màn hình, biểu đồ, Hình chữ nhật&#10;&#10;Mô tả được tự động tạo">
+            <a:extLst>
+              <a:ext uri="{FF2B5EF4-FFF2-40B4-BE49-F238E27FC236}">
+                <a16:creationId xmlns:a16="http://schemas.microsoft.com/office/drawing/2014/main" id="{0EBDEE71-FEC9-EF45-3224-E0C5650F1815}"/>
+              </a:ext>
+            </a:extLst>
+          </p:cNvPr>
+          <p:cNvPicPr>
+            <a:picLocks noChangeAspect="1"/>
+          </p:cNvPicPr>
+          <p:nvPr/>
+        </p:nvPicPr>
+        <p:blipFill>
+          <a:blip r:embed="rId2"/>
+          <a:srcRect l="3192" t="3024" r="4850" b="3970"/>
+          <a:stretch/>
+        </p:blipFill>
+        <p:spPr>
+          <a:xfrm>
+            <a:off x="1404150" y="881766"/>
+            <a:ext cx="8515115" cy="5551826"/>
+          </a:xfrm>
+          <a:prstGeom prst="rect">
+            <a:avLst/>
+          </a:prstGeom>
+        </p:spPr>
+      </p:pic>
+    </p:spTree>
+  </p:cSld>
+  <p:clrMapOvr>
+    <a:masterClrMapping/>
+  </p:clrMapOvr>
+</p:sld>
+</file>
+
+<file path=ppt/slides/slide7.xml><?xml version="1.0" encoding="utf-8"?>
+<p:sld xmlns:a="http://schemas.openxmlformats.org/drawingml/2006/main" xmlns:r="http://schemas.openxmlformats.org/officeDocument/2006/relationships" xmlns:p="http://schemas.openxmlformats.org/presentationml/2006/main">
+  <p:cSld>
+    <p:spTree>
+      <p:nvGrpSpPr>
+        <p:cNvPr id="1" name=""/>
+        <p:cNvGrpSpPr/>
+        <p:nvPr/>
+      </p:nvGrpSpPr>
+      <p:grpSpPr>
+        <a:xfrm>
+          <a:off x="0" y="0"/>
+          <a:ext cx="0" cy="0"/>
+          <a:chOff x="0" y="0"/>
+          <a:chExt cx="0" cy="0"/>
+        </a:xfrm>
+      </p:grpSpPr>
+      <p:sp>
+        <p:nvSpPr>
+          <p:cNvPr id="2" name="Tiêu đề 1">
+            <a:extLst>
+              <a:ext uri="{FF2B5EF4-FFF2-40B4-BE49-F238E27FC236}">
+                <a16:creationId xmlns:a16="http://schemas.microsoft.com/office/drawing/2014/main" id="{CE747659-B03D-0A76-6120-363E7751C055}"/>
+              </a:ext>
+            </a:extLst>
+          </p:cNvPr>
+          <p:cNvSpPr>
+            <a:spLocks noGrp="1"/>
+          </p:cNvSpPr>
+          <p:nvPr>
+            <p:ph type="title"/>
+          </p:nvPr>
+        </p:nvSpPr>
+        <p:spPr>
+          <a:xfrm>
+            <a:off x="609480" y="228108"/>
+            <a:ext cx="10972440" cy="883218"/>
+          </a:xfrm>
+        </p:spPr>
+        <p:txBody>
+          <a:bodyPr/>
+          <a:lstStyle/>
+          <a:p>
+            <a:r>
+              <a:rPr lang="en-US" sz="2800" dirty="0">
+                <a:solidFill>
+                  <a:schemeClr val="bg1"/>
+                </a:solidFill>
+                <a:cs typeface="Arial"/>
+              </a:rPr>
+              <a:t>Package </a:t>
+            </a:r>
+            <a:r>
+              <a:rPr lang="en-US" sz="2800" err="1">
+                <a:solidFill>
+                  <a:schemeClr val="bg1"/>
+                </a:solidFill>
+                <a:cs typeface="Arial"/>
+              </a:rPr>
+              <a:t>MainMenu</a:t>
+            </a:r>
+            <a:endParaRPr lang="vi-VN" sz="2800" err="1">
+              <a:solidFill>
+                <a:schemeClr val="bg1"/>
+              </a:solidFill>
+              <a:cs typeface="Arial"/>
+            </a:endParaRPr>
+          </a:p>
+          <a:p>
+            <a:endParaRPr lang="vi-VN"/>
+          </a:p>
+        </p:txBody>
+      </p:sp>
+      <p:sp>
+        <p:nvSpPr>
+          <p:cNvPr id="3" name="Tiêu đề phụ 2">
+            <a:extLst>
+              <a:ext uri="{FF2B5EF4-FFF2-40B4-BE49-F238E27FC236}">
+                <a16:creationId xmlns:a16="http://schemas.microsoft.com/office/drawing/2014/main" id="{25BDBB82-98A0-77B3-9019-F9A793F2059B}"/>
+              </a:ext>
+            </a:extLst>
+          </p:cNvPr>
+          <p:cNvSpPr>
+            <a:spLocks noGrp="1"/>
+          </p:cNvSpPr>
+          <p:nvPr>
+            <p:ph type="subTitle"/>
+          </p:nvPr>
+        </p:nvSpPr>
+        <p:spPr>
+          <a:xfrm>
+            <a:off x="609480" y="1126849"/>
+            <a:ext cx="5465057" cy="4454951"/>
+          </a:xfrm>
+        </p:spPr>
+        <p:txBody>
+          <a:bodyPr/>
+          <a:lstStyle/>
+          <a:p>
+            <a:pPr marL="285750" indent="-285750">
+              <a:buFont typeface="Arial"/>
+              <a:buChar char="•"/>
+            </a:pPr>
+            <a:r>
+              <a:rPr lang="vi-VN" sz="2400" dirty="0">
+                <a:ea typeface="+mj-lt"/>
+                <a:cs typeface="+mj-lt"/>
+              </a:rPr>
+              <a:t>Đây là </a:t>
+            </a:r>
+            <a:r>
+              <a:rPr lang="vi-VN" sz="2400" err="1">
+                <a:ea typeface="+mj-lt"/>
+                <a:cs typeface="+mj-lt"/>
+              </a:rPr>
+              <a:t>package</a:t>
+            </a:r>
+            <a:r>
+              <a:rPr lang="vi-VN" sz="2400" dirty="0">
+                <a:ea typeface="+mj-lt"/>
+                <a:cs typeface="+mj-lt"/>
+              </a:rPr>
+              <a:t> chịu trách nhiệm quản lý giao diện chính của ứng dụng.</a:t>
+            </a:r>
+            <a:endParaRPr lang="vi-VN" sz="2400" dirty="0"/>
+          </a:p>
+          <a:p>
+            <a:pPr marL="285750" indent="-285750">
+              <a:buFont typeface="Arial"/>
+              <a:buChar char="•"/>
+            </a:pPr>
+            <a:endParaRPr lang="vi-VN" sz="2400" dirty="0">
+              <a:ea typeface="+mj-lt"/>
+              <a:cs typeface="+mj-lt"/>
+            </a:endParaRPr>
+          </a:p>
+          <a:p>
+            <a:pPr marL="285750" indent="-285750">
+              <a:buFont typeface="Arial"/>
+              <a:buChar char="•"/>
+            </a:pPr>
+            <a:r>
+              <a:rPr lang="vi-VN" sz="2400" dirty="0">
+                <a:ea typeface="+mj-lt"/>
+                <a:cs typeface="+mj-lt"/>
+              </a:rPr>
+              <a:t>Cung cấp các chức năng cơ bản như chọn thuật toán sắp xếp, xem hướng dẫn, và thoát ứng dụng.</a:t>
+            </a:r>
+            <a:endParaRPr lang="vi-VN" sz="2400" dirty="0"/>
+          </a:p>
+          <a:p>
+            <a:endParaRPr lang="vi-VN" sz="2400" dirty="0"/>
+          </a:p>
+        </p:txBody>
+      </p:sp>
+      <p:pic>
+        <p:nvPicPr>
+          <p:cNvPr id="5" name="Hình ảnh 4" descr="Ảnh có chứa văn bản, ảnh chụp màn hình, Hình chữ nhật, Song song&#10;&#10;Mô tả được tự động tạo">
+            <a:extLst>
+              <a:ext uri="{FF2B5EF4-FFF2-40B4-BE49-F238E27FC236}">
+                <a16:creationId xmlns:a16="http://schemas.microsoft.com/office/drawing/2014/main" id="{27F858FC-1922-F7FE-4DA1-337EF87A8216}"/>
+              </a:ext>
+            </a:extLst>
+          </p:cNvPr>
+          <p:cNvPicPr>
+            <a:picLocks noChangeAspect="1"/>
+          </p:cNvPicPr>
+          <p:nvPr/>
+        </p:nvPicPr>
+        <p:blipFill>
+          <a:blip r:embed="rId2"/>
+          <a:stretch>
+            <a:fillRect/>
+          </a:stretch>
+        </p:blipFill>
+        <p:spPr>
+          <a:xfrm>
+            <a:off x="6096000" y="895257"/>
+            <a:ext cx="5334197" cy="5067486"/>
+          </a:xfrm>
+          <a:prstGeom prst="rect">
+            <a:avLst/>
+          </a:prstGeom>
+        </p:spPr>
+      </p:pic>
+    </p:spTree>
+    <p:extLst>
+      <p:ext uri="{BB962C8B-B14F-4D97-AF65-F5344CB8AC3E}">
+        <p14:creationId xmlns:p14="http://schemas.microsoft.com/office/powerpoint/2010/main" val="2185674200"/>
+      </p:ext>
+    </p:extLst>
+  </p:cSld>
+  <p:clrMapOvr>
+    <a:masterClrMapping/>
+  </p:clrMapOvr>
+</p:sld>
+</file>
+
+<file path=ppt/slides/slide8.xml><?xml version="1.0" encoding="utf-8"?>
+<p:sld xmlns:a="http://schemas.openxmlformats.org/drawingml/2006/main" xmlns:r="http://schemas.openxmlformats.org/officeDocument/2006/relationships" xmlns:p="http://schemas.openxmlformats.org/presentationml/2006/main">
+  <p:cSld>
+    <p:spTree>
+      <p:nvGrpSpPr>
+        <p:cNvPr id="1" name=""/>
+        <p:cNvGrpSpPr/>
+        <p:nvPr/>
+      </p:nvGrpSpPr>
+      <p:grpSpPr>
+        <a:xfrm>
+          <a:off x="0" y="0"/>
+          <a:ext cx="0" cy="0"/>
+          <a:chOff x="0" y="0"/>
+          <a:chExt cx="0" cy="0"/>
+        </a:xfrm>
+      </p:grpSpPr>
+      <p:sp>
+        <p:nvSpPr>
+          <p:cNvPr id="2" name="Tiêu đề 1">
+            <a:extLst>
+              <a:ext uri="{FF2B5EF4-FFF2-40B4-BE49-F238E27FC236}">
+                <a16:creationId xmlns:a16="http://schemas.microsoft.com/office/drawing/2014/main" id="{B0A2FB92-194C-ACF2-4CC6-7B8FA344A7A5}"/>
+              </a:ext>
+            </a:extLst>
+          </p:cNvPr>
+          <p:cNvSpPr>
+            <a:spLocks noGrp="1"/>
+          </p:cNvSpPr>
+          <p:nvPr>
+            <p:ph type="title"/>
+          </p:nvPr>
+        </p:nvSpPr>
+        <p:spPr>
+          <a:xfrm>
+            <a:off x="609480" y="-101714"/>
+            <a:ext cx="10972440" cy="928711"/>
+          </a:xfrm>
+        </p:spPr>
+        <p:txBody>
+          <a:bodyPr/>
+          <a:lstStyle/>
+          <a:p>
+            <a:r>
+              <a:rPr lang="vi-VN" sz="2800" err="1">
+                <a:solidFill>
+                  <a:schemeClr val="bg1"/>
+                </a:solidFill>
+                <a:ea typeface="+mj-lt"/>
+                <a:cs typeface="+mj-lt"/>
+              </a:rPr>
+              <a:t>Package</a:t>
+            </a:r>
+            <a:r>
+              <a:rPr lang="vi-VN" sz="2800">
+                <a:solidFill>
+                  <a:schemeClr val="bg1"/>
+                </a:solidFill>
+                <a:ea typeface="+mj-lt"/>
+                <a:cs typeface="+mj-lt"/>
+              </a:rPr>
+              <a:t> CreateArrayUIStage1</a:t>
+            </a:r>
+            <a:endParaRPr lang="vi-VN" sz="2800">
+              <a:solidFill>
+                <a:schemeClr val="bg1"/>
+              </a:solidFill>
+            </a:endParaRPr>
+          </a:p>
+        </p:txBody>
+      </p:sp>
+      <p:sp>
+        <p:nvSpPr>
+          <p:cNvPr id="3" name="Tiêu đề phụ 2">
+            <a:extLst>
+              <a:ext uri="{FF2B5EF4-FFF2-40B4-BE49-F238E27FC236}">
+                <a16:creationId xmlns:a16="http://schemas.microsoft.com/office/drawing/2014/main" id="{A0FD35FE-E35E-064A-7BFE-74823201777A}"/>
+              </a:ext>
+            </a:extLst>
+          </p:cNvPr>
+          <p:cNvSpPr>
+            <a:spLocks noGrp="1"/>
+          </p:cNvSpPr>
+          <p:nvPr>
+            <p:ph type="subTitle"/>
+          </p:nvPr>
+        </p:nvSpPr>
+        <p:spPr>
+          <a:xfrm>
+            <a:off x="609480" y="1035864"/>
+            <a:ext cx="4103067" cy="4545936"/>
+          </a:xfrm>
+        </p:spPr>
+        <p:txBody>
+          <a:bodyPr lIns="0" tIns="0" rIns="0" bIns="0" anchor="ctr">
+            <a:noAutofit/>
+          </a:bodyPr>
+          <a:lstStyle/>
+          <a:p>
+            <a:pPr marL="285750" indent="-285750">
+              <a:buFont typeface="Arial"/>
+              <a:buChar char="•"/>
+            </a:pPr>
+            <a:r>
+              <a:rPr lang="vi-VN" sz="2400" dirty="0">
+                <a:ea typeface="+mj-lt"/>
+                <a:cs typeface="+mj-lt"/>
+              </a:rPr>
+              <a:t>Đây là giai đoạn đầu tiên trong quá trình tạo mảng.</a:t>
+            </a:r>
+            <a:endParaRPr lang="vi-VN" dirty="0"/>
+          </a:p>
+          <a:p>
+            <a:pPr marL="285750" indent="-285750">
+              <a:buFont typeface="Arial"/>
+              <a:buChar char="•"/>
+            </a:pPr>
+            <a:endParaRPr lang="vi-VN" sz="2400" dirty="0">
+              <a:ea typeface="+mj-lt"/>
+              <a:cs typeface="+mj-lt"/>
+            </a:endParaRPr>
+          </a:p>
+          <a:p>
+            <a:pPr marL="285750" indent="-285750">
+              <a:buFont typeface="Arial,Sans-Serif"/>
+              <a:buChar char="•"/>
+            </a:pPr>
+            <a:r>
+              <a:rPr lang="vi-VN" sz="2400" dirty="0">
+                <a:ea typeface="+mj-lt"/>
+                <a:cs typeface="+mj-lt"/>
+              </a:rPr>
+              <a:t>Cung cấp giao diện để người dùng nhập số phần tử của mảng và chọn cách tạo mảng: Nhập thủ công/ Tạo ngẫu nhiên.</a:t>
+            </a:r>
+          </a:p>
+          <a:p>
+            <a:pPr marL="285750" indent="-285750">
+              <a:buFont typeface="Arial"/>
+              <a:buChar char="•"/>
+            </a:pPr>
+            <a:endParaRPr lang="vi-VN" sz="2400" dirty="0">
+              <a:cs typeface="Arial"/>
+            </a:endParaRPr>
+          </a:p>
+          <a:p>
+            <a:endParaRPr lang="vi-VN" sz="2400" dirty="0">
+              <a:ea typeface="+mj-lt"/>
+              <a:cs typeface="+mj-lt"/>
+            </a:endParaRPr>
+          </a:p>
+        </p:txBody>
+      </p:sp>
+      <p:pic>
+        <p:nvPicPr>
+          <p:cNvPr id="5" name="Hình ảnh 4" descr="Ảnh có chứa văn bản, ảnh chụp màn hình, Hình chữ nhật, biểu đồ&#10;&#10;Mô tả được tự động tạo">
+            <a:extLst>
+              <a:ext uri="{FF2B5EF4-FFF2-40B4-BE49-F238E27FC236}">
+                <a16:creationId xmlns:a16="http://schemas.microsoft.com/office/drawing/2014/main" id="{5DD9873A-B615-F705-9376-2FF1F7675764}"/>
+              </a:ext>
+            </a:extLst>
+          </p:cNvPr>
+          <p:cNvPicPr>
+            <a:picLocks noChangeAspect="1"/>
+          </p:cNvPicPr>
+          <p:nvPr/>
+        </p:nvPicPr>
+        <p:blipFill>
+          <a:blip r:embed="rId2"/>
+          <a:stretch>
+            <a:fillRect/>
+          </a:stretch>
+        </p:blipFill>
+        <p:spPr>
+          <a:xfrm>
+            <a:off x="4879404" y="849313"/>
+            <a:ext cx="6703566" cy="5461000"/>
+          </a:xfrm>
+          <a:prstGeom prst="rect">
+            <a:avLst/>
+          </a:prstGeom>
+        </p:spPr>
+      </p:pic>
+    </p:spTree>
+    <p:extLst>
+      <p:ext uri="{BB962C8B-B14F-4D97-AF65-F5344CB8AC3E}">
+        <p14:creationId xmlns:p14="http://schemas.microsoft.com/office/powerpoint/2010/main" val="465795323"/>
+      </p:ext>
+    </p:extLst>
+  </p:cSld>
+  <p:clrMapOvr>
+    <a:masterClrMapping/>
+  </p:clrMapOvr>
+</p:sld>
+</file>
+
 <file path=ppt/slides/slide9.xml><?xml version="1.0" encoding="utf-8"?>
 <p:sld xmlns:a="http://schemas.openxmlformats.org/drawingml/2006/main" xmlns:r="http://schemas.openxmlformats.org/officeDocument/2006/relationships" xmlns:p="http://schemas.openxmlformats.org/presentationml/2006/main">
   <p:cSld>
@@ -17714,63 +21762,220 @@
       </p:grpSpPr>
       <p:sp>
         <p:nvSpPr>
-          <p:cNvPr id="321" name="CustomShape 1"/>
-          <p:cNvSpPr/>
-          <p:nvPr/>
-        </p:nvSpPr>
-        <p:spPr>
-          <a:xfrm>
-            <a:off x="5756400" y="2824200"/>
-            <a:ext cx="5136480" cy="970920"/>
-          </a:xfrm>
-          <a:prstGeom prst="rect">
-            <a:avLst/>
-          </a:prstGeom>
-          <a:noFill/>
-          <a:ln>
-            <a:noFill/>
-          </a:ln>
-        </p:spPr>
-        <p:style>
-          <a:lnRef idx="0">
-            <a:scrgbClr r="0" g="0" b="0"/>
-          </a:lnRef>
-          <a:fillRef idx="0">
-            <a:scrgbClr r="0" g="0" b="0"/>
-          </a:fillRef>
-          <a:effectRef idx="0">
-            <a:scrgbClr r="0" g="0" b="0"/>
-          </a:effectRef>
-          <a:fontRef idx="minor"/>
-        </p:style>
-        <p:txBody>
-          <a:bodyPr lIns="90000" tIns="45000" rIns="90000" bIns="45000">
-            <a:noAutofit/>
-          </a:bodyPr>
-          <a:lstStyle/>
-          <a:p>
-            <a:pPr>
-              <a:lnSpc>
-                <a:spcPct val="90000"/>
-              </a:lnSpc>
+          <p:cNvPr id="2" name="Tiêu đề 1">
+            <a:extLst>
+              <a:ext uri="{FF2B5EF4-FFF2-40B4-BE49-F238E27FC236}">
+                <a16:creationId xmlns:a16="http://schemas.microsoft.com/office/drawing/2014/main" id="{CD4E9FBA-D249-0898-9122-50BE5840E81C}"/>
+              </a:ext>
+            </a:extLst>
+          </p:cNvPr>
+          <p:cNvSpPr>
+            <a:spLocks noGrp="1"/>
+          </p:cNvSpPr>
+          <p:nvPr>
+            <p:ph type="title"/>
+          </p:nvPr>
+        </p:nvSpPr>
+        <p:spPr>
+          <a:xfrm>
+            <a:off x="609480" y="80257"/>
+            <a:ext cx="10972440" cy="1133427"/>
+          </a:xfrm>
+        </p:spPr>
+        <p:txBody>
+          <a:bodyPr/>
+          <a:lstStyle/>
+          <a:p>
+            <a:r>
+              <a:rPr lang="en-US" sz="2800">
+                <a:solidFill>
+                  <a:schemeClr val="bg1"/>
+                </a:solidFill>
+                <a:cs typeface="Arial"/>
+              </a:rPr>
+              <a:t>Package CreateArrayUIStage2</a:t>
+            </a:r>
+            <a:endParaRPr lang="vi-VN" sz="2800">
+              <a:solidFill>
+                <a:schemeClr val="bg1"/>
+              </a:solidFill>
+              <a:cs typeface="Arial"/>
+            </a:endParaRPr>
+          </a:p>
+          <a:p>
+            <a:endParaRPr lang="vi-VN"/>
+          </a:p>
+        </p:txBody>
+      </p:sp>
+      <p:sp>
+        <p:nvSpPr>
+          <p:cNvPr id="3" name="Tiêu đề phụ 2">
+            <a:extLst>
+              <a:ext uri="{FF2B5EF4-FFF2-40B4-BE49-F238E27FC236}">
+                <a16:creationId xmlns:a16="http://schemas.microsoft.com/office/drawing/2014/main" id="{F454A014-9C8D-E010-6B3F-27632D06FFCF}"/>
+              </a:ext>
+            </a:extLst>
+          </p:cNvPr>
+          <p:cNvSpPr>
+            <a:spLocks noGrp="1"/>
+          </p:cNvSpPr>
+          <p:nvPr>
+            <p:ph type="subTitle"/>
+          </p:nvPr>
+        </p:nvSpPr>
+        <p:spPr>
+          <a:xfrm>
+            <a:off x="529868" y="1431255"/>
+            <a:ext cx="4464339" cy="4389381"/>
+          </a:xfrm>
+        </p:spPr>
+        <p:txBody>
+          <a:bodyPr/>
+          <a:lstStyle/>
+          <a:p>
+            <a:pPr marL="285750" indent="-285750">
+              <a:buFont typeface="Arial"/>
+              <a:buChar char="•"/>
             </a:pPr>
             <a:r>
-              <a:rPr lang="en-US" sz="6000" b="1" strike="noStrike" spc="-1">
-                <a:solidFill>
-                  <a:srgbClr val="C00000"/>
-                </a:solidFill>
-                <a:latin typeface="Lato"/>
-                <a:ea typeface="Lato"/>
+              <a:rPr lang="vi-VN" sz="2400" dirty="0">
+                <a:ea typeface="+mj-lt"/>
+                <a:cs typeface="+mj-lt"/>
               </a:rPr>
-              <a:t>THANK YOU !</a:t>
+              <a:t>Quản lý quá trình tạo mảng chi tiết.</a:t>
             </a:r>
-            <a:endParaRPr lang="en-US" sz="6000" b="0" strike="noStrike" spc="-1">
-              <a:latin typeface="Arial"/>
-            </a:endParaRPr>
-          </a:p>
-        </p:txBody>
-      </p:sp>
+            <a:endParaRPr lang="vi-VN" sz="2400" dirty="0"/>
+          </a:p>
+          <a:p>
+            <a:pPr marL="285750" indent="-285750">
+              <a:buFont typeface="Arial"/>
+              <a:buChar char="•"/>
+            </a:pPr>
+            <a:endParaRPr lang="vi-VN" sz="2400" dirty="0">
+              <a:ea typeface="+mj-lt"/>
+              <a:cs typeface="+mj-lt"/>
+            </a:endParaRPr>
+          </a:p>
+          <a:p>
+            <a:pPr marL="285750" indent="-285750">
+              <a:buFont typeface="Arial"/>
+              <a:buChar char="•"/>
+            </a:pPr>
+            <a:r>
+              <a:rPr lang="vi-VN" sz="2400" dirty="0">
+                <a:ea typeface="+mj-lt"/>
+                <a:cs typeface="+mj-lt"/>
+              </a:rPr>
+              <a:t>Cho phép người dùng:</a:t>
+            </a:r>
+          </a:p>
+          <a:p>
+            <a:pPr>
+              <a:spcBef>
+                <a:spcPts val="0"/>
+              </a:spcBef>
+            </a:pPr>
+            <a:r>
+              <a:rPr lang="vi-VN" sz="2400">
+                <a:ea typeface="+mj-lt"/>
+                <a:cs typeface="+mj-lt"/>
+              </a:rPr>
+              <a:t> + Nhập từng phần tử của mảng </a:t>
+            </a:r>
+            <a:r>
+              <a:rPr lang="vi-VN" sz="2400" dirty="0">
+                <a:ea typeface="+mj-lt"/>
+                <a:cs typeface="+mj-lt"/>
+              </a:rPr>
+              <a:t>(nếu chọn thủ công).</a:t>
+            </a:r>
+            <a:endParaRPr lang="vi-VN" sz="2400"/>
+          </a:p>
+          <a:p>
+            <a:pPr>
+              <a:spcBef>
+                <a:spcPts val="0"/>
+              </a:spcBef>
+            </a:pPr>
+            <a:r>
+              <a:rPr lang="vi-VN" sz="2400">
+                <a:cs typeface="Arial"/>
+              </a:rPr>
+              <a:t> + Xem mảng đã được tạo ngẫu </a:t>
+            </a:r>
+            <a:r>
+              <a:rPr lang="vi-VN" sz="2400" dirty="0">
+                <a:cs typeface="Arial"/>
+              </a:rPr>
+              <a:t>nhiên(nếu chọn ngẫu nhiên)</a:t>
+            </a:r>
+          </a:p>
+          <a:p>
+            <a:pPr>
+              <a:spcBef>
+                <a:spcPts val="0"/>
+              </a:spcBef>
+            </a:pPr>
+            <a:endParaRPr lang="vi-VN" sz="2400" dirty="0">
+              <a:ea typeface="+mj-lt"/>
+              <a:cs typeface="+mj-lt"/>
+            </a:endParaRPr>
+          </a:p>
+          <a:p>
+            <a:pPr marL="285750" indent="-285750">
+              <a:buFont typeface="Arial"/>
+              <a:buChar char="•"/>
+            </a:pPr>
+            <a:r>
+              <a:rPr lang="vi-VN" sz="2400" dirty="0">
+                <a:ea typeface="+mj-lt"/>
+                <a:cs typeface="+mj-lt"/>
+              </a:rPr>
+              <a:t>Hiển thị thông báo lỗi nếu người dùng nhập thiếu phần tử khi chọn cách nhập thủ công.</a:t>
+            </a:r>
+            <a:endParaRPr lang="vi-VN" sz="2400" dirty="0"/>
+          </a:p>
+          <a:p>
+            <a:endParaRPr lang="vi-VN" sz="2400" dirty="0"/>
+          </a:p>
+        </p:txBody>
+      </p:sp>
+      <p:pic>
+        <p:nvPicPr>
+          <p:cNvPr id="5" name="Hình ảnh 4" descr="Ảnh có chứa văn bản, ảnh chụp màn hình, biểu đồ, Song song&#10;&#10;Mô tả được tự động tạo">
+            <a:extLst>
+              <a:ext uri="{FF2B5EF4-FFF2-40B4-BE49-F238E27FC236}">
+                <a16:creationId xmlns:a16="http://schemas.microsoft.com/office/drawing/2014/main" id="{69D542F7-F241-C97E-4A25-551311EE576E}"/>
+              </a:ext>
+            </a:extLst>
+          </p:cNvPr>
+          <p:cNvPicPr>
+            <a:picLocks noChangeAspect="1"/>
+          </p:cNvPicPr>
+          <p:nvPr/>
+        </p:nvPicPr>
+        <p:blipFill>
+          <a:blip r:embed="rId2"/>
+          <a:stretch>
+            <a:fillRect/>
+          </a:stretch>
+        </p:blipFill>
+        <p:spPr>
+          <a:xfrm>
+            <a:off x="5254272" y="963296"/>
+            <a:ext cx="6780441" cy="4853653"/>
+          </a:xfrm>
+          <a:prstGeom prst="rect">
+            <a:avLst/>
+          </a:prstGeom>
+        </p:spPr>
+      </p:pic>
     </p:spTree>
+    <p:extLst>
+      <p:ext uri="{BB962C8B-B14F-4D97-AF65-F5344CB8AC3E}">
+        <p14:creationId xmlns:p14="http://schemas.microsoft.com/office/powerpoint/2010/main" val="954216185"/>
+      </p:ext>
+    </p:extLst>
   </p:cSld>
   <p:clrMapOvr>
     <a:masterClrMapping/>
